--- a/Chemie/Klasse_10/Alkane_Alkene/4_Eigenschaften_Alkane.pptx
+++ b/Chemie/Klasse_10/Alkane_Alkene/4_Eigenschaften_Alkane.pptx
@@ -7,16 +7,18 @@
   <p:sldIdLst>
     <p:sldId id="256" r:id="rId2"/>
     <p:sldId id="260" r:id="rId3"/>
-    <p:sldId id="257" r:id="rId4"/>
-    <p:sldId id="263" r:id="rId5"/>
-    <p:sldId id="264" r:id="rId6"/>
-    <p:sldId id="261" r:id="rId7"/>
+    <p:sldId id="263" r:id="rId4"/>
+    <p:sldId id="264" r:id="rId5"/>
+    <p:sldId id="261" r:id="rId6"/>
+    <p:sldId id="257" r:id="rId7"/>
     <p:sldId id="262" r:id="rId8"/>
-    <p:sldId id="265" r:id="rId9"/>
-    <p:sldId id="266" r:id="rId10"/>
-    <p:sldId id="267" r:id="rId11"/>
-    <p:sldId id="258" r:id="rId12"/>
-    <p:sldId id="259" r:id="rId13"/>
+    <p:sldId id="268" r:id="rId9"/>
+    <p:sldId id="265" r:id="rId10"/>
+    <p:sldId id="266" r:id="rId11"/>
+    <p:sldId id="267" r:id="rId12"/>
+    <p:sldId id="269" r:id="rId13"/>
+    <p:sldId id="258" r:id="rId14"/>
+    <p:sldId id="259" r:id="rId15"/>
   </p:sldIdLst>
   <p:sldSz cx="12192000" cy="6858000"/>
   <p:notesSz cx="6797675" cy="9925050"/>
@@ -270,7 +272,7 @@
           <a:p>
             <a:fld id="{12C08C06-8E5D-438A-87CE-25ABF5D32043}" type="datetimeFigureOut">
               <a:rPr lang="de-DE" smtClean="0"/>
-              <a:t>18.10.2021</a:t>
+              <a:t>20.12.2021</a:t>
             </a:fld>
             <a:endParaRPr lang="de-DE"/>
           </a:p>
@@ -468,7 +470,7 @@
           <a:p>
             <a:fld id="{12C08C06-8E5D-438A-87CE-25ABF5D32043}" type="datetimeFigureOut">
               <a:rPr lang="de-DE" smtClean="0"/>
-              <a:t>18.10.2021</a:t>
+              <a:t>20.12.2021</a:t>
             </a:fld>
             <a:endParaRPr lang="de-DE"/>
           </a:p>
@@ -676,7 +678,7 @@
           <a:p>
             <a:fld id="{12C08C06-8E5D-438A-87CE-25ABF5D32043}" type="datetimeFigureOut">
               <a:rPr lang="de-DE" smtClean="0"/>
-              <a:t>18.10.2021</a:t>
+              <a:t>20.12.2021</a:t>
             </a:fld>
             <a:endParaRPr lang="de-DE"/>
           </a:p>
@@ -874,7 +876,7 @@
           <a:p>
             <a:fld id="{12C08C06-8E5D-438A-87CE-25ABF5D32043}" type="datetimeFigureOut">
               <a:rPr lang="de-DE" smtClean="0"/>
-              <a:t>18.10.2021</a:t>
+              <a:t>20.12.2021</a:t>
             </a:fld>
             <a:endParaRPr lang="de-DE"/>
           </a:p>
@@ -1149,7 +1151,7 @@
           <a:p>
             <a:fld id="{12C08C06-8E5D-438A-87CE-25ABF5D32043}" type="datetimeFigureOut">
               <a:rPr lang="de-DE" smtClean="0"/>
-              <a:t>18.10.2021</a:t>
+              <a:t>20.12.2021</a:t>
             </a:fld>
             <a:endParaRPr lang="de-DE"/>
           </a:p>
@@ -1414,7 +1416,7 @@
           <a:p>
             <a:fld id="{12C08C06-8E5D-438A-87CE-25ABF5D32043}" type="datetimeFigureOut">
               <a:rPr lang="de-DE" smtClean="0"/>
-              <a:t>18.10.2021</a:t>
+              <a:t>20.12.2021</a:t>
             </a:fld>
             <a:endParaRPr lang="de-DE"/>
           </a:p>
@@ -1826,7 +1828,7 @@
           <a:p>
             <a:fld id="{12C08C06-8E5D-438A-87CE-25ABF5D32043}" type="datetimeFigureOut">
               <a:rPr lang="de-DE" smtClean="0"/>
-              <a:t>18.10.2021</a:t>
+              <a:t>20.12.2021</a:t>
             </a:fld>
             <a:endParaRPr lang="de-DE"/>
           </a:p>
@@ -1967,7 +1969,7 @@
           <a:p>
             <a:fld id="{12C08C06-8E5D-438A-87CE-25ABF5D32043}" type="datetimeFigureOut">
               <a:rPr lang="de-DE" smtClean="0"/>
-              <a:t>18.10.2021</a:t>
+              <a:t>20.12.2021</a:t>
             </a:fld>
             <a:endParaRPr lang="de-DE"/>
           </a:p>
@@ -2080,7 +2082,7 @@
           <a:p>
             <a:fld id="{12C08C06-8E5D-438A-87CE-25ABF5D32043}" type="datetimeFigureOut">
               <a:rPr lang="de-DE" smtClean="0"/>
-              <a:t>18.10.2021</a:t>
+              <a:t>20.12.2021</a:t>
             </a:fld>
             <a:endParaRPr lang="de-DE"/>
           </a:p>
@@ -2391,7 +2393,7 @@
           <a:p>
             <a:fld id="{12C08C06-8E5D-438A-87CE-25ABF5D32043}" type="datetimeFigureOut">
               <a:rPr lang="de-DE" smtClean="0"/>
-              <a:t>18.10.2021</a:t>
+              <a:t>20.12.2021</a:t>
             </a:fld>
             <a:endParaRPr lang="de-DE"/>
           </a:p>
@@ -2679,7 +2681,7 @@
           <a:p>
             <a:fld id="{12C08C06-8E5D-438A-87CE-25ABF5D32043}" type="datetimeFigureOut">
               <a:rPr lang="de-DE" smtClean="0"/>
-              <a:t>18.10.2021</a:t>
+              <a:t>20.12.2021</a:t>
             </a:fld>
             <a:endParaRPr lang="de-DE"/>
           </a:p>
@@ -2920,7 +2922,7 @@
           <a:p>
             <a:fld id="{12C08C06-8E5D-438A-87CE-25ABF5D32043}" type="datetimeFigureOut">
               <a:rPr lang="de-DE" smtClean="0"/>
-              <a:t>18.10.2021</a:t>
+              <a:t>20.12.2021</a:t>
             </a:fld>
             <a:endParaRPr lang="de-DE"/>
           </a:p>
@@ -8400,6 +8402,1406 @@
       </p:grpSpPr>
       <p:sp>
         <p:nvSpPr>
+          <p:cNvPr id="2" name="Textfeld 1">
+            <a:extLst>
+              <a:ext uri="{FF2B5EF4-FFF2-40B4-BE49-F238E27FC236}">
+                <a16:creationId xmlns:a16="http://schemas.microsoft.com/office/drawing/2014/main" id="{FA70C7E2-E01A-4ED9-9DA0-E12E94A5A7B5}"/>
+              </a:ext>
+            </a:extLst>
+          </p:cNvPr>
+          <p:cNvSpPr txBox="1"/>
+          <p:nvPr/>
+        </p:nvSpPr>
+        <p:spPr>
+          <a:xfrm>
+            <a:off x="1132764" y="366504"/>
+            <a:ext cx="9294126" cy="584775"/>
+          </a:xfrm>
+          <a:prstGeom prst="rect">
+            <a:avLst/>
+          </a:prstGeom>
+          <a:noFill/>
+        </p:spPr>
+        <p:txBody>
+          <a:bodyPr wrap="square" rtlCol="0">
+            <a:spAutoFit/>
+          </a:bodyPr>
+          <a:lstStyle/>
+          <a:p>
+            <a:r>
+              <a:rPr lang="de-DE" sz="3200" dirty="0"/>
+              <a:t>Die Löslichkeit von Alkanen</a:t>
+            </a:r>
+          </a:p>
+        </p:txBody>
+      </p:sp>
+      <p:graphicFrame>
+        <p:nvGraphicFramePr>
+          <p:cNvPr id="3" name="Tabelle 3">
+            <a:extLst>
+              <a:ext uri="{FF2B5EF4-FFF2-40B4-BE49-F238E27FC236}">
+                <a16:creationId xmlns:a16="http://schemas.microsoft.com/office/drawing/2014/main" id="{0FAC5A24-FA00-4A39-91A6-DF465AF0D244}"/>
+              </a:ext>
+            </a:extLst>
+          </p:cNvPr>
+          <p:cNvGraphicFramePr>
+            <a:graphicFrameLocks noGrp="1"/>
+          </p:cNvGraphicFramePr>
+          <p:nvPr>
+            <p:extLst>
+              <p:ext uri="{D42A27DB-BD31-4B8C-83A1-F6EECF244321}">
+                <p14:modId xmlns:p14="http://schemas.microsoft.com/office/powerpoint/2010/main" val="726722677"/>
+              </p:ext>
+            </p:extLst>
+          </p:nvPr>
+        </p:nvGraphicFramePr>
+        <p:xfrm>
+          <a:off x="1295021" y="1607260"/>
+          <a:ext cx="8135582" cy="2863355"/>
+        </p:xfrm>
+        <a:graphic>
+          <a:graphicData uri="http://schemas.openxmlformats.org/drawingml/2006/table">
+            <a:tbl>
+              <a:tblPr firstRow="1" bandRow="1">
+                <a:tableStyleId>{5C22544A-7EE6-4342-B048-85BDC9FD1C3A}</a:tableStyleId>
+              </a:tblPr>
+              <a:tblGrid>
+                <a:gridCol w="4067791">
+                  <a:extLst>
+                    <a:ext uri="{9D8B030D-6E8A-4147-A177-3AD203B41FA5}">
+                      <a16:colId xmlns:a16="http://schemas.microsoft.com/office/drawing/2014/main" val="242114388"/>
+                    </a:ext>
+                  </a:extLst>
+                </a:gridCol>
+                <a:gridCol w="4067791">
+                  <a:extLst>
+                    <a:ext uri="{9D8B030D-6E8A-4147-A177-3AD203B41FA5}">
+                      <a16:colId xmlns:a16="http://schemas.microsoft.com/office/drawing/2014/main" val="1614717563"/>
+                    </a:ext>
+                  </a:extLst>
+                </a:gridCol>
+              </a:tblGrid>
+              <a:tr h="455435">
+                <a:tc>
+                  <a:txBody>
+                    <a:bodyPr/>
+                    <a:lstStyle/>
+                    <a:p>
+                      <a:pPr marL="0" marR="0" lvl="0" indent="0" algn="l" defTabSz="914400" rtl="0" eaLnBrk="1" fontAlgn="auto" latinLnBrk="0" hangingPunct="1">
+                        <a:lnSpc>
+                          <a:spcPct val="100000"/>
+                        </a:lnSpc>
+                        <a:spcBef>
+                          <a:spcPts val="0"/>
+                        </a:spcBef>
+                        <a:spcAft>
+                          <a:spcPts val="0"/>
+                        </a:spcAft>
+                        <a:buClrTx/>
+                        <a:buSzTx/>
+                        <a:buFontTx/>
+                        <a:buNone/>
+                        <a:tabLst/>
+                        <a:defRPr/>
+                      </a:pPr>
+                      <a:r>
+                        <a:rPr lang="de-DE" sz="2000" dirty="0" err="1">
+                          <a:solidFill>
+                            <a:schemeClr val="tx1"/>
+                          </a:solidFill>
+                        </a:rPr>
+                        <a:t>Löskeit</a:t>
+                      </a:r>
+                      <a:r>
+                        <a:rPr lang="de-DE" sz="2000" dirty="0">
+                          <a:solidFill>
+                            <a:schemeClr val="tx1"/>
+                          </a:solidFill>
+                        </a:rPr>
+                        <a:t> von Heptan in</a:t>
+                      </a:r>
+                    </a:p>
+                  </a:txBody>
+                  <a:tcPr>
+                    <a:lnL w="12700" cap="flat" cmpd="sng" algn="ctr">
+                      <a:solidFill>
+                        <a:schemeClr val="tx1"/>
+                      </a:solidFill>
+                      <a:prstDash val="solid"/>
+                      <a:round/>
+                      <a:headEnd type="none" w="med" len="med"/>
+                      <a:tailEnd type="none" w="med" len="med"/>
+                    </a:lnL>
+                    <a:lnR w="12700" cap="flat" cmpd="sng" algn="ctr">
+                      <a:solidFill>
+                        <a:schemeClr val="tx1"/>
+                      </a:solidFill>
+                      <a:prstDash val="solid"/>
+                      <a:round/>
+                      <a:headEnd type="none" w="med" len="med"/>
+                      <a:tailEnd type="none" w="med" len="med"/>
+                    </a:lnR>
+                    <a:lnT w="12700" cap="flat" cmpd="sng" algn="ctr">
+                      <a:solidFill>
+                        <a:schemeClr val="tx1"/>
+                      </a:solidFill>
+                      <a:prstDash val="solid"/>
+                      <a:round/>
+                      <a:headEnd type="none" w="med" len="med"/>
+                      <a:tailEnd type="none" w="med" len="med"/>
+                    </a:lnT>
+                    <a:lnB w="12700" cap="flat" cmpd="sng" algn="ctr">
+                      <a:solidFill>
+                        <a:schemeClr val="tx1"/>
+                      </a:solidFill>
+                      <a:prstDash val="solid"/>
+                      <a:round/>
+                      <a:headEnd type="none" w="med" len="med"/>
+                      <a:tailEnd type="none" w="med" len="med"/>
+                    </a:lnB>
+                    <a:noFill/>
+                  </a:tcPr>
+                </a:tc>
+                <a:tc>
+                  <a:txBody>
+                    <a:bodyPr/>
+                    <a:lstStyle/>
+                    <a:p>
+                      <a:r>
+                        <a:rPr lang="de-DE" sz="2000" dirty="0">
+                          <a:solidFill>
+                            <a:schemeClr val="tx1"/>
+                          </a:solidFill>
+                        </a:rPr>
+                        <a:t>Beobachtung</a:t>
+                      </a:r>
+                    </a:p>
+                  </a:txBody>
+                  <a:tcPr>
+                    <a:lnL w="12700" cap="flat" cmpd="sng" algn="ctr">
+                      <a:solidFill>
+                        <a:schemeClr val="tx1"/>
+                      </a:solidFill>
+                      <a:prstDash val="solid"/>
+                      <a:round/>
+                      <a:headEnd type="none" w="med" len="med"/>
+                      <a:tailEnd type="none" w="med" len="med"/>
+                    </a:lnL>
+                    <a:lnR w="12700" cap="flat" cmpd="sng" algn="ctr">
+                      <a:solidFill>
+                        <a:schemeClr val="tx1"/>
+                      </a:solidFill>
+                      <a:prstDash val="solid"/>
+                      <a:round/>
+                      <a:headEnd type="none" w="med" len="med"/>
+                      <a:tailEnd type="none" w="med" len="med"/>
+                    </a:lnR>
+                    <a:lnT w="12700" cap="flat" cmpd="sng" algn="ctr">
+                      <a:solidFill>
+                        <a:schemeClr val="tx1"/>
+                      </a:solidFill>
+                      <a:prstDash val="solid"/>
+                      <a:round/>
+                      <a:headEnd type="none" w="med" len="med"/>
+                      <a:tailEnd type="none" w="med" len="med"/>
+                    </a:lnT>
+                    <a:lnB w="12700" cap="flat" cmpd="sng" algn="ctr">
+                      <a:solidFill>
+                        <a:schemeClr val="tx1"/>
+                      </a:solidFill>
+                      <a:prstDash val="solid"/>
+                      <a:round/>
+                      <a:headEnd type="none" w="med" len="med"/>
+                      <a:tailEnd type="none" w="med" len="med"/>
+                    </a:lnB>
+                    <a:noFill/>
+                  </a:tcPr>
+                </a:tc>
+                <a:extLst>
+                  <a:ext uri="{0D108BD9-81ED-4DB2-BD59-A6C34878D82A}">
+                    <a16:rowId xmlns:a16="http://schemas.microsoft.com/office/drawing/2014/main" val="1290192367"/>
+                  </a:ext>
+                </a:extLst>
+              </a:tr>
+              <a:tr h="455435">
+                <a:tc>
+                  <a:txBody>
+                    <a:bodyPr/>
+                    <a:lstStyle/>
+                    <a:p>
+                      <a:r>
+                        <a:rPr lang="de-DE" sz="2000" dirty="0"/>
+                        <a:t>Pflanzenöl</a:t>
+                      </a:r>
+                    </a:p>
+                  </a:txBody>
+                  <a:tcPr>
+                    <a:lnL w="12700" cap="flat" cmpd="sng" algn="ctr">
+                      <a:solidFill>
+                        <a:schemeClr val="tx1"/>
+                      </a:solidFill>
+                      <a:prstDash val="solid"/>
+                      <a:round/>
+                      <a:headEnd type="none" w="med" len="med"/>
+                      <a:tailEnd type="none" w="med" len="med"/>
+                    </a:lnL>
+                    <a:lnR w="12700" cap="flat" cmpd="sng" algn="ctr">
+                      <a:solidFill>
+                        <a:schemeClr val="tx1"/>
+                      </a:solidFill>
+                      <a:prstDash val="solid"/>
+                      <a:round/>
+                      <a:headEnd type="none" w="med" len="med"/>
+                      <a:tailEnd type="none" w="med" len="med"/>
+                    </a:lnR>
+                    <a:lnT w="12700" cap="flat" cmpd="sng" algn="ctr">
+                      <a:solidFill>
+                        <a:schemeClr val="tx1"/>
+                      </a:solidFill>
+                      <a:prstDash val="solid"/>
+                      <a:round/>
+                      <a:headEnd type="none" w="med" len="med"/>
+                      <a:tailEnd type="none" w="med" len="med"/>
+                    </a:lnT>
+                    <a:lnB w="12700" cap="flat" cmpd="sng" algn="ctr">
+                      <a:solidFill>
+                        <a:schemeClr val="tx1"/>
+                      </a:solidFill>
+                      <a:prstDash val="solid"/>
+                      <a:round/>
+                      <a:headEnd type="none" w="med" len="med"/>
+                      <a:tailEnd type="none" w="med" len="med"/>
+                    </a:lnB>
+                    <a:noFill/>
+                  </a:tcPr>
+                </a:tc>
+                <a:tc>
+                  <a:txBody>
+                    <a:bodyPr/>
+                    <a:lstStyle/>
+                    <a:p>
+                      <a:r>
+                        <a:rPr lang="de-DE" sz="2000" dirty="0">
+                          <a:solidFill>
+                            <a:schemeClr val="tx1"/>
+                          </a:solidFill>
+                        </a:rPr>
+                        <a:t>Bildet nach dem Schütteln eine Phase </a:t>
+                      </a:r>
+                    </a:p>
+                    <a:p>
+                      <a:r>
+                        <a:rPr lang="de-DE" sz="2000" dirty="0">
+                          <a:solidFill>
+                            <a:schemeClr val="tx1"/>
+                          </a:solidFill>
+                          <a:sym typeface="Wingdings" panose="05000000000000000000" pitchFamily="2" charset="2"/>
+                        </a:rPr>
+                        <a:t> Gut löslich ineinander</a:t>
+                      </a:r>
+                      <a:endParaRPr lang="de-DE" sz="2000" dirty="0">
+                        <a:solidFill>
+                          <a:schemeClr val="tx1"/>
+                        </a:solidFill>
+                      </a:endParaRPr>
+                    </a:p>
+                  </a:txBody>
+                  <a:tcPr>
+                    <a:lnL w="12700" cap="flat" cmpd="sng" algn="ctr">
+                      <a:solidFill>
+                        <a:schemeClr val="tx1"/>
+                      </a:solidFill>
+                      <a:prstDash val="solid"/>
+                      <a:round/>
+                      <a:headEnd type="none" w="med" len="med"/>
+                      <a:tailEnd type="none" w="med" len="med"/>
+                    </a:lnL>
+                    <a:lnR w="12700" cap="flat" cmpd="sng" algn="ctr">
+                      <a:solidFill>
+                        <a:schemeClr val="tx1"/>
+                      </a:solidFill>
+                      <a:prstDash val="solid"/>
+                      <a:round/>
+                      <a:headEnd type="none" w="med" len="med"/>
+                      <a:tailEnd type="none" w="med" len="med"/>
+                    </a:lnR>
+                    <a:lnT w="12700" cap="flat" cmpd="sng" algn="ctr">
+                      <a:solidFill>
+                        <a:schemeClr val="tx1"/>
+                      </a:solidFill>
+                      <a:prstDash val="solid"/>
+                      <a:round/>
+                      <a:headEnd type="none" w="med" len="med"/>
+                      <a:tailEnd type="none" w="med" len="med"/>
+                    </a:lnT>
+                    <a:lnB w="12700" cap="flat" cmpd="sng" algn="ctr">
+                      <a:solidFill>
+                        <a:schemeClr val="tx1"/>
+                      </a:solidFill>
+                      <a:prstDash val="solid"/>
+                      <a:round/>
+                      <a:headEnd type="none" w="med" len="med"/>
+                      <a:tailEnd type="none" w="med" len="med"/>
+                    </a:lnB>
+                    <a:noFill/>
+                  </a:tcPr>
+                </a:tc>
+                <a:extLst>
+                  <a:ext uri="{0D108BD9-81ED-4DB2-BD59-A6C34878D82A}">
+                    <a16:rowId xmlns:a16="http://schemas.microsoft.com/office/drawing/2014/main" val="4019128542"/>
+                  </a:ext>
+                </a:extLst>
+              </a:tr>
+              <a:tr h="455435">
+                <a:tc>
+                  <a:txBody>
+                    <a:bodyPr/>
+                    <a:lstStyle/>
+                    <a:p>
+                      <a:r>
+                        <a:rPr lang="de-DE" sz="2000" dirty="0"/>
+                        <a:t>Wasser</a:t>
+                      </a:r>
+                    </a:p>
+                  </a:txBody>
+                  <a:tcPr>
+                    <a:lnL w="12700" cap="flat" cmpd="sng" algn="ctr">
+                      <a:solidFill>
+                        <a:schemeClr val="tx1"/>
+                      </a:solidFill>
+                      <a:prstDash val="solid"/>
+                      <a:round/>
+                      <a:headEnd type="none" w="med" len="med"/>
+                      <a:tailEnd type="none" w="med" len="med"/>
+                    </a:lnL>
+                    <a:lnR w="12700" cap="flat" cmpd="sng" algn="ctr">
+                      <a:solidFill>
+                        <a:schemeClr val="tx1"/>
+                      </a:solidFill>
+                      <a:prstDash val="solid"/>
+                      <a:round/>
+                      <a:headEnd type="none" w="med" len="med"/>
+                      <a:tailEnd type="none" w="med" len="med"/>
+                    </a:lnR>
+                    <a:lnT w="12700" cap="flat" cmpd="sng" algn="ctr">
+                      <a:solidFill>
+                        <a:schemeClr val="tx1"/>
+                      </a:solidFill>
+                      <a:prstDash val="solid"/>
+                      <a:round/>
+                      <a:headEnd type="none" w="med" len="med"/>
+                      <a:tailEnd type="none" w="med" len="med"/>
+                    </a:lnT>
+                    <a:lnB w="12700" cap="flat" cmpd="sng" algn="ctr">
+                      <a:solidFill>
+                        <a:schemeClr val="tx1"/>
+                      </a:solidFill>
+                      <a:prstDash val="solid"/>
+                      <a:round/>
+                      <a:headEnd type="none" w="med" len="med"/>
+                      <a:tailEnd type="none" w="med" len="med"/>
+                    </a:lnB>
+                    <a:noFill/>
+                  </a:tcPr>
+                </a:tc>
+                <a:tc>
+                  <a:txBody>
+                    <a:bodyPr/>
+                    <a:lstStyle/>
+                    <a:p>
+                      <a:r>
+                        <a:rPr lang="de-DE" sz="2000" dirty="0">
+                          <a:solidFill>
+                            <a:schemeClr val="tx1"/>
+                          </a:solidFill>
+                        </a:rPr>
+                        <a:t>Zwei deutliche Phasen, entmischen sich nach dem Schütteln wieder</a:t>
+                      </a:r>
+                    </a:p>
+                    <a:p>
+                      <a:r>
+                        <a:rPr lang="de-DE" sz="2000" dirty="0">
+                          <a:solidFill>
+                            <a:schemeClr val="tx1"/>
+                          </a:solidFill>
+                          <a:sym typeface="Wingdings" panose="05000000000000000000" pitchFamily="2" charset="2"/>
+                        </a:rPr>
+                        <a:t> Nicht löslich ineinander </a:t>
+                      </a:r>
+                      <a:endParaRPr lang="de-DE" sz="2000" dirty="0">
+                        <a:solidFill>
+                          <a:schemeClr val="tx1"/>
+                        </a:solidFill>
+                      </a:endParaRPr>
+                    </a:p>
+                  </a:txBody>
+                  <a:tcPr>
+                    <a:lnL w="12700" cap="flat" cmpd="sng" algn="ctr">
+                      <a:solidFill>
+                        <a:schemeClr val="tx1"/>
+                      </a:solidFill>
+                      <a:prstDash val="solid"/>
+                      <a:round/>
+                      <a:headEnd type="none" w="med" len="med"/>
+                      <a:tailEnd type="none" w="med" len="med"/>
+                    </a:lnL>
+                    <a:lnR w="12700" cap="flat" cmpd="sng" algn="ctr">
+                      <a:solidFill>
+                        <a:schemeClr val="tx1"/>
+                      </a:solidFill>
+                      <a:prstDash val="solid"/>
+                      <a:round/>
+                      <a:headEnd type="none" w="med" len="med"/>
+                      <a:tailEnd type="none" w="med" len="med"/>
+                    </a:lnR>
+                    <a:lnT w="12700" cap="flat" cmpd="sng" algn="ctr">
+                      <a:solidFill>
+                        <a:schemeClr val="tx1"/>
+                      </a:solidFill>
+                      <a:prstDash val="solid"/>
+                      <a:round/>
+                      <a:headEnd type="none" w="med" len="med"/>
+                      <a:tailEnd type="none" w="med" len="med"/>
+                    </a:lnT>
+                    <a:lnB w="12700" cap="flat" cmpd="sng" algn="ctr">
+                      <a:solidFill>
+                        <a:schemeClr val="tx1"/>
+                      </a:solidFill>
+                      <a:prstDash val="solid"/>
+                      <a:round/>
+                      <a:headEnd type="none" w="med" len="med"/>
+                      <a:tailEnd type="none" w="med" len="med"/>
+                    </a:lnB>
+                    <a:noFill/>
+                  </a:tcPr>
+                </a:tc>
+                <a:extLst>
+                  <a:ext uri="{0D108BD9-81ED-4DB2-BD59-A6C34878D82A}">
+                    <a16:rowId xmlns:a16="http://schemas.microsoft.com/office/drawing/2014/main" val="3703314446"/>
+                  </a:ext>
+                </a:extLst>
+              </a:tr>
+              <a:tr h="455435">
+                <a:tc>
+                  <a:txBody>
+                    <a:bodyPr/>
+                    <a:lstStyle/>
+                    <a:p>
+                      <a:r>
+                        <a:rPr lang="de-DE" sz="2000" dirty="0"/>
+                        <a:t>einem anderem Alkan (Paraffinöl)</a:t>
+                      </a:r>
+                    </a:p>
+                  </a:txBody>
+                  <a:tcPr>
+                    <a:lnL w="12700" cap="flat" cmpd="sng" algn="ctr">
+                      <a:solidFill>
+                        <a:schemeClr val="tx1"/>
+                      </a:solidFill>
+                      <a:prstDash val="solid"/>
+                      <a:round/>
+                      <a:headEnd type="none" w="med" len="med"/>
+                      <a:tailEnd type="none" w="med" len="med"/>
+                    </a:lnL>
+                    <a:lnR w="12700" cap="flat" cmpd="sng" algn="ctr">
+                      <a:solidFill>
+                        <a:schemeClr val="tx1"/>
+                      </a:solidFill>
+                      <a:prstDash val="solid"/>
+                      <a:round/>
+                      <a:headEnd type="none" w="med" len="med"/>
+                      <a:tailEnd type="none" w="med" len="med"/>
+                    </a:lnR>
+                    <a:lnT w="12700" cap="flat" cmpd="sng" algn="ctr">
+                      <a:solidFill>
+                        <a:schemeClr val="tx1"/>
+                      </a:solidFill>
+                      <a:prstDash val="solid"/>
+                      <a:round/>
+                      <a:headEnd type="none" w="med" len="med"/>
+                      <a:tailEnd type="none" w="med" len="med"/>
+                    </a:lnT>
+                    <a:lnB w="12700" cap="flat" cmpd="sng" algn="ctr">
+                      <a:solidFill>
+                        <a:schemeClr val="tx1"/>
+                      </a:solidFill>
+                      <a:prstDash val="solid"/>
+                      <a:round/>
+                      <a:headEnd type="none" w="med" len="med"/>
+                      <a:tailEnd type="none" w="med" len="med"/>
+                    </a:lnB>
+                    <a:noFill/>
+                  </a:tcPr>
+                </a:tc>
+                <a:tc>
+                  <a:txBody>
+                    <a:bodyPr/>
+                    <a:lstStyle/>
+                    <a:p>
+                      <a:r>
+                        <a:rPr lang="de-DE" sz="2000" dirty="0">
+                          <a:solidFill>
+                            <a:schemeClr val="tx1"/>
+                          </a:solidFill>
+                        </a:rPr>
+                        <a:t>Bildet nach dem Schütteln eine Phase</a:t>
+                      </a:r>
+                    </a:p>
+                    <a:p>
+                      <a:r>
+                        <a:rPr lang="de-DE" sz="2000" dirty="0">
+                          <a:solidFill>
+                            <a:schemeClr val="tx1"/>
+                          </a:solidFill>
+                          <a:sym typeface="Wingdings" panose="05000000000000000000" pitchFamily="2" charset="2"/>
+                        </a:rPr>
+                        <a:t> Gut löslich ineinander</a:t>
+                      </a:r>
+                      <a:endParaRPr lang="de-DE" sz="2000" dirty="0">
+                        <a:solidFill>
+                          <a:schemeClr val="tx1"/>
+                        </a:solidFill>
+                      </a:endParaRPr>
+                    </a:p>
+                  </a:txBody>
+                  <a:tcPr>
+                    <a:lnL w="12700" cap="flat" cmpd="sng" algn="ctr">
+                      <a:solidFill>
+                        <a:schemeClr val="tx1"/>
+                      </a:solidFill>
+                      <a:prstDash val="solid"/>
+                      <a:round/>
+                      <a:headEnd type="none" w="med" len="med"/>
+                      <a:tailEnd type="none" w="med" len="med"/>
+                    </a:lnL>
+                    <a:lnR w="12700" cap="flat" cmpd="sng" algn="ctr">
+                      <a:solidFill>
+                        <a:schemeClr val="tx1"/>
+                      </a:solidFill>
+                      <a:prstDash val="solid"/>
+                      <a:round/>
+                      <a:headEnd type="none" w="med" len="med"/>
+                      <a:tailEnd type="none" w="med" len="med"/>
+                    </a:lnR>
+                    <a:lnT w="12700" cap="flat" cmpd="sng" algn="ctr">
+                      <a:solidFill>
+                        <a:schemeClr val="tx1"/>
+                      </a:solidFill>
+                      <a:prstDash val="solid"/>
+                      <a:round/>
+                      <a:headEnd type="none" w="med" len="med"/>
+                      <a:tailEnd type="none" w="med" len="med"/>
+                    </a:lnT>
+                    <a:lnB w="12700" cap="flat" cmpd="sng" algn="ctr">
+                      <a:solidFill>
+                        <a:schemeClr val="tx1"/>
+                      </a:solidFill>
+                      <a:prstDash val="solid"/>
+                      <a:round/>
+                      <a:headEnd type="none" w="med" len="med"/>
+                      <a:tailEnd type="none" w="med" len="med"/>
+                    </a:lnB>
+                    <a:noFill/>
+                  </a:tcPr>
+                </a:tc>
+                <a:extLst>
+                  <a:ext uri="{0D108BD9-81ED-4DB2-BD59-A6C34878D82A}">
+                    <a16:rowId xmlns:a16="http://schemas.microsoft.com/office/drawing/2014/main" val="4190031389"/>
+                  </a:ext>
+                </a:extLst>
+              </a:tr>
+            </a:tbl>
+          </a:graphicData>
+        </a:graphic>
+      </p:graphicFrame>
+      <p:sp>
+        <p:nvSpPr>
+          <p:cNvPr id="6" name="Rechteck 5">
+            <a:extLst>
+              <a:ext uri="{FF2B5EF4-FFF2-40B4-BE49-F238E27FC236}">
+                <a16:creationId xmlns:a16="http://schemas.microsoft.com/office/drawing/2014/main" id="{436B7406-E5A8-45AB-82E1-057C11D973F8}"/>
+              </a:ext>
+            </a:extLst>
+          </p:cNvPr>
+          <p:cNvSpPr/>
+          <p:nvPr/>
+        </p:nvSpPr>
+        <p:spPr>
+          <a:xfrm>
+            <a:off x="5444698" y="2120096"/>
+            <a:ext cx="3890371" cy="629869"/>
+          </a:xfrm>
+          <a:prstGeom prst="rect">
+            <a:avLst/>
+          </a:prstGeom>
+          <a:ln>
+            <a:solidFill>
+              <a:schemeClr val="bg1"/>
+            </a:solidFill>
+          </a:ln>
+        </p:spPr>
+        <p:style>
+          <a:lnRef idx="2">
+            <a:schemeClr val="accent6"/>
+          </a:lnRef>
+          <a:fillRef idx="1">
+            <a:schemeClr val="lt1"/>
+          </a:fillRef>
+          <a:effectRef idx="0">
+            <a:schemeClr val="accent6"/>
+          </a:effectRef>
+          <a:fontRef idx="minor">
+            <a:schemeClr val="dk1"/>
+          </a:fontRef>
+        </p:style>
+        <p:txBody>
+          <a:bodyPr rtlCol="0" anchor="ctr"/>
+          <a:lstStyle/>
+          <a:p>
+            <a:pPr algn="ctr"/>
+            <a:endParaRPr lang="de-DE">
+              <a:solidFill>
+                <a:schemeClr val="bg1"/>
+              </a:solidFill>
+            </a:endParaRPr>
+          </a:p>
+        </p:txBody>
+      </p:sp>
+      <p:sp>
+        <p:nvSpPr>
+          <p:cNvPr id="7" name="Rechteck 6">
+            <a:extLst>
+              <a:ext uri="{FF2B5EF4-FFF2-40B4-BE49-F238E27FC236}">
+                <a16:creationId xmlns:a16="http://schemas.microsoft.com/office/drawing/2014/main" id="{D7CBBD3C-79A3-465F-B0B4-8880167A737D}"/>
+              </a:ext>
+            </a:extLst>
+          </p:cNvPr>
+          <p:cNvSpPr/>
+          <p:nvPr/>
+        </p:nvSpPr>
+        <p:spPr>
+          <a:xfrm>
+            <a:off x="5444698" y="2848732"/>
+            <a:ext cx="3726596" cy="836164"/>
+          </a:xfrm>
+          <a:prstGeom prst="rect">
+            <a:avLst/>
+          </a:prstGeom>
+          <a:ln>
+            <a:solidFill>
+              <a:schemeClr val="bg1"/>
+            </a:solidFill>
+          </a:ln>
+        </p:spPr>
+        <p:style>
+          <a:lnRef idx="2">
+            <a:schemeClr val="accent6"/>
+          </a:lnRef>
+          <a:fillRef idx="1">
+            <a:schemeClr val="lt1"/>
+          </a:fillRef>
+          <a:effectRef idx="0">
+            <a:schemeClr val="accent6"/>
+          </a:effectRef>
+          <a:fontRef idx="minor">
+            <a:schemeClr val="dk1"/>
+          </a:fontRef>
+        </p:style>
+        <p:txBody>
+          <a:bodyPr rtlCol="0" anchor="ctr"/>
+          <a:lstStyle/>
+          <a:p>
+            <a:pPr algn="ctr"/>
+            <a:endParaRPr lang="de-DE">
+              <a:solidFill>
+                <a:schemeClr val="bg1"/>
+              </a:solidFill>
+            </a:endParaRPr>
+          </a:p>
+        </p:txBody>
+      </p:sp>
+      <p:sp>
+        <p:nvSpPr>
+          <p:cNvPr id="8" name="Rechteck 7">
+            <a:extLst>
+              <a:ext uri="{FF2B5EF4-FFF2-40B4-BE49-F238E27FC236}">
+                <a16:creationId xmlns:a16="http://schemas.microsoft.com/office/drawing/2014/main" id="{43A8F982-35F3-47F3-91DD-558DB1673AB4}"/>
+              </a:ext>
+            </a:extLst>
+          </p:cNvPr>
+          <p:cNvSpPr/>
+          <p:nvPr/>
+        </p:nvSpPr>
+        <p:spPr>
+          <a:xfrm>
+            <a:off x="5444698" y="3850687"/>
+            <a:ext cx="3890370" cy="538646"/>
+          </a:xfrm>
+          <a:prstGeom prst="rect">
+            <a:avLst/>
+          </a:prstGeom>
+          <a:ln>
+            <a:solidFill>
+              <a:schemeClr val="bg1"/>
+            </a:solidFill>
+          </a:ln>
+        </p:spPr>
+        <p:style>
+          <a:lnRef idx="2">
+            <a:schemeClr val="accent6"/>
+          </a:lnRef>
+          <a:fillRef idx="1">
+            <a:schemeClr val="lt1"/>
+          </a:fillRef>
+          <a:effectRef idx="0">
+            <a:schemeClr val="accent6"/>
+          </a:effectRef>
+          <a:fontRef idx="minor">
+            <a:schemeClr val="dk1"/>
+          </a:fontRef>
+        </p:style>
+        <p:txBody>
+          <a:bodyPr rtlCol="0" anchor="ctr"/>
+          <a:lstStyle/>
+          <a:p>
+            <a:pPr algn="ctr"/>
+            <a:endParaRPr lang="de-DE" dirty="0">
+              <a:solidFill>
+                <a:schemeClr val="bg1"/>
+              </a:solidFill>
+            </a:endParaRPr>
+          </a:p>
+        </p:txBody>
+      </p:sp>
+      <p:sp>
+        <p:nvSpPr>
+          <p:cNvPr id="9" name="Textfeld 8">
+            <a:extLst>
+              <a:ext uri="{FF2B5EF4-FFF2-40B4-BE49-F238E27FC236}">
+                <a16:creationId xmlns:a16="http://schemas.microsoft.com/office/drawing/2014/main" id="{DCFDD7F4-ABE0-4B5E-ABC8-189AF89F41A6}"/>
+              </a:ext>
+            </a:extLst>
+          </p:cNvPr>
+          <p:cNvSpPr txBox="1"/>
+          <p:nvPr/>
+        </p:nvSpPr>
+        <p:spPr>
+          <a:xfrm>
+            <a:off x="1295019" y="4682741"/>
+            <a:ext cx="5897349" cy="369332"/>
+          </a:xfrm>
+          <a:prstGeom prst="rect">
+            <a:avLst/>
+          </a:prstGeom>
+          <a:noFill/>
+        </p:spPr>
+        <p:txBody>
+          <a:bodyPr wrap="square" rtlCol="0">
+            <a:spAutoFit/>
+          </a:bodyPr>
+          <a:lstStyle/>
+          <a:p>
+            <a:r>
+              <a:rPr lang="de-DE" dirty="0"/>
+              <a:t>Ergebnis:</a:t>
+            </a:r>
+          </a:p>
+        </p:txBody>
+      </p:sp>
+      <p:sp>
+        <p:nvSpPr>
+          <p:cNvPr id="10" name="Textfeld 9">
+            <a:extLst>
+              <a:ext uri="{FF2B5EF4-FFF2-40B4-BE49-F238E27FC236}">
+                <a16:creationId xmlns:a16="http://schemas.microsoft.com/office/drawing/2014/main" id="{05AB17E9-7032-4A7C-869B-41794181D190}"/>
+              </a:ext>
+            </a:extLst>
+          </p:cNvPr>
+          <p:cNvSpPr txBox="1"/>
+          <p:nvPr/>
+        </p:nvSpPr>
+        <p:spPr>
+          <a:xfrm>
+            <a:off x="1295020" y="1100967"/>
+            <a:ext cx="5897349" cy="369332"/>
+          </a:xfrm>
+          <a:prstGeom prst="rect">
+            <a:avLst/>
+          </a:prstGeom>
+          <a:noFill/>
+        </p:spPr>
+        <p:txBody>
+          <a:bodyPr wrap="square" rtlCol="0">
+            <a:spAutoFit/>
+          </a:bodyPr>
+          <a:lstStyle/>
+          <a:p>
+            <a:r>
+              <a:rPr lang="de-DE" dirty="0"/>
+              <a:t>Versuch:</a:t>
+            </a:r>
+          </a:p>
+        </p:txBody>
+      </p:sp>
+      <p:sp>
+        <p:nvSpPr>
+          <p:cNvPr id="11" name="Textfeld 10">
+            <a:extLst>
+              <a:ext uri="{FF2B5EF4-FFF2-40B4-BE49-F238E27FC236}">
+                <a16:creationId xmlns:a16="http://schemas.microsoft.com/office/drawing/2014/main" id="{CAD77AAF-01E8-4E7A-B4D9-6C355A0D6445}"/>
+              </a:ext>
+            </a:extLst>
+          </p:cNvPr>
+          <p:cNvSpPr txBox="1"/>
+          <p:nvPr/>
+        </p:nvSpPr>
+        <p:spPr>
+          <a:xfrm>
+            <a:off x="1295018" y="4983451"/>
+            <a:ext cx="7876276" cy="1015663"/>
+          </a:xfrm>
+          <a:prstGeom prst="rect">
+            <a:avLst/>
+          </a:prstGeom>
+          <a:noFill/>
+        </p:spPr>
+        <p:txBody>
+          <a:bodyPr wrap="square" rtlCol="0">
+            <a:spAutoFit/>
+          </a:bodyPr>
+          <a:lstStyle/>
+          <a:p>
+            <a:r>
+              <a:rPr lang="de-DE" sz="2000" dirty="0"/>
+              <a:t>Alkane sind in Wasser unlöslich.</a:t>
+            </a:r>
+          </a:p>
+          <a:p>
+            <a:r>
+              <a:rPr lang="de-DE" sz="2000" dirty="0"/>
+              <a:t>Alkane sind in unpolaren Lösungsmitteln (z.B. Pflanzenöl) gut löslich.</a:t>
+            </a:r>
+          </a:p>
+          <a:p>
+            <a:r>
+              <a:rPr lang="de-DE" sz="2000" dirty="0"/>
+              <a:t>Alkane sind untereinander gut löslich.</a:t>
+            </a:r>
+          </a:p>
+        </p:txBody>
+      </p:sp>
+      <p:sp>
+        <p:nvSpPr>
+          <p:cNvPr id="12" name="Textfeld 11">
+            <a:extLst>
+              <a:ext uri="{FF2B5EF4-FFF2-40B4-BE49-F238E27FC236}">
+                <a16:creationId xmlns:a16="http://schemas.microsoft.com/office/drawing/2014/main" id="{108B5C9F-918C-464C-88C1-39A62C2E7BE9}"/>
+              </a:ext>
+            </a:extLst>
+          </p:cNvPr>
+          <p:cNvSpPr txBox="1"/>
+          <p:nvPr/>
+        </p:nvSpPr>
+        <p:spPr>
+          <a:xfrm>
+            <a:off x="1295018" y="6142618"/>
+            <a:ext cx="6578221" cy="369332"/>
+          </a:xfrm>
+          <a:prstGeom prst="rect">
+            <a:avLst/>
+          </a:prstGeom>
+          <a:noFill/>
+        </p:spPr>
+        <p:txBody>
+          <a:bodyPr wrap="square" rtlCol="0">
+            <a:spAutoFit/>
+          </a:bodyPr>
+          <a:lstStyle/>
+          <a:p>
+            <a:r>
+              <a:rPr lang="de-DE" b="1" i="1" dirty="0">
+                <a:solidFill>
+                  <a:schemeClr val="accent1">
+                    <a:lumMod val="75000"/>
+                  </a:schemeClr>
+                </a:solidFill>
+              </a:rPr>
+              <a:t>Erkläre das Ergebnis mithilfe des Buches S. 244/245!</a:t>
+            </a:r>
+          </a:p>
+        </p:txBody>
+      </p:sp>
+      <p:sp>
+        <p:nvSpPr>
+          <p:cNvPr id="13" name="Rechteck 12">
+            <a:extLst>
+              <a:ext uri="{FF2B5EF4-FFF2-40B4-BE49-F238E27FC236}">
+                <a16:creationId xmlns:a16="http://schemas.microsoft.com/office/drawing/2014/main" id="{363311CA-AA14-4CCE-B9C6-A782AAB879FC}"/>
+              </a:ext>
+            </a:extLst>
+          </p:cNvPr>
+          <p:cNvSpPr/>
+          <p:nvPr/>
+        </p:nvSpPr>
+        <p:spPr>
+          <a:xfrm>
+            <a:off x="1342786" y="3838710"/>
+            <a:ext cx="3890370" cy="538646"/>
+          </a:xfrm>
+          <a:prstGeom prst="rect">
+            <a:avLst/>
+          </a:prstGeom>
+          <a:ln>
+            <a:solidFill>
+              <a:schemeClr val="bg1"/>
+            </a:solidFill>
+          </a:ln>
+        </p:spPr>
+        <p:style>
+          <a:lnRef idx="2">
+            <a:schemeClr val="accent6"/>
+          </a:lnRef>
+          <a:fillRef idx="1">
+            <a:schemeClr val="lt1"/>
+          </a:fillRef>
+          <a:effectRef idx="0">
+            <a:schemeClr val="accent6"/>
+          </a:effectRef>
+          <a:fontRef idx="minor">
+            <a:schemeClr val="dk1"/>
+          </a:fontRef>
+        </p:style>
+        <p:txBody>
+          <a:bodyPr rtlCol="0" anchor="ctr"/>
+          <a:lstStyle/>
+          <a:p>
+            <a:pPr algn="ctr"/>
+            <a:endParaRPr lang="de-DE" dirty="0">
+              <a:solidFill>
+                <a:schemeClr val="bg1"/>
+              </a:solidFill>
+            </a:endParaRPr>
+          </a:p>
+        </p:txBody>
+      </p:sp>
+    </p:spTree>
+    <p:extLst>
+      <p:ext uri="{BB962C8B-B14F-4D97-AF65-F5344CB8AC3E}">
+        <p14:creationId xmlns:p14="http://schemas.microsoft.com/office/powerpoint/2010/main" val="2121647114"/>
+      </p:ext>
+    </p:extLst>
+  </p:cSld>
+  <p:clrMapOvr>
+    <a:masterClrMapping/>
+  </p:clrMapOvr>
+  <p:timing>
+    <p:tnLst>
+      <p:par>
+        <p:cTn id="1" dur="indefinite" restart="never" nodeType="tmRoot">
+          <p:childTnLst>
+            <p:seq concurrent="1" nextAc="seek">
+              <p:cTn id="2" dur="indefinite" nodeType="mainSeq">
+                <p:childTnLst>
+                  <p:par>
+                    <p:cTn id="3" fill="hold">
+                      <p:stCondLst>
+                        <p:cond delay="indefinite"/>
+                      </p:stCondLst>
+                      <p:childTnLst>
+                        <p:par>
+                          <p:cTn id="4" fill="hold">
+                            <p:stCondLst>
+                              <p:cond delay="0"/>
+                            </p:stCondLst>
+                            <p:childTnLst>
+                              <p:par>
+                                <p:cTn id="5" presetID="10" presetClass="exit" presetSubtype="0" fill="hold" grpId="0" nodeType="clickEffect">
+                                  <p:stCondLst>
+                                    <p:cond delay="0"/>
+                                  </p:stCondLst>
+                                  <p:childTnLst>
+                                    <p:animEffect transition="out" filter="fade">
+                                      <p:cBhvr>
+                                        <p:cTn id="6" dur="500"/>
+                                        <p:tgtEl>
+                                          <p:spTgt spid="6"/>
+                                        </p:tgtEl>
+                                      </p:cBhvr>
+                                    </p:animEffect>
+                                    <p:set>
+                                      <p:cBhvr>
+                                        <p:cTn id="7" dur="1" fill="hold">
+                                          <p:stCondLst>
+                                            <p:cond delay="499"/>
+                                          </p:stCondLst>
+                                        </p:cTn>
+                                        <p:tgtEl>
+                                          <p:spTgt spid="6"/>
+                                        </p:tgtEl>
+                                        <p:attrNameLst>
+                                          <p:attrName>style.visibility</p:attrName>
+                                        </p:attrNameLst>
+                                      </p:cBhvr>
+                                      <p:to>
+                                        <p:strVal val="hidden"/>
+                                      </p:to>
+                                    </p:set>
+                                  </p:childTnLst>
+                                </p:cTn>
+                              </p:par>
+                            </p:childTnLst>
+                          </p:cTn>
+                        </p:par>
+                      </p:childTnLst>
+                    </p:cTn>
+                  </p:par>
+                  <p:par>
+                    <p:cTn id="8" fill="hold">
+                      <p:stCondLst>
+                        <p:cond delay="indefinite"/>
+                      </p:stCondLst>
+                      <p:childTnLst>
+                        <p:par>
+                          <p:cTn id="9" fill="hold">
+                            <p:stCondLst>
+                              <p:cond delay="0"/>
+                            </p:stCondLst>
+                            <p:childTnLst>
+                              <p:par>
+                                <p:cTn id="10" presetID="10" presetClass="exit" presetSubtype="0" fill="hold" grpId="0" nodeType="clickEffect">
+                                  <p:stCondLst>
+                                    <p:cond delay="0"/>
+                                  </p:stCondLst>
+                                  <p:childTnLst>
+                                    <p:animEffect transition="out" filter="fade">
+                                      <p:cBhvr>
+                                        <p:cTn id="11" dur="500"/>
+                                        <p:tgtEl>
+                                          <p:spTgt spid="7"/>
+                                        </p:tgtEl>
+                                      </p:cBhvr>
+                                    </p:animEffect>
+                                    <p:set>
+                                      <p:cBhvr>
+                                        <p:cTn id="12" dur="1" fill="hold">
+                                          <p:stCondLst>
+                                            <p:cond delay="499"/>
+                                          </p:stCondLst>
+                                        </p:cTn>
+                                        <p:tgtEl>
+                                          <p:spTgt spid="7"/>
+                                        </p:tgtEl>
+                                        <p:attrNameLst>
+                                          <p:attrName>style.visibility</p:attrName>
+                                        </p:attrNameLst>
+                                      </p:cBhvr>
+                                      <p:to>
+                                        <p:strVal val="hidden"/>
+                                      </p:to>
+                                    </p:set>
+                                  </p:childTnLst>
+                                </p:cTn>
+                              </p:par>
+                            </p:childTnLst>
+                          </p:cTn>
+                        </p:par>
+                      </p:childTnLst>
+                    </p:cTn>
+                  </p:par>
+                  <p:par>
+                    <p:cTn id="13" fill="hold">
+                      <p:stCondLst>
+                        <p:cond delay="indefinite"/>
+                      </p:stCondLst>
+                      <p:childTnLst>
+                        <p:par>
+                          <p:cTn id="14" fill="hold">
+                            <p:stCondLst>
+                              <p:cond delay="0"/>
+                            </p:stCondLst>
+                            <p:childTnLst>
+                              <p:par>
+                                <p:cTn id="15" presetID="10" presetClass="exit" presetSubtype="0" fill="hold" grpId="0" nodeType="clickEffect">
+                                  <p:stCondLst>
+                                    <p:cond delay="0"/>
+                                  </p:stCondLst>
+                                  <p:childTnLst>
+                                    <p:animEffect transition="out" filter="fade">
+                                      <p:cBhvr>
+                                        <p:cTn id="16" dur="500"/>
+                                        <p:tgtEl>
+                                          <p:spTgt spid="13"/>
+                                        </p:tgtEl>
+                                      </p:cBhvr>
+                                    </p:animEffect>
+                                    <p:set>
+                                      <p:cBhvr>
+                                        <p:cTn id="17" dur="1" fill="hold">
+                                          <p:stCondLst>
+                                            <p:cond delay="499"/>
+                                          </p:stCondLst>
+                                        </p:cTn>
+                                        <p:tgtEl>
+                                          <p:spTgt spid="13"/>
+                                        </p:tgtEl>
+                                        <p:attrNameLst>
+                                          <p:attrName>style.visibility</p:attrName>
+                                        </p:attrNameLst>
+                                      </p:cBhvr>
+                                      <p:to>
+                                        <p:strVal val="hidden"/>
+                                      </p:to>
+                                    </p:set>
+                                  </p:childTnLst>
+                                </p:cTn>
+                              </p:par>
+                            </p:childTnLst>
+                          </p:cTn>
+                        </p:par>
+                      </p:childTnLst>
+                    </p:cTn>
+                  </p:par>
+                  <p:par>
+                    <p:cTn id="18" fill="hold">
+                      <p:stCondLst>
+                        <p:cond delay="indefinite"/>
+                      </p:stCondLst>
+                      <p:childTnLst>
+                        <p:par>
+                          <p:cTn id="19" fill="hold">
+                            <p:stCondLst>
+                              <p:cond delay="0"/>
+                            </p:stCondLst>
+                            <p:childTnLst>
+                              <p:par>
+                                <p:cTn id="20" presetID="10" presetClass="exit" presetSubtype="0" fill="hold" grpId="0" nodeType="clickEffect">
+                                  <p:stCondLst>
+                                    <p:cond delay="0"/>
+                                  </p:stCondLst>
+                                  <p:childTnLst>
+                                    <p:animEffect transition="out" filter="fade">
+                                      <p:cBhvr>
+                                        <p:cTn id="21" dur="500"/>
+                                        <p:tgtEl>
+                                          <p:spTgt spid="8"/>
+                                        </p:tgtEl>
+                                      </p:cBhvr>
+                                    </p:animEffect>
+                                    <p:set>
+                                      <p:cBhvr>
+                                        <p:cTn id="22" dur="1" fill="hold">
+                                          <p:stCondLst>
+                                            <p:cond delay="499"/>
+                                          </p:stCondLst>
+                                        </p:cTn>
+                                        <p:tgtEl>
+                                          <p:spTgt spid="8"/>
+                                        </p:tgtEl>
+                                        <p:attrNameLst>
+                                          <p:attrName>style.visibility</p:attrName>
+                                        </p:attrNameLst>
+                                      </p:cBhvr>
+                                      <p:to>
+                                        <p:strVal val="hidden"/>
+                                      </p:to>
+                                    </p:set>
+                                  </p:childTnLst>
+                                </p:cTn>
+                              </p:par>
+                            </p:childTnLst>
+                          </p:cTn>
+                        </p:par>
+                      </p:childTnLst>
+                    </p:cTn>
+                  </p:par>
+                  <p:par>
+                    <p:cTn id="23" fill="hold">
+                      <p:stCondLst>
+                        <p:cond delay="indefinite"/>
+                      </p:stCondLst>
+                      <p:childTnLst>
+                        <p:par>
+                          <p:cTn id="24" fill="hold">
+                            <p:stCondLst>
+                              <p:cond delay="0"/>
+                            </p:stCondLst>
+                            <p:childTnLst>
+                              <p:par>
+                                <p:cTn id="25" presetID="1" presetClass="entr" presetSubtype="0" fill="hold" grpId="0" nodeType="clickEffect">
+                                  <p:stCondLst>
+                                    <p:cond delay="0"/>
+                                  </p:stCondLst>
+                                  <p:childTnLst>
+                                    <p:set>
+                                      <p:cBhvr>
+                                        <p:cTn id="26" dur="1" fill="hold">
+                                          <p:stCondLst>
+                                            <p:cond delay="0"/>
+                                          </p:stCondLst>
+                                        </p:cTn>
+                                        <p:tgtEl>
+                                          <p:spTgt spid="9"/>
+                                        </p:tgtEl>
+                                        <p:attrNameLst>
+                                          <p:attrName>style.visibility</p:attrName>
+                                        </p:attrNameLst>
+                                      </p:cBhvr>
+                                      <p:to>
+                                        <p:strVal val="visible"/>
+                                      </p:to>
+                                    </p:set>
+                                  </p:childTnLst>
+                                </p:cTn>
+                              </p:par>
+                            </p:childTnLst>
+                          </p:cTn>
+                        </p:par>
+                      </p:childTnLst>
+                    </p:cTn>
+                  </p:par>
+                  <p:par>
+                    <p:cTn id="27" fill="hold">
+                      <p:stCondLst>
+                        <p:cond delay="indefinite"/>
+                      </p:stCondLst>
+                      <p:childTnLst>
+                        <p:par>
+                          <p:cTn id="28" fill="hold">
+                            <p:stCondLst>
+                              <p:cond delay="0"/>
+                            </p:stCondLst>
+                            <p:childTnLst>
+                              <p:par>
+                                <p:cTn id="29" presetID="1" presetClass="entr" presetSubtype="0" fill="hold" grpId="0" nodeType="clickEffect">
+                                  <p:stCondLst>
+                                    <p:cond delay="0"/>
+                                  </p:stCondLst>
+                                  <p:childTnLst>
+                                    <p:set>
+                                      <p:cBhvr>
+                                        <p:cTn id="30" dur="1" fill="hold">
+                                          <p:stCondLst>
+                                            <p:cond delay="0"/>
+                                          </p:stCondLst>
+                                        </p:cTn>
+                                        <p:tgtEl>
+                                          <p:spTgt spid="11"/>
+                                        </p:tgtEl>
+                                        <p:attrNameLst>
+                                          <p:attrName>style.visibility</p:attrName>
+                                        </p:attrNameLst>
+                                      </p:cBhvr>
+                                      <p:to>
+                                        <p:strVal val="visible"/>
+                                      </p:to>
+                                    </p:set>
+                                  </p:childTnLst>
+                                </p:cTn>
+                              </p:par>
+                            </p:childTnLst>
+                          </p:cTn>
+                        </p:par>
+                      </p:childTnLst>
+                    </p:cTn>
+                  </p:par>
+                  <p:par>
+                    <p:cTn id="31" fill="hold">
+                      <p:stCondLst>
+                        <p:cond delay="indefinite"/>
+                      </p:stCondLst>
+                      <p:childTnLst>
+                        <p:par>
+                          <p:cTn id="32" fill="hold">
+                            <p:stCondLst>
+                              <p:cond delay="0"/>
+                            </p:stCondLst>
+                            <p:childTnLst>
+                              <p:par>
+                                <p:cTn id="33" presetID="1" presetClass="entr" presetSubtype="0" fill="hold" grpId="0" nodeType="clickEffect">
+                                  <p:stCondLst>
+                                    <p:cond delay="0"/>
+                                  </p:stCondLst>
+                                  <p:childTnLst>
+                                    <p:set>
+                                      <p:cBhvr>
+                                        <p:cTn id="34" dur="1" fill="hold">
+                                          <p:stCondLst>
+                                            <p:cond delay="0"/>
+                                          </p:stCondLst>
+                                        </p:cTn>
+                                        <p:tgtEl>
+                                          <p:spTgt spid="12"/>
+                                        </p:tgtEl>
+                                        <p:attrNameLst>
+                                          <p:attrName>style.visibility</p:attrName>
+                                        </p:attrNameLst>
+                                      </p:cBhvr>
+                                      <p:to>
+                                        <p:strVal val="visible"/>
+                                      </p:to>
+                                    </p:set>
+                                  </p:childTnLst>
+                                </p:cTn>
+                              </p:par>
+                            </p:childTnLst>
+                          </p:cTn>
+                        </p:par>
+                      </p:childTnLst>
+                    </p:cTn>
+                  </p:par>
+                </p:childTnLst>
+              </p:cTn>
+              <p:prevCondLst>
+                <p:cond evt="onPrev" delay="0">
+                  <p:tgtEl>
+                    <p:sldTgt/>
+                  </p:tgtEl>
+                </p:cond>
+              </p:prevCondLst>
+              <p:nextCondLst>
+                <p:cond evt="onNext" delay="0">
+                  <p:tgtEl>
+                    <p:sldTgt/>
+                  </p:tgtEl>
+                </p:cond>
+              </p:nextCondLst>
+            </p:seq>
+          </p:childTnLst>
+        </p:cTn>
+      </p:par>
+    </p:tnLst>
+    <p:bldLst>
+      <p:bldP spid="6" grpId="0" animBg="1"/>
+      <p:bldP spid="7" grpId="0" animBg="1"/>
+      <p:bldP spid="8" grpId="0" animBg="1"/>
+      <p:bldP spid="9" grpId="0"/>
+      <p:bldP spid="11" grpId="0"/>
+      <p:bldP spid="12" grpId="0"/>
+      <p:bldP spid="13" grpId="0" animBg="1"/>
+    </p:bldLst>
+  </p:timing>
+</p:sld>
+</file>
+
+<file path=ppt/slides/slide11.xml><?xml version="1.0" encoding="utf-8"?>
+<p:sld xmlns:a="http://schemas.openxmlformats.org/drawingml/2006/main" xmlns:r="http://schemas.openxmlformats.org/officeDocument/2006/relationships" xmlns:p="http://schemas.openxmlformats.org/presentationml/2006/main">
+  <p:cSld>
+    <p:spTree>
+      <p:nvGrpSpPr>
+        <p:cNvPr id="1" name=""/>
+        <p:cNvGrpSpPr/>
+        <p:nvPr/>
+      </p:nvGrpSpPr>
+      <p:grpSpPr>
+        <a:xfrm>
+          <a:off x="0" y="0"/>
+          <a:ext cx="0" cy="0"/>
+          <a:chOff x="0" y="0"/>
+          <a:chExt cx="0" cy="0"/>
+        </a:xfrm>
+      </p:grpSpPr>
+      <p:sp>
+        <p:nvSpPr>
           <p:cNvPr id="3" name="Textfeld 2">
             <a:extLst>
               <a:ext uri="{FF2B5EF4-FFF2-40B4-BE49-F238E27FC236}">
@@ -8539,6 +9941,51 @@
           </a:p>
         </p:txBody>
       </p:sp>
+      <p:sp>
+        <p:nvSpPr>
+          <p:cNvPr id="2" name="Textfeld 1">
+            <a:extLst>
+              <a:ext uri="{FF2B5EF4-FFF2-40B4-BE49-F238E27FC236}">
+                <a16:creationId xmlns:a16="http://schemas.microsoft.com/office/drawing/2014/main" id="{5611C14D-4D6A-402F-B222-5591B06442C4}"/>
+              </a:ext>
+            </a:extLst>
+          </p:cNvPr>
+          <p:cNvSpPr txBox="1"/>
+          <p:nvPr/>
+        </p:nvSpPr>
+        <p:spPr>
+          <a:xfrm>
+            <a:off x="955343" y="4483122"/>
+            <a:ext cx="10067108" cy="1938992"/>
+          </a:xfrm>
+          <a:prstGeom prst="rect">
+            <a:avLst/>
+          </a:prstGeom>
+          <a:noFill/>
+        </p:spPr>
+        <p:txBody>
+          <a:bodyPr wrap="square" rtlCol="0">
+            <a:spAutoFit/>
+          </a:bodyPr>
+          <a:lstStyle/>
+          <a:p>
+            <a:r>
+              <a:rPr lang="de-DE" sz="2400" b="1" dirty="0"/>
+              <a:t>Erklärung</a:t>
+            </a:r>
+            <a:r>
+              <a:rPr lang="de-DE" sz="2400" dirty="0"/>
+              <a:t>:</a:t>
+            </a:r>
+          </a:p>
+          <a:p>
+            <a:r>
+              <a:rPr lang="de-DE" sz="2400" dirty="0"/>
+              <a:t>Die Wassermoleküle ziehen sich gegenseitig durch die Wasserstoffbrücken stark an. Die London-Kräfte, die die unpolaren Alkane ausbilden, sind zu schwach, um die starken Wasserstoffbrücken zu ersetzen und sich zwischen die Wassermoleküle zu drängen.</a:t>
+            </a:r>
+          </a:p>
+        </p:txBody>
+      </p:sp>
     </p:spTree>
     <p:extLst>
       <p:ext uri="{BB962C8B-B14F-4D97-AF65-F5344CB8AC3E}">
@@ -8647,6 +10094,51 @@
                       </p:childTnLst>
                     </p:cTn>
                   </p:par>
+                  <p:par>
+                    <p:cTn id="11" fill="hold">
+                      <p:stCondLst>
+                        <p:cond delay="indefinite"/>
+                      </p:stCondLst>
+                      <p:childTnLst>
+                        <p:par>
+                          <p:cTn id="12" fill="hold">
+                            <p:stCondLst>
+                              <p:cond delay="0"/>
+                            </p:stCondLst>
+                            <p:childTnLst>
+                              <p:par>
+                                <p:cTn id="13" presetID="1" presetClass="entr" presetSubtype="0" fill="hold" grpId="0" nodeType="clickEffect">
+                                  <p:stCondLst>
+                                    <p:cond delay="0"/>
+                                  </p:stCondLst>
+                                  <p:childTnLst>
+                                    <p:set>
+                                      <p:cBhvr>
+                                        <p:cTn id="14" dur="1" fill="hold">
+                                          <p:stCondLst>
+                                            <p:cond delay="0"/>
+                                          </p:stCondLst>
+                                        </p:cTn>
+                                        <p:tgtEl>
+                                          <p:spTgt spid="2"/>
+                                        </p:tgtEl>
+                                        <p:attrNameLst>
+                                          <p:attrName>style.visibility</p:attrName>
+                                        </p:attrNameLst>
+                                      </p:cBhvr>
+                                      <p:to>
+                                        <p:strVal val="visible"/>
+                                      </p:to>
+                                    </p:set>
+                                  </p:childTnLst>
+                                </p:cTn>
+                              </p:par>
+                            </p:childTnLst>
+                          </p:cTn>
+                        </p:par>
+                      </p:childTnLst>
+                    </p:cTn>
+                  </p:par>
                 </p:childTnLst>
               </p:cTn>
               <p:prevCondLst>
@@ -8671,12 +10163,1868 @@
     <p:bldLst>
       <p:bldP spid="4" grpId="0"/>
       <p:bldP spid="5" grpId="0"/>
+      <p:bldP spid="2" grpId="0"/>
     </p:bldLst>
   </p:timing>
 </p:sld>
 </file>
 
-<file path=ppt/slides/slide11.xml><?xml version="1.0" encoding="utf-8"?>
+<file path=ppt/slides/slide12.xml><?xml version="1.0" encoding="utf-8"?>
+<p:sld xmlns:a="http://schemas.openxmlformats.org/drawingml/2006/main" xmlns:r="http://schemas.openxmlformats.org/officeDocument/2006/relationships" xmlns:p="http://schemas.openxmlformats.org/presentationml/2006/main">
+  <p:cSld>
+    <p:spTree>
+      <p:nvGrpSpPr>
+        <p:cNvPr id="1" name=""/>
+        <p:cNvGrpSpPr/>
+        <p:nvPr/>
+      </p:nvGrpSpPr>
+      <p:grpSpPr>
+        <a:xfrm>
+          <a:off x="0" y="0"/>
+          <a:ext cx="0" cy="0"/>
+          <a:chOff x="0" y="0"/>
+          <a:chExt cx="0" cy="0"/>
+        </a:xfrm>
+      </p:grpSpPr>
+      <p:sp>
+        <p:nvSpPr>
+          <p:cNvPr id="2" name="Textfeld 1">
+            <a:extLst>
+              <a:ext uri="{FF2B5EF4-FFF2-40B4-BE49-F238E27FC236}">
+                <a16:creationId xmlns:a16="http://schemas.microsoft.com/office/drawing/2014/main" id="{4F165E39-B20A-439D-8D7A-BB6AE3497B63}"/>
+              </a:ext>
+            </a:extLst>
+          </p:cNvPr>
+          <p:cNvSpPr txBox="1"/>
+          <p:nvPr/>
+        </p:nvSpPr>
+        <p:spPr>
+          <a:xfrm>
+            <a:off x="914400" y="383177"/>
+            <a:ext cx="6426926" cy="369332"/>
+          </a:xfrm>
+          <a:prstGeom prst="rect">
+            <a:avLst/>
+          </a:prstGeom>
+          <a:noFill/>
+        </p:spPr>
+        <p:txBody>
+          <a:bodyPr wrap="square" rtlCol="0">
+            <a:spAutoFit/>
+          </a:bodyPr>
+          <a:lstStyle/>
+          <a:p>
+            <a:r>
+              <a:rPr lang="de-DE" dirty="0"/>
+              <a:t>S. 276 Nr. 5</a:t>
+            </a:r>
+          </a:p>
+        </p:txBody>
+      </p:sp>
+      <p:graphicFrame>
+        <p:nvGraphicFramePr>
+          <p:cNvPr id="4" name="Tabelle 4">
+            <a:extLst>
+              <a:ext uri="{FF2B5EF4-FFF2-40B4-BE49-F238E27FC236}">
+                <a16:creationId xmlns:a16="http://schemas.microsoft.com/office/drawing/2014/main" id="{B078E686-6352-4917-ACCC-EE5F6A6DDE43}"/>
+              </a:ext>
+            </a:extLst>
+          </p:cNvPr>
+          <p:cNvGraphicFramePr>
+            <a:graphicFrameLocks noGrp="1"/>
+          </p:cNvGraphicFramePr>
+          <p:nvPr>
+            <p:extLst>
+              <p:ext uri="{D42A27DB-BD31-4B8C-83A1-F6EECF244321}">
+                <p14:modId xmlns:p14="http://schemas.microsoft.com/office/powerpoint/2010/main" val="3764193864"/>
+              </p:ext>
+            </p:extLst>
+          </p:nvPr>
+        </p:nvGraphicFramePr>
+        <p:xfrm>
+          <a:off x="1021806" y="914400"/>
+          <a:ext cx="9907451" cy="5029200"/>
+        </p:xfrm>
+        <a:graphic>
+          <a:graphicData uri="http://schemas.openxmlformats.org/drawingml/2006/table">
+            <a:tbl>
+              <a:tblPr firstRow="1" bandRow="1">
+                <a:tableStyleId>{5C22544A-7EE6-4342-B048-85BDC9FD1C3A}</a:tableStyleId>
+              </a:tblPr>
+              <a:tblGrid>
+                <a:gridCol w="1956526">
+                  <a:extLst>
+                    <a:ext uri="{9D8B030D-6E8A-4147-A177-3AD203B41FA5}">
+                      <a16:colId xmlns:a16="http://schemas.microsoft.com/office/drawing/2014/main" val="4286529274"/>
+                    </a:ext>
+                  </a:extLst>
+                </a:gridCol>
+                <a:gridCol w="3936274">
+                  <a:extLst>
+                    <a:ext uri="{9D8B030D-6E8A-4147-A177-3AD203B41FA5}">
+                      <a16:colId xmlns:a16="http://schemas.microsoft.com/office/drawing/2014/main" val="3089396706"/>
+                    </a:ext>
+                  </a:extLst>
+                </a:gridCol>
+                <a:gridCol w="4014651">
+                  <a:extLst>
+                    <a:ext uri="{9D8B030D-6E8A-4147-A177-3AD203B41FA5}">
+                      <a16:colId xmlns:a16="http://schemas.microsoft.com/office/drawing/2014/main" val="696993180"/>
+                    </a:ext>
+                  </a:extLst>
+                </a:gridCol>
+              </a:tblGrid>
+              <a:tr h="370840">
+                <a:tc>
+                  <a:txBody>
+                    <a:bodyPr/>
+                    <a:lstStyle/>
+                    <a:p>
+                      <a:endParaRPr lang="de-DE" sz="2000" dirty="0">
+                        <a:solidFill>
+                          <a:schemeClr val="tx1"/>
+                        </a:solidFill>
+                      </a:endParaRPr>
+                    </a:p>
+                  </a:txBody>
+                  <a:tcPr>
+                    <a:lnL w="12700" cap="flat" cmpd="sng" algn="ctr">
+                      <a:solidFill>
+                        <a:schemeClr val="tx1"/>
+                      </a:solidFill>
+                      <a:prstDash val="solid"/>
+                      <a:round/>
+                      <a:headEnd type="none" w="med" len="med"/>
+                      <a:tailEnd type="none" w="med" len="med"/>
+                    </a:lnL>
+                    <a:lnR w="12700" cap="flat" cmpd="sng" algn="ctr">
+                      <a:solidFill>
+                        <a:schemeClr val="tx1"/>
+                      </a:solidFill>
+                      <a:prstDash val="solid"/>
+                      <a:round/>
+                      <a:headEnd type="none" w="med" len="med"/>
+                      <a:tailEnd type="none" w="med" len="med"/>
+                    </a:lnR>
+                    <a:lnT w="12700" cap="flat" cmpd="sng" algn="ctr">
+                      <a:solidFill>
+                        <a:schemeClr val="tx1"/>
+                      </a:solidFill>
+                      <a:prstDash val="solid"/>
+                      <a:round/>
+                      <a:headEnd type="none" w="med" len="med"/>
+                      <a:tailEnd type="none" w="med" len="med"/>
+                    </a:lnT>
+                    <a:lnB w="12700" cap="flat" cmpd="sng" algn="ctr">
+                      <a:solidFill>
+                        <a:schemeClr val="tx1"/>
+                      </a:solidFill>
+                      <a:prstDash val="solid"/>
+                      <a:round/>
+                      <a:headEnd type="none" w="med" len="med"/>
+                      <a:tailEnd type="none" w="med" len="med"/>
+                    </a:lnB>
+                    <a:noFill/>
+                  </a:tcPr>
+                </a:tc>
+                <a:tc>
+                  <a:txBody>
+                    <a:bodyPr/>
+                    <a:lstStyle/>
+                    <a:p>
+                      <a:r>
+                        <a:rPr lang="de-DE" sz="2000" dirty="0">
+                          <a:solidFill>
+                            <a:schemeClr val="tx1"/>
+                          </a:solidFill>
+                        </a:rPr>
+                        <a:t>London-Kräfte </a:t>
+                      </a:r>
+                    </a:p>
+                    <a:p>
+                      <a:r>
+                        <a:rPr lang="de-DE" sz="2000" dirty="0">
+                          <a:solidFill>
+                            <a:schemeClr val="bg1">
+                              <a:lumMod val="50000"/>
+                            </a:schemeClr>
+                          </a:solidFill>
+                        </a:rPr>
+                        <a:t>(Buch: van-der-Waals-WW)</a:t>
+                      </a:r>
+                    </a:p>
+                  </a:txBody>
+                  <a:tcPr>
+                    <a:lnL w="12700" cap="flat" cmpd="sng" algn="ctr">
+                      <a:solidFill>
+                        <a:schemeClr val="tx1"/>
+                      </a:solidFill>
+                      <a:prstDash val="solid"/>
+                      <a:round/>
+                      <a:headEnd type="none" w="med" len="med"/>
+                      <a:tailEnd type="none" w="med" len="med"/>
+                    </a:lnL>
+                    <a:lnR w="12700" cap="flat" cmpd="sng" algn="ctr">
+                      <a:solidFill>
+                        <a:schemeClr val="tx1"/>
+                      </a:solidFill>
+                      <a:prstDash val="solid"/>
+                      <a:round/>
+                      <a:headEnd type="none" w="med" len="med"/>
+                      <a:tailEnd type="none" w="med" len="med"/>
+                    </a:lnR>
+                    <a:lnT w="12700" cap="flat" cmpd="sng" algn="ctr">
+                      <a:solidFill>
+                        <a:schemeClr val="tx1"/>
+                      </a:solidFill>
+                      <a:prstDash val="solid"/>
+                      <a:round/>
+                      <a:headEnd type="none" w="med" len="med"/>
+                      <a:tailEnd type="none" w="med" len="med"/>
+                    </a:lnT>
+                    <a:lnB w="12700" cap="flat" cmpd="sng" algn="ctr">
+                      <a:solidFill>
+                        <a:schemeClr val="tx1"/>
+                      </a:solidFill>
+                      <a:prstDash val="solid"/>
+                      <a:round/>
+                      <a:headEnd type="none" w="med" len="med"/>
+                      <a:tailEnd type="none" w="med" len="med"/>
+                    </a:lnB>
+                    <a:noFill/>
+                  </a:tcPr>
+                </a:tc>
+                <a:tc>
+                  <a:txBody>
+                    <a:bodyPr/>
+                    <a:lstStyle/>
+                    <a:p>
+                      <a:r>
+                        <a:rPr lang="de-DE" sz="2000" dirty="0">
+                          <a:solidFill>
+                            <a:schemeClr val="tx1"/>
+                          </a:solidFill>
+                        </a:rPr>
+                        <a:t>Wasserstoffbrücken</a:t>
+                      </a:r>
+                    </a:p>
+                  </a:txBody>
+                  <a:tcPr>
+                    <a:lnL w="12700" cap="flat" cmpd="sng" algn="ctr">
+                      <a:solidFill>
+                        <a:schemeClr val="tx1"/>
+                      </a:solidFill>
+                      <a:prstDash val="solid"/>
+                      <a:round/>
+                      <a:headEnd type="none" w="med" len="med"/>
+                      <a:tailEnd type="none" w="med" len="med"/>
+                    </a:lnL>
+                    <a:lnR w="12700" cap="flat" cmpd="sng" algn="ctr">
+                      <a:solidFill>
+                        <a:schemeClr val="tx1"/>
+                      </a:solidFill>
+                      <a:prstDash val="solid"/>
+                      <a:round/>
+                      <a:headEnd type="none" w="med" len="med"/>
+                      <a:tailEnd type="none" w="med" len="med"/>
+                    </a:lnR>
+                    <a:lnT w="12700" cap="flat" cmpd="sng" algn="ctr">
+                      <a:solidFill>
+                        <a:schemeClr val="tx1"/>
+                      </a:solidFill>
+                      <a:prstDash val="solid"/>
+                      <a:round/>
+                      <a:headEnd type="none" w="med" len="med"/>
+                      <a:tailEnd type="none" w="med" len="med"/>
+                    </a:lnT>
+                    <a:lnB w="12700" cap="flat" cmpd="sng" algn="ctr">
+                      <a:solidFill>
+                        <a:schemeClr val="tx1"/>
+                      </a:solidFill>
+                      <a:prstDash val="solid"/>
+                      <a:round/>
+                      <a:headEnd type="none" w="med" len="med"/>
+                      <a:tailEnd type="none" w="med" len="med"/>
+                    </a:lnB>
+                    <a:noFill/>
+                  </a:tcPr>
+                </a:tc>
+                <a:extLst>
+                  <a:ext uri="{0D108BD9-81ED-4DB2-BD59-A6C34878D82A}">
+                    <a16:rowId xmlns:a16="http://schemas.microsoft.com/office/drawing/2014/main" val="3662318237"/>
+                  </a:ext>
+                </a:extLst>
+              </a:tr>
+              <a:tr h="370840">
+                <a:tc>
+                  <a:txBody>
+                    <a:bodyPr/>
+                    <a:lstStyle/>
+                    <a:p>
+                      <a:r>
+                        <a:rPr lang="de-DE" sz="2000" dirty="0">
+                          <a:solidFill>
+                            <a:schemeClr val="tx1"/>
+                          </a:solidFill>
+                        </a:rPr>
+                        <a:t>Wirken zwischen</a:t>
+                      </a:r>
+                    </a:p>
+                  </a:txBody>
+                  <a:tcPr>
+                    <a:lnL w="12700" cap="flat" cmpd="sng" algn="ctr">
+                      <a:solidFill>
+                        <a:schemeClr val="tx1"/>
+                      </a:solidFill>
+                      <a:prstDash val="solid"/>
+                      <a:round/>
+                      <a:headEnd type="none" w="med" len="med"/>
+                      <a:tailEnd type="none" w="med" len="med"/>
+                    </a:lnL>
+                    <a:lnR w="12700" cap="flat" cmpd="sng" algn="ctr">
+                      <a:solidFill>
+                        <a:schemeClr val="tx1"/>
+                      </a:solidFill>
+                      <a:prstDash val="solid"/>
+                      <a:round/>
+                      <a:headEnd type="none" w="med" len="med"/>
+                      <a:tailEnd type="none" w="med" len="med"/>
+                    </a:lnR>
+                    <a:lnT w="12700" cap="flat" cmpd="sng" algn="ctr">
+                      <a:solidFill>
+                        <a:schemeClr val="tx1"/>
+                      </a:solidFill>
+                      <a:prstDash val="solid"/>
+                      <a:round/>
+                      <a:headEnd type="none" w="med" len="med"/>
+                      <a:tailEnd type="none" w="med" len="med"/>
+                    </a:lnT>
+                    <a:lnB w="12700" cap="flat" cmpd="sng" algn="ctr">
+                      <a:solidFill>
+                        <a:schemeClr val="tx1"/>
+                      </a:solidFill>
+                      <a:prstDash val="solid"/>
+                      <a:round/>
+                      <a:headEnd type="none" w="med" len="med"/>
+                      <a:tailEnd type="none" w="med" len="med"/>
+                    </a:lnB>
+                    <a:noFill/>
+                  </a:tcPr>
+                </a:tc>
+                <a:tc>
+                  <a:txBody>
+                    <a:bodyPr/>
+                    <a:lstStyle/>
+                    <a:p>
+                      <a:r>
+                        <a:rPr lang="de-DE" sz="2000" dirty="0">
+                          <a:solidFill>
+                            <a:schemeClr val="tx1"/>
+                          </a:solidFill>
+                        </a:rPr>
+                        <a:t>unpolaren Molekülen</a:t>
+                      </a:r>
+                    </a:p>
+                  </a:txBody>
+                  <a:tcPr>
+                    <a:lnL w="12700" cap="flat" cmpd="sng" algn="ctr">
+                      <a:solidFill>
+                        <a:schemeClr val="tx1"/>
+                      </a:solidFill>
+                      <a:prstDash val="solid"/>
+                      <a:round/>
+                      <a:headEnd type="none" w="med" len="med"/>
+                      <a:tailEnd type="none" w="med" len="med"/>
+                    </a:lnL>
+                    <a:lnR w="12700" cap="flat" cmpd="sng" algn="ctr">
+                      <a:solidFill>
+                        <a:schemeClr val="tx1"/>
+                      </a:solidFill>
+                      <a:prstDash val="solid"/>
+                      <a:round/>
+                      <a:headEnd type="none" w="med" len="med"/>
+                      <a:tailEnd type="none" w="med" len="med"/>
+                    </a:lnR>
+                    <a:lnT w="12700" cap="flat" cmpd="sng" algn="ctr">
+                      <a:solidFill>
+                        <a:schemeClr val="tx1"/>
+                      </a:solidFill>
+                      <a:prstDash val="solid"/>
+                      <a:round/>
+                      <a:headEnd type="none" w="med" len="med"/>
+                      <a:tailEnd type="none" w="med" len="med"/>
+                    </a:lnT>
+                    <a:lnB w="12700" cap="flat" cmpd="sng" algn="ctr">
+                      <a:solidFill>
+                        <a:schemeClr val="tx1"/>
+                      </a:solidFill>
+                      <a:prstDash val="solid"/>
+                      <a:round/>
+                      <a:headEnd type="none" w="med" len="med"/>
+                      <a:tailEnd type="none" w="med" len="med"/>
+                    </a:lnB>
+                    <a:noFill/>
+                  </a:tcPr>
+                </a:tc>
+                <a:tc>
+                  <a:txBody>
+                    <a:bodyPr/>
+                    <a:lstStyle/>
+                    <a:p>
+                      <a:r>
+                        <a:rPr lang="de-DE" sz="2000" dirty="0">
+                          <a:solidFill>
+                            <a:schemeClr val="tx1"/>
+                          </a:solidFill>
+                        </a:rPr>
+                        <a:t>Dipolmolekülen, an denen ein H-Atom an ein F-, N- oder O-Atom gebunden ist.</a:t>
+                      </a:r>
+                    </a:p>
+                  </a:txBody>
+                  <a:tcPr>
+                    <a:lnL w="12700" cap="flat" cmpd="sng" algn="ctr">
+                      <a:solidFill>
+                        <a:schemeClr val="tx1"/>
+                      </a:solidFill>
+                      <a:prstDash val="solid"/>
+                      <a:round/>
+                      <a:headEnd type="none" w="med" len="med"/>
+                      <a:tailEnd type="none" w="med" len="med"/>
+                    </a:lnL>
+                    <a:lnR w="12700" cap="flat" cmpd="sng" algn="ctr">
+                      <a:solidFill>
+                        <a:schemeClr val="tx1"/>
+                      </a:solidFill>
+                      <a:prstDash val="solid"/>
+                      <a:round/>
+                      <a:headEnd type="none" w="med" len="med"/>
+                      <a:tailEnd type="none" w="med" len="med"/>
+                    </a:lnR>
+                    <a:lnT w="12700" cap="flat" cmpd="sng" algn="ctr">
+                      <a:solidFill>
+                        <a:schemeClr val="tx1"/>
+                      </a:solidFill>
+                      <a:prstDash val="solid"/>
+                      <a:round/>
+                      <a:headEnd type="none" w="med" len="med"/>
+                      <a:tailEnd type="none" w="med" len="med"/>
+                    </a:lnT>
+                    <a:lnB w="12700" cap="flat" cmpd="sng" algn="ctr">
+                      <a:solidFill>
+                        <a:schemeClr val="tx1"/>
+                      </a:solidFill>
+                      <a:prstDash val="solid"/>
+                      <a:round/>
+                      <a:headEnd type="none" w="med" len="med"/>
+                      <a:tailEnd type="none" w="med" len="med"/>
+                    </a:lnB>
+                    <a:noFill/>
+                  </a:tcPr>
+                </a:tc>
+                <a:extLst>
+                  <a:ext uri="{0D108BD9-81ED-4DB2-BD59-A6C34878D82A}">
+                    <a16:rowId xmlns:a16="http://schemas.microsoft.com/office/drawing/2014/main" val="3409009864"/>
+                  </a:ext>
+                </a:extLst>
+              </a:tr>
+              <a:tr h="370840">
+                <a:tc>
+                  <a:txBody>
+                    <a:bodyPr/>
+                    <a:lstStyle/>
+                    <a:p>
+                      <a:r>
+                        <a:rPr lang="de-DE" sz="2000" dirty="0">
+                          <a:solidFill>
+                            <a:schemeClr val="tx1"/>
+                          </a:solidFill>
+                        </a:rPr>
+                        <a:t>Stärke</a:t>
+                      </a:r>
+                    </a:p>
+                  </a:txBody>
+                  <a:tcPr>
+                    <a:lnL w="12700" cap="flat" cmpd="sng" algn="ctr">
+                      <a:solidFill>
+                        <a:schemeClr val="tx1"/>
+                      </a:solidFill>
+                      <a:prstDash val="solid"/>
+                      <a:round/>
+                      <a:headEnd type="none" w="med" len="med"/>
+                      <a:tailEnd type="none" w="med" len="med"/>
+                    </a:lnL>
+                    <a:lnR w="12700" cap="flat" cmpd="sng" algn="ctr">
+                      <a:solidFill>
+                        <a:schemeClr val="tx1"/>
+                      </a:solidFill>
+                      <a:prstDash val="solid"/>
+                      <a:round/>
+                      <a:headEnd type="none" w="med" len="med"/>
+                      <a:tailEnd type="none" w="med" len="med"/>
+                    </a:lnR>
+                    <a:lnT w="12700" cap="flat" cmpd="sng" algn="ctr">
+                      <a:solidFill>
+                        <a:schemeClr val="tx1"/>
+                      </a:solidFill>
+                      <a:prstDash val="solid"/>
+                      <a:round/>
+                      <a:headEnd type="none" w="med" len="med"/>
+                      <a:tailEnd type="none" w="med" len="med"/>
+                    </a:lnT>
+                    <a:lnB w="12700" cap="flat" cmpd="sng" algn="ctr">
+                      <a:solidFill>
+                        <a:schemeClr val="tx1"/>
+                      </a:solidFill>
+                      <a:prstDash val="solid"/>
+                      <a:round/>
+                      <a:headEnd type="none" w="med" len="med"/>
+                      <a:tailEnd type="none" w="med" len="med"/>
+                    </a:lnB>
+                    <a:noFill/>
+                  </a:tcPr>
+                </a:tc>
+                <a:tc>
+                  <a:txBody>
+                    <a:bodyPr/>
+                    <a:lstStyle/>
+                    <a:p>
+                      <a:r>
+                        <a:rPr lang="de-DE" sz="2000" dirty="0">
+                          <a:solidFill>
+                            <a:schemeClr val="tx1"/>
+                          </a:solidFill>
+                        </a:rPr>
+                        <a:t>Sehr schwach, steigen mit zunehmender Größe und Oberfläche der Moleküle</a:t>
+                      </a:r>
+                    </a:p>
+                  </a:txBody>
+                  <a:tcPr>
+                    <a:lnL w="12700" cap="flat" cmpd="sng" algn="ctr">
+                      <a:solidFill>
+                        <a:schemeClr val="tx1"/>
+                      </a:solidFill>
+                      <a:prstDash val="solid"/>
+                      <a:round/>
+                      <a:headEnd type="none" w="med" len="med"/>
+                      <a:tailEnd type="none" w="med" len="med"/>
+                    </a:lnL>
+                    <a:lnR w="12700" cap="flat" cmpd="sng" algn="ctr">
+                      <a:solidFill>
+                        <a:schemeClr val="tx1"/>
+                      </a:solidFill>
+                      <a:prstDash val="solid"/>
+                      <a:round/>
+                      <a:headEnd type="none" w="med" len="med"/>
+                      <a:tailEnd type="none" w="med" len="med"/>
+                    </a:lnR>
+                    <a:lnT w="12700" cap="flat" cmpd="sng" algn="ctr">
+                      <a:solidFill>
+                        <a:schemeClr val="tx1"/>
+                      </a:solidFill>
+                      <a:prstDash val="solid"/>
+                      <a:round/>
+                      <a:headEnd type="none" w="med" len="med"/>
+                      <a:tailEnd type="none" w="med" len="med"/>
+                    </a:lnT>
+                    <a:lnB w="12700" cap="flat" cmpd="sng" algn="ctr">
+                      <a:solidFill>
+                        <a:schemeClr val="tx1"/>
+                      </a:solidFill>
+                      <a:prstDash val="solid"/>
+                      <a:round/>
+                      <a:headEnd type="none" w="med" len="med"/>
+                      <a:tailEnd type="none" w="med" len="med"/>
+                    </a:lnB>
+                    <a:noFill/>
+                  </a:tcPr>
+                </a:tc>
+                <a:tc>
+                  <a:txBody>
+                    <a:bodyPr/>
+                    <a:lstStyle/>
+                    <a:p>
+                      <a:r>
+                        <a:rPr lang="de-DE" sz="2000" dirty="0">
+                          <a:solidFill>
+                            <a:schemeClr val="tx1"/>
+                          </a:solidFill>
+                        </a:rPr>
+                        <a:t>Sehr stark</a:t>
+                      </a:r>
+                    </a:p>
+                  </a:txBody>
+                  <a:tcPr>
+                    <a:lnL w="12700" cap="flat" cmpd="sng" algn="ctr">
+                      <a:solidFill>
+                        <a:schemeClr val="tx1"/>
+                      </a:solidFill>
+                      <a:prstDash val="solid"/>
+                      <a:round/>
+                      <a:headEnd type="none" w="med" len="med"/>
+                      <a:tailEnd type="none" w="med" len="med"/>
+                    </a:lnL>
+                    <a:lnR w="12700" cap="flat" cmpd="sng" algn="ctr">
+                      <a:solidFill>
+                        <a:schemeClr val="tx1"/>
+                      </a:solidFill>
+                      <a:prstDash val="solid"/>
+                      <a:round/>
+                      <a:headEnd type="none" w="med" len="med"/>
+                      <a:tailEnd type="none" w="med" len="med"/>
+                    </a:lnR>
+                    <a:lnT w="12700" cap="flat" cmpd="sng" algn="ctr">
+                      <a:solidFill>
+                        <a:schemeClr val="tx1"/>
+                      </a:solidFill>
+                      <a:prstDash val="solid"/>
+                      <a:round/>
+                      <a:headEnd type="none" w="med" len="med"/>
+                      <a:tailEnd type="none" w="med" len="med"/>
+                    </a:lnT>
+                    <a:lnB w="12700" cap="flat" cmpd="sng" algn="ctr">
+                      <a:solidFill>
+                        <a:schemeClr val="tx1"/>
+                      </a:solidFill>
+                      <a:prstDash val="solid"/>
+                      <a:round/>
+                      <a:headEnd type="none" w="med" len="med"/>
+                      <a:tailEnd type="none" w="med" len="med"/>
+                    </a:lnB>
+                    <a:noFill/>
+                  </a:tcPr>
+                </a:tc>
+                <a:extLst>
+                  <a:ext uri="{0D108BD9-81ED-4DB2-BD59-A6C34878D82A}">
+                    <a16:rowId xmlns:a16="http://schemas.microsoft.com/office/drawing/2014/main" val="3906855479"/>
+                  </a:ext>
+                </a:extLst>
+              </a:tr>
+              <a:tr h="370840">
+                <a:tc>
+                  <a:txBody>
+                    <a:bodyPr/>
+                    <a:lstStyle/>
+                    <a:p>
+                      <a:r>
+                        <a:rPr lang="de-DE" sz="2000" dirty="0">
+                          <a:solidFill>
+                            <a:schemeClr val="tx1"/>
+                          </a:solidFill>
+                        </a:rPr>
+                        <a:t>Ursache</a:t>
+                      </a:r>
+                    </a:p>
+                  </a:txBody>
+                  <a:tcPr>
+                    <a:lnL w="12700" cap="flat" cmpd="sng" algn="ctr">
+                      <a:solidFill>
+                        <a:schemeClr val="tx1"/>
+                      </a:solidFill>
+                      <a:prstDash val="solid"/>
+                      <a:round/>
+                      <a:headEnd type="none" w="med" len="med"/>
+                      <a:tailEnd type="none" w="med" len="med"/>
+                    </a:lnL>
+                    <a:lnR w="12700" cap="flat" cmpd="sng" algn="ctr">
+                      <a:solidFill>
+                        <a:schemeClr val="tx1"/>
+                      </a:solidFill>
+                      <a:prstDash val="solid"/>
+                      <a:round/>
+                      <a:headEnd type="none" w="med" len="med"/>
+                      <a:tailEnd type="none" w="med" len="med"/>
+                    </a:lnR>
+                    <a:lnT w="12700" cap="flat" cmpd="sng" algn="ctr">
+                      <a:solidFill>
+                        <a:schemeClr val="tx1"/>
+                      </a:solidFill>
+                      <a:prstDash val="solid"/>
+                      <a:round/>
+                      <a:headEnd type="none" w="med" len="med"/>
+                      <a:tailEnd type="none" w="med" len="med"/>
+                    </a:lnT>
+                    <a:lnB w="12700" cap="flat" cmpd="sng" algn="ctr">
+                      <a:solidFill>
+                        <a:schemeClr val="tx1"/>
+                      </a:solidFill>
+                      <a:prstDash val="solid"/>
+                      <a:round/>
+                      <a:headEnd type="none" w="med" len="med"/>
+                      <a:tailEnd type="none" w="med" len="med"/>
+                    </a:lnB>
+                    <a:noFill/>
+                  </a:tcPr>
+                </a:tc>
+                <a:tc>
+                  <a:txBody>
+                    <a:bodyPr/>
+                    <a:lstStyle/>
+                    <a:p>
+                      <a:r>
+                        <a:rPr lang="de-DE" sz="2000" dirty="0">
+                          <a:solidFill>
+                            <a:schemeClr val="tx1"/>
+                          </a:solidFill>
+                        </a:rPr>
+                        <a:t>Ausbildung von temporären und induzierten Dipolen</a:t>
+                      </a:r>
+                    </a:p>
+                  </a:txBody>
+                  <a:tcPr>
+                    <a:lnL w="12700" cap="flat" cmpd="sng" algn="ctr">
+                      <a:solidFill>
+                        <a:schemeClr val="tx1"/>
+                      </a:solidFill>
+                      <a:prstDash val="solid"/>
+                      <a:round/>
+                      <a:headEnd type="none" w="med" len="med"/>
+                      <a:tailEnd type="none" w="med" len="med"/>
+                    </a:lnL>
+                    <a:lnR w="12700" cap="flat" cmpd="sng" algn="ctr">
+                      <a:solidFill>
+                        <a:schemeClr val="tx1"/>
+                      </a:solidFill>
+                      <a:prstDash val="solid"/>
+                      <a:round/>
+                      <a:headEnd type="none" w="med" len="med"/>
+                      <a:tailEnd type="none" w="med" len="med"/>
+                    </a:lnR>
+                    <a:lnT w="12700" cap="flat" cmpd="sng" algn="ctr">
+                      <a:solidFill>
+                        <a:schemeClr val="tx1"/>
+                      </a:solidFill>
+                      <a:prstDash val="solid"/>
+                      <a:round/>
+                      <a:headEnd type="none" w="med" len="med"/>
+                      <a:tailEnd type="none" w="med" len="med"/>
+                    </a:lnT>
+                    <a:lnB w="12700" cap="flat" cmpd="sng" algn="ctr">
+                      <a:solidFill>
+                        <a:schemeClr val="tx1"/>
+                      </a:solidFill>
+                      <a:prstDash val="solid"/>
+                      <a:round/>
+                      <a:headEnd type="none" w="med" len="med"/>
+                      <a:tailEnd type="none" w="med" len="med"/>
+                    </a:lnB>
+                    <a:noFill/>
+                  </a:tcPr>
+                </a:tc>
+                <a:tc>
+                  <a:txBody>
+                    <a:bodyPr/>
+                    <a:lstStyle/>
+                    <a:p>
+                      <a:r>
+                        <a:rPr lang="de-DE" sz="2000" dirty="0">
+                          <a:solidFill>
+                            <a:schemeClr val="tx1"/>
+                          </a:solidFill>
+                        </a:rPr>
+                        <a:t>Ausbildung von permanenten Dipolen mit negativer Teilladung am stark elektronegativen Atom (F, N, O) und einer positiven Teilladung am H-Atom</a:t>
+                      </a:r>
+                    </a:p>
+                  </a:txBody>
+                  <a:tcPr>
+                    <a:lnL w="12700" cap="flat" cmpd="sng" algn="ctr">
+                      <a:solidFill>
+                        <a:schemeClr val="tx1"/>
+                      </a:solidFill>
+                      <a:prstDash val="solid"/>
+                      <a:round/>
+                      <a:headEnd type="none" w="med" len="med"/>
+                      <a:tailEnd type="none" w="med" len="med"/>
+                    </a:lnL>
+                    <a:lnR w="12700" cap="flat" cmpd="sng" algn="ctr">
+                      <a:solidFill>
+                        <a:schemeClr val="tx1"/>
+                      </a:solidFill>
+                      <a:prstDash val="solid"/>
+                      <a:round/>
+                      <a:headEnd type="none" w="med" len="med"/>
+                      <a:tailEnd type="none" w="med" len="med"/>
+                    </a:lnR>
+                    <a:lnT w="12700" cap="flat" cmpd="sng" algn="ctr">
+                      <a:solidFill>
+                        <a:schemeClr val="tx1"/>
+                      </a:solidFill>
+                      <a:prstDash val="solid"/>
+                      <a:round/>
+                      <a:headEnd type="none" w="med" len="med"/>
+                      <a:tailEnd type="none" w="med" len="med"/>
+                    </a:lnT>
+                    <a:lnB w="12700" cap="flat" cmpd="sng" algn="ctr">
+                      <a:solidFill>
+                        <a:schemeClr val="tx1"/>
+                      </a:solidFill>
+                      <a:prstDash val="solid"/>
+                      <a:round/>
+                      <a:headEnd type="none" w="med" len="med"/>
+                      <a:tailEnd type="none" w="med" len="med"/>
+                    </a:lnB>
+                    <a:noFill/>
+                  </a:tcPr>
+                </a:tc>
+                <a:extLst>
+                  <a:ext uri="{0D108BD9-81ED-4DB2-BD59-A6C34878D82A}">
+                    <a16:rowId xmlns:a16="http://schemas.microsoft.com/office/drawing/2014/main" val="3087592429"/>
+                  </a:ext>
+                </a:extLst>
+              </a:tr>
+              <a:tr h="370840">
+                <a:tc>
+                  <a:txBody>
+                    <a:bodyPr/>
+                    <a:lstStyle/>
+                    <a:p>
+                      <a:r>
+                        <a:rPr lang="de-DE" sz="2000" dirty="0">
+                          <a:solidFill>
+                            <a:schemeClr val="tx1"/>
+                          </a:solidFill>
+                        </a:rPr>
+                        <a:t>Beispiel</a:t>
+                      </a:r>
+                    </a:p>
+                  </a:txBody>
+                  <a:tcPr>
+                    <a:lnL w="12700" cap="flat" cmpd="sng" algn="ctr">
+                      <a:solidFill>
+                        <a:schemeClr val="tx1"/>
+                      </a:solidFill>
+                      <a:prstDash val="solid"/>
+                      <a:round/>
+                      <a:headEnd type="none" w="med" len="med"/>
+                      <a:tailEnd type="none" w="med" len="med"/>
+                    </a:lnL>
+                    <a:lnR w="12700" cap="flat" cmpd="sng" algn="ctr">
+                      <a:solidFill>
+                        <a:schemeClr val="tx1"/>
+                      </a:solidFill>
+                      <a:prstDash val="solid"/>
+                      <a:round/>
+                      <a:headEnd type="none" w="med" len="med"/>
+                      <a:tailEnd type="none" w="med" len="med"/>
+                    </a:lnR>
+                    <a:lnT w="12700" cap="flat" cmpd="sng" algn="ctr">
+                      <a:solidFill>
+                        <a:schemeClr val="tx1"/>
+                      </a:solidFill>
+                      <a:prstDash val="solid"/>
+                      <a:round/>
+                      <a:headEnd type="none" w="med" len="med"/>
+                      <a:tailEnd type="none" w="med" len="med"/>
+                    </a:lnT>
+                    <a:lnB w="12700" cap="flat" cmpd="sng" algn="ctr">
+                      <a:solidFill>
+                        <a:schemeClr val="tx1"/>
+                      </a:solidFill>
+                      <a:prstDash val="solid"/>
+                      <a:round/>
+                      <a:headEnd type="none" w="med" len="med"/>
+                      <a:tailEnd type="none" w="med" len="med"/>
+                    </a:lnB>
+                    <a:noFill/>
+                  </a:tcPr>
+                </a:tc>
+                <a:tc>
+                  <a:txBody>
+                    <a:bodyPr/>
+                    <a:lstStyle/>
+                    <a:p>
+                      <a:r>
+                        <a:rPr lang="de-DE" sz="2000" dirty="0">
+                          <a:solidFill>
+                            <a:schemeClr val="tx1"/>
+                          </a:solidFill>
+                        </a:rPr>
+                        <a:t>Alkane</a:t>
+                      </a:r>
+                    </a:p>
+                  </a:txBody>
+                  <a:tcPr>
+                    <a:lnL w="12700" cap="flat" cmpd="sng" algn="ctr">
+                      <a:solidFill>
+                        <a:schemeClr val="tx1"/>
+                      </a:solidFill>
+                      <a:prstDash val="solid"/>
+                      <a:round/>
+                      <a:headEnd type="none" w="med" len="med"/>
+                      <a:tailEnd type="none" w="med" len="med"/>
+                    </a:lnL>
+                    <a:lnR w="12700" cap="flat" cmpd="sng" algn="ctr">
+                      <a:solidFill>
+                        <a:schemeClr val="tx1"/>
+                      </a:solidFill>
+                      <a:prstDash val="solid"/>
+                      <a:round/>
+                      <a:headEnd type="none" w="med" len="med"/>
+                      <a:tailEnd type="none" w="med" len="med"/>
+                    </a:lnR>
+                    <a:lnT w="12700" cap="flat" cmpd="sng" algn="ctr">
+                      <a:solidFill>
+                        <a:schemeClr val="tx1"/>
+                      </a:solidFill>
+                      <a:prstDash val="solid"/>
+                      <a:round/>
+                      <a:headEnd type="none" w="med" len="med"/>
+                      <a:tailEnd type="none" w="med" len="med"/>
+                    </a:lnT>
+                    <a:lnB w="12700" cap="flat" cmpd="sng" algn="ctr">
+                      <a:solidFill>
+                        <a:schemeClr val="tx1"/>
+                      </a:solidFill>
+                      <a:prstDash val="solid"/>
+                      <a:round/>
+                      <a:headEnd type="none" w="med" len="med"/>
+                      <a:tailEnd type="none" w="med" len="med"/>
+                    </a:lnB>
+                    <a:noFill/>
+                  </a:tcPr>
+                </a:tc>
+                <a:tc>
+                  <a:txBody>
+                    <a:bodyPr/>
+                    <a:lstStyle/>
+                    <a:p>
+                      <a:r>
+                        <a:rPr lang="de-DE" sz="2000" dirty="0">
+                          <a:solidFill>
+                            <a:schemeClr val="tx1"/>
+                          </a:solidFill>
+                        </a:rPr>
+                        <a:t>Wasser (H</a:t>
+                      </a:r>
+                      <a:r>
+                        <a:rPr lang="de-DE" sz="2000" baseline="-25000" dirty="0">
+                          <a:solidFill>
+                            <a:schemeClr val="tx1"/>
+                          </a:solidFill>
+                        </a:rPr>
+                        <a:t>2</a:t>
+                      </a:r>
+                      <a:r>
+                        <a:rPr lang="de-DE" sz="2000" dirty="0">
+                          <a:solidFill>
+                            <a:schemeClr val="tx1"/>
+                          </a:solidFill>
+                        </a:rPr>
+                        <a:t>O), Ammoniak (NH</a:t>
+                      </a:r>
+                      <a:r>
+                        <a:rPr lang="de-DE" sz="2000" baseline="-25000" dirty="0">
+                          <a:solidFill>
+                            <a:schemeClr val="tx1"/>
+                          </a:solidFill>
+                        </a:rPr>
+                        <a:t>3</a:t>
+                      </a:r>
+                      <a:r>
+                        <a:rPr lang="de-DE" sz="2000" dirty="0">
+                          <a:solidFill>
+                            <a:schemeClr val="tx1"/>
+                          </a:solidFill>
+                        </a:rPr>
+                        <a:t>), Fluorwasserstoff (HF)</a:t>
+                      </a:r>
+                    </a:p>
+                  </a:txBody>
+                  <a:tcPr>
+                    <a:lnL w="12700" cap="flat" cmpd="sng" algn="ctr">
+                      <a:solidFill>
+                        <a:schemeClr val="tx1"/>
+                      </a:solidFill>
+                      <a:prstDash val="solid"/>
+                      <a:round/>
+                      <a:headEnd type="none" w="med" len="med"/>
+                      <a:tailEnd type="none" w="med" len="med"/>
+                    </a:lnL>
+                    <a:lnR w="12700" cap="flat" cmpd="sng" algn="ctr">
+                      <a:solidFill>
+                        <a:schemeClr val="tx1"/>
+                      </a:solidFill>
+                      <a:prstDash val="solid"/>
+                      <a:round/>
+                      <a:headEnd type="none" w="med" len="med"/>
+                      <a:tailEnd type="none" w="med" len="med"/>
+                    </a:lnR>
+                    <a:lnT w="12700" cap="flat" cmpd="sng" algn="ctr">
+                      <a:solidFill>
+                        <a:schemeClr val="tx1"/>
+                      </a:solidFill>
+                      <a:prstDash val="solid"/>
+                      <a:round/>
+                      <a:headEnd type="none" w="med" len="med"/>
+                      <a:tailEnd type="none" w="med" len="med"/>
+                    </a:lnT>
+                    <a:lnB w="12700" cap="flat" cmpd="sng" algn="ctr">
+                      <a:solidFill>
+                        <a:schemeClr val="tx1"/>
+                      </a:solidFill>
+                      <a:prstDash val="solid"/>
+                      <a:round/>
+                      <a:headEnd type="none" w="med" len="med"/>
+                      <a:tailEnd type="none" w="med" len="med"/>
+                    </a:lnB>
+                    <a:noFill/>
+                  </a:tcPr>
+                </a:tc>
+                <a:extLst>
+                  <a:ext uri="{0D108BD9-81ED-4DB2-BD59-A6C34878D82A}">
+                    <a16:rowId xmlns:a16="http://schemas.microsoft.com/office/drawing/2014/main" val="2130206545"/>
+                  </a:ext>
+                </a:extLst>
+              </a:tr>
+            </a:tbl>
+          </a:graphicData>
+        </a:graphic>
+      </p:graphicFrame>
+      <p:sp>
+        <p:nvSpPr>
+          <p:cNvPr id="3" name="Rechteck 2">
+            <a:extLst>
+              <a:ext uri="{FF2B5EF4-FFF2-40B4-BE49-F238E27FC236}">
+                <a16:creationId xmlns:a16="http://schemas.microsoft.com/office/drawing/2014/main" id="{4BC4BDBF-A813-4E54-B929-65AC23B89F8A}"/>
+              </a:ext>
+            </a:extLst>
+          </p:cNvPr>
+          <p:cNvSpPr/>
+          <p:nvPr/>
+        </p:nvSpPr>
+        <p:spPr>
+          <a:xfrm>
+            <a:off x="2995749" y="1654629"/>
+            <a:ext cx="3849188" cy="923108"/>
+          </a:xfrm>
+          <a:prstGeom prst="rect">
+            <a:avLst/>
+          </a:prstGeom>
+          <a:solidFill>
+            <a:schemeClr val="bg1"/>
+          </a:solidFill>
+          <a:ln>
+            <a:solidFill>
+              <a:schemeClr val="bg1"/>
+            </a:solidFill>
+          </a:ln>
+        </p:spPr>
+        <p:style>
+          <a:lnRef idx="2">
+            <a:schemeClr val="accent1">
+              <a:shade val="50000"/>
+            </a:schemeClr>
+          </a:lnRef>
+          <a:fillRef idx="1">
+            <a:schemeClr val="accent1"/>
+          </a:fillRef>
+          <a:effectRef idx="0">
+            <a:schemeClr val="accent1"/>
+          </a:effectRef>
+          <a:fontRef idx="minor">
+            <a:schemeClr val="lt1"/>
+          </a:fontRef>
+        </p:style>
+        <p:txBody>
+          <a:bodyPr rtlCol="0" anchor="ctr"/>
+          <a:lstStyle/>
+          <a:p>
+            <a:pPr algn="ctr"/>
+            <a:endParaRPr lang="de-DE"/>
+          </a:p>
+        </p:txBody>
+      </p:sp>
+      <p:sp>
+        <p:nvSpPr>
+          <p:cNvPr id="5" name="Rechteck 4">
+            <a:extLst>
+              <a:ext uri="{FF2B5EF4-FFF2-40B4-BE49-F238E27FC236}">
+                <a16:creationId xmlns:a16="http://schemas.microsoft.com/office/drawing/2014/main" id="{16869FF4-C093-4C31-821B-60D902081FDC}"/>
+              </a:ext>
+            </a:extLst>
+          </p:cNvPr>
+          <p:cNvSpPr/>
+          <p:nvPr/>
+        </p:nvSpPr>
+        <p:spPr>
+          <a:xfrm>
+            <a:off x="6951620" y="1654629"/>
+            <a:ext cx="3849188" cy="923108"/>
+          </a:xfrm>
+          <a:prstGeom prst="rect">
+            <a:avLst/>
+          </a:prstGeom>
+          <a:solidFill>
+            <a:schemeClr val="bg1"/>
+          </a:solidFill>
+          <a:ln>
+            <a:solidFill>
+              <a:schemeClr val="bg1"/>
+            </a:solidFill>
+          </a:ln>
+        </p:spPr>
+        <p:style>
+          <a:lnRef idx="2">
+            <a:schemeClr val="accent1">
+              <a:shade val="50000"/>
+            </a:schemeClr>
+          </a:lnRef>
+          <a:fillRef idx="1">
+            <a:schemeClr val="accent1"/>
+          </a:fillRef>
+          <a:effectRef idx="0">
+            <a:schemeClr val="accent1"/>
+          </a:effectRef>
+          <a:fontRef idx="minor">
+            <a:schemeClr val="lt1"/>
+          </a:fontRef>
+        </p:style>
+        <p:txBody>
+          <a:bodyPr rtlCol="0" anchor="ctr"/>
+          <a:lstStyle/>
+          <a:p>
+            <a:pPr algn="ctr"/>
+            <a:endParaRPr lang="de-DE"/>
+          </a:p>
+        </p:txBody>
+      </p:sp>
+      <p:sp>
+        <p:nvSpPr>
+          <p:cNvPr id="6" name="Rechteck 5">
+            <a:extLst>
+              <a:ext uri="{FF2B5EF4-FFF2-40B4-BE49-F238E27FC236}">
+                <a16:creationId xmlns:a16="http://schemas.microsoft.com/office/drawing/2014/main" id="{8ECC8FBC-227E-4760-888A-F0D45C3A2AB4}"/>
+              </a:ext>
+            </a:extLst>
+          </p:cNvPr>
+          <p:cNvSpPr/>
+          <p:nvPr/>
+        </p:nvSpPr>
+        <p:spPr>
+          <a:xfrm>
+            <a:off x="2995749" y="2693125"/>
+            <a:ext cx="3849188" cy="923108"/>
+          </a:xfrm>
+          <a:prstGeom prst="rect">
+            <a:avLst/>
+          </a:prstGeom>
+          <a:solidFill>
+            <a:schemeClr val="bg1"/>
+          </a:solidFill>
+          <a:ln>
+            <a:solidFill>
+              <a:schemeClr val="bg1"/>
+            </a:solidFill>
+          </a:ln>
+        </p:spPr>
+        <p:style>
+          <a:lnRef idx="2">
+            <a:schemeClr val="accent1">
+              <a:shade val="50000"/>
+            </a:schemeClr>
+          </a:lnRef>
+          <a:fillRef idx="1">
+            <a:schemeClr val="accent1"/>
+          </a:fillRef>
+          <a:effectRef idx="0">
+            <a:schemeClr val="accent1"/>
+          </a:effectRef>
+          <a:fontRef idx="minor">
+            <a:schemeClr val="lt1"/>
+          </a:fontRef>
+        </p:style>
+        <p:txBody>
+          <a:bodyPr rtlCol="0" anchor="ctr"/>
+          <a:lstStyle/>
+          <a:p>
+            <a:pPr algn="ctr"/>
+            <a:endParaRPr lang="de-DE"/>
+          </a:p>
+        </p:txBody>
+      </p:sp>
+      <p:sp>
+        <p:nvSpPr>
+          <p:cNvPr id="7" name="Rechteck 6">
+            <a:extLst>
+              <a:ext uri="{FF2B5EF4-FFF2-40B4-BE49-F238E27FC236}">
+                <a16:creationId xmlns:a16="http://schemas.microsoft.com/office/drawing/2014/main" id="{745F880F-8D8C-4DC6-864F-BBAFAB15D969}"/>
+              </a:ext>
+            </a:extLst>
+          </p:cNvPr>
+          <p:cNvSpPr/>
+          <p:nvPr/>
+        </p:nvSpPr>
+        <p:spPr>
+          <a:xfrm>
+            <a:off x="6998973" y="2677884"/>
+            <a:ext cx="3754481" cy="923108"/>
+          </a:xfrm>
+          <a:prstGeom prst="rect">
+            <a:avLst/>
+          </a:prstGeom>
+          <a:solidFill>
+            <a:schemeClr val="bg1"/>
+          </a:solidFill>
+          <a:ln>
+            <a:solidFill>
+              <a:schemeClr val="bg1"/>
+            </a:solidFill>
+          </a:ln>
+        </p:spPr>
+        <p:style>
+          <a:lnRef idx="2">
+            <a:schemeClr val="accent1">
+              <a:shade val="50000"/>
+            </a:schemeClr>
+          </a:lnRef>
+          <a:fillRef idx="1">
+            <a:schemeClr val="accent1"/>
+          </a:fillRef>
+          <a:effectRef idx="0">
+            <a:schemeClr val="accent1"/>
+          </a:effectRef>
+          <a:fontRef idx="minor">
+            <a:schemeClr val="lt1"/>
+          </a:fontRef>
+        </p:style>
+        <p:txBody>
+          <a:bodyPr rtlCol="0" anchor="ctr"/>
+          <a:lstStyle/>
+          <a:p>
+            <a:pPr algn="ctr"/>
+            <a:endParaRPr lang="de-DE"/>
+          </a:p>
+        </p:txBody>
+      </p:sp>
+      <p:sp>
+        <p:nvSpPr>
+          <p:cNvPr id="8" name="Rechteck 7">
+            <a:extLst>
+              <a:ext uri="{FF2B5EF4-FFF2-40B4-BE49-F238E27FC236}">
+                <a16:creationId xmlns:a16="http://schemas.microsoft.com/office/drawing/2014/main" id="{3D761AB2-3C30-480C-8F3B-BFE8DD86EDF7}"/>
+              </a:ext>
+            </a:extLst>
+          </p:cNvPr>
+          <p:cNvSpPr/>
+          <p:nvPr/>
+        </p:nvSpPr>
+        <p:spPr>
+          <a:xfrm>
+            <a:off x="2995749" y="3731621"/>
+            <a:ext cx="3849188" cy="923108"/>
+          </a:xfrm>
+          <a:prstGeom prst="rect">
+            <a:avLst/>
+          </a:prstGeom>
+          <a:solidFill>
+            <a:schemeClr val="bg1"/>
+          </a:solidFill>
+          <a:ln>
+            <a:solidFill>
+              <a:schemeClr val="bg1"/>
+            </a:solidFill>
+          </a:ln>
+        </p:spPr>
+        <p:style>
+          <a:lnRef idx="2">
+            <a:schemeClr val="accent1">
+              <a:shade val="50000"/>
+            </a:schemeClr>
+          </a:lnRef>
+          <a:fillRef idx="1">
+            <a:schemeClr val="accent1"/>
+          </a:fillRef>
+          <a:effectRef idx="0">
+            <a:schemeClr val="accent1"/>
+          </a:effectRef>
+          <a:fontRef idx="minor">
+            <a:schemeClr val="lt1"/>
+          </a:fontRef>
+        </p:style>
+        <p:txBody>
+          <a:bodyPr rtlCol="0" anchor="ctr"/>
+          <a:lstStyle/>
+          <a:p>
+            <a:pPr algn="ctr"/>
+            <a:endParaRPr lang="de-DE"/>
+          </a:p>
+        </p:txBody>
+      </p:sp>
+      <p:sp>
+        <p:nvSpPr>
+          <p:cNvPr id="9" name="Rechteck 8">
+            <a:extLst>
+              <a:ext uri="{FF2B5EF4-FFF2-40B4-BE49-F238E27FC236}">
+                <a16:creationId xmlns:a16="http://schemas.microsoft.com/office/drawing/2014/main" id="{AC844B24-1F68-43F0-9DF4-FF80719C5B41}"/>
+              </a:ext>
+            </a:extLst>
+          </p:cNvPr>
+          <p:cNvSpPr/>
+          <p:nvPr/>
+        </p:nvSpPr>
+        <p:spPr>
+          <a:xfrm>
+            <a:off x="6951619" y="3701139"/>
+            <a:ext cx="3849188" cy="1502232"/>
+          </a:xfrm>
+          <a:prstGeom prst="rect">
+            <a:avLst/>
+          </a:prstGeom>
+          <a:solidFill>
+            <a:schemeClr val="bg1"/>
+          </a:solidFill>
+          <a:ln>
+            <a:solidFill>
+              <a:schemeClr val="bg1"/>
+            </a:solidFill>
+          </a:ln>
+        </p:spPr>
+        <p:style>
+          <a:lnRef idx="2">
+            <a:schemeClr val="accent1">
+              <a:shade val="50000"/>
+            </a:schemeClr>
+          </a:lnRef>
+          <a:fillRef idx="1">
+            <a:schemeClr val="accent1"/>
+          </a:fillRef>
+          <a:effectRef idx="0">
+            <a:schemeClr val="accent1"/>
+          </a:effectRef>
+          <a:fontRef idx="minor">
+            <a:schemeClr val="lt1"/>
+          </a:fontRef>
+        </p:style>
+        <p:txBody>
+          <a:bodyPr rtlCol="0" anchor="ctr"/>
+          <a:lstStyle/>
+          <a:p>
+            <a:pPr algn="ctr"/>
+            <a:endParaRPr lang="de-DE"/>
+          </a:p>
+        </p:txBody>
+      </p:sp>
+      <p:sp>
+        <p:nvSpPr>
+          <p:cNvPr id="10" name="Rechteck 9">
+            <a:extLst>
+              <a:ext uri="{FF2B5EF4-FFF2-40B4-BE49-F238E27FC236}">
+                <a16:creationId xmlns:a16="http://schemas.microsoft.com/office/drawing/2014/main" id="{218B4118-F75C-4F56-8DE2-B1998077BB91}"/>
+              </a:ext>
+            </a:extLst>
+          </p:cNvPr>
+          <p:cNvSpPr/>
+          <p:nvPr/>
+        </p:nvSpPr>
+        <p:spPr>
+          <a:xfrm>
+            <a:off x="2995749" y="5316583"/>
+            <a:ext cx="3849188" cy="500743"/>
+          </a:xfrm>
+          <a:prstGeom prst="rect">
+            <a:avLst/>
+          </a:prstGeom>
+          <a:solidFill>
+            <a:schemeClr val="bg1"/>
+          </a:solidFill>
+          <a:ln>
+            <a:solidFill>
+              <a:schemeClr val="bg1"/>
+            </a:solidFill>
+          </a:ln>
+        </p:spPr>
+        <p:style>
+          <a:lnRef idx="2">
+            <a:schemeClr val="accent1">
+              <a:shade val="50000"/>
+            </a:schemeClr>
+          </a:lnRef>
+          <a:fillRef idx="1">
+            <a:schemeClr val="accent1"/>
+          </a:fillRef>
+          <a:effectRef idx="0">
+            <a:schemeClr val="accent1"/>
+          </a:effectRef>
+          <a:fontRef idx="minor">
+            <a:schemeClr val="lt1"/>
+          </a:fontRef>
+        </p:style>
+        <p:txBody>
+          <a:bodyPr rtlCol="0" anchor="ctr"/>
+          <a:lstStyle/>
+          <a:p>
+            <a:pPr algn="ctr"/>
+            <a:endParaRPr lang="de-DE"/>
+          </a:p>
+        </p:txBody>
+      </p:sp>
+      <p:sp>
+        <p:nvSpPr>
+          <p:cNvPr id="11" name="Rechteck 10">
+            <a:extLst>
+              <a:ext uri="{FF2B5EF4-FFF2-40B4-BE49-F238E27FC236}">
+                <a16:creationId xmlns:a16="http://schemas.microsoft.com/office/drawing/2014/main" id="{CFBC82EB-95C8-4B5A-8239-F8044EFF2534}"/>
+              </a:ext>
+            </a:extLst>
+          </p:cNvPr>
+          <p:cNvSpPr/>
+          <p:nvPr/>
+        </p:nvSpPr>
+        <p:spPr>
+          <a:xfrm>
+            <a:off x="6951619" y="5277392"/>
+            <a:ext cx="3849188" cy="600894"/>
+          </a:xfrm>
+          <a:prstGeom prst="rect">
+            <a:avLst/>
+          </a:prstGeom>
+          <a:solidFill>
+            <a:schemeClr val="bg1"/>
+          </a:solidFill>
+          <a:ln>
+            <a:solidFill>
+              <a:schemeClr val="bg1"/>
+            </a:solidFill>
+          </a:ln>
+        </p:spPr>
+        <p:style>
+          <a:lnRef idx="2">
+            <a:schemeClr val="accent1">
+              <a:shade val="50000"/>
+            </a:schemeClr>
+          </a:lnRef>
+          <a:fillRef idx="1">
+            <a:schemeClr val="accent1"/>
+          </a:fillRef>
+          <a:effectRef idx="0">
+            <a:schemeClr val="accent1"/>
+          </a:effectRef>
+          <a:fontRef idx="minor">
+            <a:schemeClr val="lt1"/>
+          </a:fontRef>
+        </p:style>
+        <p:txBody>
+          <a:bodyPr rtlCol="0" anchor="ctr"/>
+          <a:lstStyle/>
+          <a:p>
+            <a:pPr algn="ctr"/>
+            <a:endParaRPr lang="de-DE"/>
+          </a:p>
+        </p:txBody>
+      </p:sp>
+    </p:spTree>
+    <p:extLst>
+      <p:ext uri="{BB962C8B-B14F-4D97-AF65-F5344CB8AC3E}">
+        <p14:creationId xmlns:p14="http://schemas.microsoft.com/office/powerpoint/2010/main" val="2752605610"/>
+      </p:ext>
+    </p:extLst>
+  </p:cSld>
+  <p:clrMapOvr>
+    <a:masterClrMapping/>
+  </p:clrMapOvr>
+  <p:timing>
+    <p:tnLst>
+      <p:par>
+        <p:cTn id="1" dur="indefinite" restart="never" nodeType="tmRoot">
+          <p:childTnLst>
+            <p:seq concurrent="1" nextAc="seek">
+              <p:cTn id="2" dur="indefinite" nodeType="mainSeq">
+                <p:childTnLst>
+                  <p:par>
+                    <p:cTn id="3" fill="hold">
+                      <p:stCondLst>
+                        <p:cond delay="indefinite"/>
+                      </p:stCondLst>
+                      <p:childTnLst>
+                        <p:par>
+                          <p:cTn id="4" fill="hold">
+                            <p:stCondLst>
+                              <p:cond delay="0"/>
+                            </p:stCondLst>
+                            <p:childTnLst>
+                              <p:par>
+                                <p:cTn id="5" presetID="1" presetClass="exit" presetSubtype="0" fill="hold" grpId="0" nodeType="clickEffect">
+                                  <p:stCondLst>
+                                    <p:cond delay="0"/>
+                                  </p:stCondLst>
+                                  <p:childTnLst>
+                                    <p:set>
+                                      <p:cBhvr>
+                                        <p:cTn id="6" dur="1" fill="hold">
+                                          <p:stCondLst>
+                                            <p:cond delay="0"/>
+                                          </p:stCondLst>
+                                        </p:cTn>
+                                        <p:tgtEl>
+                                          <p:spTgt spid="3"/>
+                                        </p:tgtEl>
+                                        <p:attrNameLst>
+                                          <p:attrName>style.visibility</p:attrName>
+                                        </p:attrNameLst>
+                                      </p:cBhvr>
+                                      <p:to>
+                                        <p:strVal val="hidden"/>
+                                      </p:to>
+                                    </p:set>
+                                  </p:childTnLst>
+                                </p:cTn>
+                              </p:par>
+                            </p:childTnLst>
+                          </p:cTn>
+                        </p:par>
+                      </p:childTnLst>
+                    </p:cTn>
+                  </p:par>
+                  <p:par>
+                    <p:cTn id="7" fill="hold">
+                      <p:stCondLst>
+                        <p:cond delay="indefinite"/>
+                      </p:stCondLst>
+                      <p:childTnLst>
+                        <p:par>
+                          <p:cTn id="8" fill="hold">
+                            <p:stCondLst>
+                              <p:cond delay="0"/>
+                            </p:stCondLst>
+                            <p:childTnLst>
+                              <p:par>
+                                <p:cTn id="9" presetID="1" presetClass="exit" presetSubtype="0" fill="hold" grpId="0" nodeType="clickEffect">
+                                  <p:stCondLst>
+                                    <p:cond delay="0"/>
+                                  </p:stCondLst>
+                                  <p:childTnLst>
+                                    <p:set>
+                                      <p:cBhvr>
+                                        <p:cTn id="10" dur="1" fill="hold">
+                                          <p:stCondLst>
+                                            <p:cond delay="0"/>
+                                          </p:stCondLst>
+                                        </p:cTn>
+                                        <p:tgtEl>
+                                          <p:spTgt spid="5"/>
+                                        </p:tgtEl>
+                                        <p:attrNameLst>
+                                          <p:attrName>style.visibility</p:attrName>
+                                        </p:attrNameLst>
+                                      </p:cBhvr>
+                                      <p:to>
+                                        <p:strVal val="hidden"/>
+                                      </p:to>
+                                    </p:set>
+                                  </p:childTnLst>
+                                </p:cTn>
+                              </p:par>
+                            </p:childTnLst>
+                          </p:cTn>
+                        </p:par>
+                      </p:childTnLst>
+                    </p:cTn>
+                  </p:par>
+                  <p:par>
+                    <p:cTn id="11" fill="hold">
+                      <p:stCondLst>
+                        <p:cond delay="indefinite"/>
+                      </p:stCondLst>
+                      <p:childTnLst>
+                        <p:par>
+                          <p:cTn id="12" fill="hold">
+                            <p:stCondLst>
+                              <p:cond delay="0"/>
+                            </p:stCondLst>
+                            <p:childTnLst>
+                              <p:par>
+                                <p:cTn id="13" presetID="1" presetClass="exit" presetSubtype="0" fill="hold" grpId="0" nodeType="clickEffect">
+                                  <p:stCondLst>
+                                    <p:cond delay="0"/>
+                                  </p:stCondLst>
+                                  <p:childTnLst>
+                                    <p:set>
+                                      <p:cBhvr>
+                                        <p:cTn id="14" dur="1" fill="hold">
+                                          <p:stCondLst>
+                                            <p:cond delay="0"/>
+                                          </p:stCondLst>
+                                        </p:cTn>
+                                        <p:tgtEl>
+                                          <p:spTgt spid="6"/>
+                                        </p:tgtEl>
+                                        <p:attrNameLst>
+                                          <p:attrName>style.visibility</p:attrName>
+                                        </p:attrNameLst>
+                                      </p:cBhvr>
+                                      <p:to>
+                                        <p:strVal val="hidden"/>
+                                      </p:to>
+                                    </p:set>
+                                  </p:childTnLst>
+                                </p:cTn>
+                              </p:par>
+                            </p:childTnLst>
+                          </p:cTn>
+                        </p:par>
+                      </p:childTnLst>
+                    </p:cTn>
+                  </p:par>
+                  <p:par>
+                    <p:cTn id="15" fill="hold">
+                      <p:stCondLst>
+                        <p:cond delay="indefinite"/>
+                      </p:stCondLst>
+                      <p:childTnLst>
+                        <p:par>
+                          <p:cTn id="16" fill="hold">
+                            <p:stCondLst>
+                              <p:cond delay="0"/>
+                            </p:stCondLst>
+                            <p:childTnLst>
+                              <p:par>
+                                <p:cTn id="17" presetID="1" presetClass="exit" presetSubtype="0" fill="hold" grpId="0" nodeType="clickEffect">
+                                  <p:stCondLst>
+                                    <p:cond delay="0"/>
+                                  </p:stCondLst>
+                                  <p:childTnLst>
+                                    <p:set>
+                                      <p:cBhvr>
+                                        <p:cTn id="18" dur="1" fill="hold">
+                                          <p:stCondLst>
+                                            <p:cond delay="0"/>
+                                          </p:stCondLst>
+                                        </p:cTn>
+                                        <p:tgtEl>
+                                          <p:spTgt spid="7"/>
+                                        </p:tgtEl>
+                                        <p:attrNameLst>
+                                          <p:attrName>style.visibility</p:attrName>
+                                        </p:attrNameLst>
+                                      </p:cBhvr>
+                                      <p:to>
+                                        <p:strVal val="hidden"/>
+                                      </p:to>
+                                    </p:set>
+                                  </p:childTnLst>
+                                </p:cTn>
+                              </p:par>
+                            </p:childTnLst>
+                          </p:cTn>
+                        </p:par>
+                      </p:childTnLst>
+                    </p:cTn>
+                  </p:par>
+                  <p:par>
+                    <p:cTn id="19" fill="hold">
+                      <p:stCondLst>
+                        <p:cond delay="indefinite"/>
+                      </p:stCondLst>
+                      <p:childTnLst>
+                        <p:par>
+                          <p:cTn id="20" fill="hold">
+                            <p:stCondLst>
+                              <p:cond delay="0"/>
+                            </p:stCondLst>
+                            <p:childTnLst>
+                              <p:par>
+                                <p:cTn id="21" presetID="1" presetClass="exit" presetSubtype="0" fill="hold" grpId="0" nodeType="clickEffect">
+                                  <p:stCondLst>
+                                    <p:cond delay="0"/>
+                                  </p:stCondLst>
+                                  <p:childTnLst>
+                                    <p:set>
+                                      <p:cBhvr>
+                                        <p:cTn id="22" dur="1" fill="hold">
+                                          <p:stCondLst>
+                                            <p:cond delay="0"/>
+                                          </p:stCondLst>
+                                        </p:cTn>
+                                        <p:tgtEl>
+                                          <p:spTgt spid="8"/>
+                                        </p:tgtEl>
+                                        <p:attrNameLst>
+                                          <p:attrName>style.visibility</p:attrName>
+                                        </p:attrNameLst>
+                                      </p:cBhvr>
+                                      <p:to>
+                                        <p:strVal val="hidden"/>
+                                      </p:to>
+                                    </p:set>
+                                  </p:childTnLst>
+                                </p:cTn>
+                              </p:par>
+                            </p:childTnLst>
+                          </p:cTn>
+                        </p:par>
+                      </p:childTnLst>
+                    </p:cTn>
+                  </p:par>
+                  <p:par>
+                    <p:cTn id="23" fill="hold">
+                      <p:stCondLst>
+                        <p:cond delay="indefinite"/>
+                      </p:stCondLst>
+                      <p:childTnLst>
+                        <p:par>
+                          <p:cTn id="24" fill="hold">
+                            <p:stCondLst>
+                              <p:cond delay="0"/>
+                            </p:stCondLst>
+                            <p:childTnLst>
+                              <p:par>
+                                <p:cTn id="25" presetID="1" presetClass="exit" presetSubtype="0" fill="hold" grpId="0" nodeType="clickEffect">
+                                  <p:stCondLst>
+                                    <p:cond delay="0"/>
+                                  </p:stCondLst>
+                                  <p:childTnLst>
+                                    <p:set>
+                                      <p:cBhvr>
+                                        <p:cTn id="26" dur="1" fill="hold">
+                                          <p:stCondLst>
+                                            <p:cond delay="0"/>
+                                          </p:stCondLst>
+                                        </p:cTn>
+                                        <p:tgtEl>
+                                          <p:spTgt spid="9"/>
+                                        </p:tgtEl>
+                                        <p:attrNameLst>
+                                          <p:attrName>style.visibility</p:attrName>
+                                        </p:attrNameLst>
+                                      </p:cBhvr>
+                                      <p:to>
+                                        <p:strVal val="hidden"/>
+                                      </p:to>
+                                    </p:set>
+                                  </p:childTnLst>
+                                </p:cTn>
+                              </p:par>
+                            </p:childTnLst>
+                          </p:cTn>
+                        </p:par>
+                      </p:childTnLst>
+                    </p:cTn>
+                  </p:par>
+                  <p:par>
+                    <p:cTn id="27" fill="hold">
+                      <p:stCondLst>
+                        <p:cond delay="indefinite"/>
+                      </p:stCondLst>
+                      <p:childTnLst>
+                        <p:par>
+                          <p:cTn id="28" fill="hold">
+                            <p:stCondLst>
+                              <p:cond delay="0"/>
+                            </p:stCondLst>
+                            <p:childTnLst>
+                              <p:par>
+                                <p:cTn id="29" presetID="1" presetClass="exit" presetSubtype="0" fill="hold" grpId="0" nodeType="clickEffect">
+                                  <p:stCondLst>
+                                    <p:cond delay="0"/>
+                                  </p:stCondLst>
+                                  <p:childTnLst>
+                                    <p:set>
+                                      <p:cBhvr>
+                                        <p:cTn id="30" dur="1" fill="hold">
+                                          <p:stCondLst>
+                                            <p:cond delay="0"/>
+                                          </p:stCondLst>
+                                        </p:cTn>
+                                        <p:tgtEl>
+                                          <p:spTgt spid="10"/>
+                                        </p:tgtEl>
+                                        <p:attrNameLst>
+                                          <p:attrName>style.visibility</p:attrName>
+                                        </p:attrNameLst>
+                                      </p:cBhvr>
+                                      <p:to>
+                                        <p:strVal val="hidden"/>
+                                      </p:to>
+                                    </p:set>
+                                  </p:childTnLst>
+                                </p:cTn>
+                              </p:par>
+                            </p:childTnLst>
+                          </p:cTn>
+                        </p:par>
+                      </p:childTnLst>
+                    </p:cTn>
+                  </p:par>
+                  <p:par>
+                    <p:cTn id="31" fill="hold">
+                      <p:stCondLst>
+                        <p:cond delay="indefinite"/>
+                      </p:stCondLst>
+                      <p:childTnLst>
+                        <p:par>
+                          <p:cTn id="32" fill="hold">
+                            <p:stCondLst>
+                              <p:cond delay="0"/>
+                            </p:stCondLst>
+                            <p:childTnLst>
+                              <p:par>
+                                <p:cTn id="33" presetID="1" presetClass="exit" presetSubtype="0" fill="hold" grpId="0" nodeType="clickEffect">
+                                  <p:stCondLst>
+                                    <p:cond delay="0"/>
+                                  </p:stCondLst>
+                                  <p:childTnLst>
+                                    <p:set>
+                                      <p:cBhvr>
+                                        <p:cTn id="34" dur="1" fill="hold">
+                                          <p:stCondLst>
+                                            <p:cond delay="0"/>
+                                          </p:stCondLst>
+                                        </p:cTn>
+                                        <p:tgtEl>
+                                          <p:spTgt spid="11"/>
+                                        </p:tgtEl>
+                                        <p:attrNameLst>
+                                          <p:attrName>style.visibility</p:attrName>
+                                        </p:attrNameLst>
+                                      </p:cBhvr>
+                                      <p:to>
+                                        <p:strVal val="hidden"/>
+                                      </p:to>
+                                    </p:set>
+                                  </p:childTnLst>
+                                </p:cTn>
+                              </p:par>
+                            </p:childTnLst>
+                          </p:cTn>
+                        </p:par>
+                      </p:childTnLst>
+                    </p:cTn>
+                  </p:par>
+                </p:childTnLst>
+              </p:cTn>
+              <p:prevCondLst>
+                <p:cond evt="onPrev" delay="0">
+                  <p:tgtEl>
+                    <p:sldTgt/>
+                  </p:tgtEl>
+                </p:cond>
+              </p:prevCondLst>
+              <p:nextCondLst>
+                <p:cond evt="onNext" delay="0">
+                  <p:tgtEl>
+                    <p:sldTgt/>
+                  </p:tgtEl>
+                </p:cond>
+              </p:nextCondLst>
+            </p:seq>
+          </p:childTnLst>
+        </p:cTn>
+      </p:par>
+    </p:tnLst>
+    <p:bldLst>
+      <p:bldP spid="3" grpId="0" animBg="1"/>
+      <p:bldP spid="5" grpId="0" animBg="1"/>
+      <p:bldP spid="6" grpId="0" animBg="1"/>
+      <p:bldP spid="7" grpId="0" animBg="1"/>
+      <p:bldP spid="8" grpId="0" animBg="1"/>
+      <p:bldP spid="9" grpId="0" animBg="1"/>
+      <p:bldP spid="10" grpId="0" animBg="1"/>
+      <p:bldP spid="11" grpId="0" animBg="1"/>
+    </p:bldLst>
+  </p:timing>
+</p:sld>
+</file>
+
+<file path=ppt/slides/slide13.xml><?xml version="1.0" encoding="utf-8"?>
 <p:sld xmlns:a="http://schemas.openxmlformats.org/drawingml/2006/main" xmlns:r="http://schemas.openxmlformats.org/officeDocument/2006/relationships" xmlns:p="http://schemas.openxmlformats.org/presentationml/2006/main">
   <p:cSld>
     <p:spTree>
@@ -9782,7 +13130,7 @@
 </p:sld>
 </file>
 
-<file path=ppt/slides/slide12.xml><?xml version="1.0" encoding="utf-8"?>
+<file path=ppt/slides/slide14.xml><?xml version="1.0" encoding="utf-8"?>
 <p:sld xmlns:a="http://schemas.openxmlformats.org/drawingml/2006/main" xmlns:r="http://schemas.openxmlformats.org/officeDocument/2006/relationships" xmlns:p="http://schemas.openxmlformats.org/presentationml/2006/main">
   <p:cSld>
     <p:spTree>
@@ -10208,7 +13556,7 @@
             <a:graphicData uri="http://schemas.openxmlformats.org/presentationml/2006/ole">
               <mc:AlternateContent xmlns:mc="http://schemas.openxmlformats.org/markup-compatibility/2006">
                 <mc:Choice xmlns:v="urn:schemas-microsoft-com:vml" Requires="v">
-                  <p:oleObj spid="_x0000_s1138" name="ChemSketch" r:id="rId3" imgW="474840" imgH="302760" progId="ACD.ChemSketch.20">
+                  <p:oleObj spid="_x0000_s1248" name="ChemSketch" r:id="rId3" imgW="474840" imgH="302760" progId="ACD.ChemSketch.20">
                     <p:embed/>
                   </p:oleObj>
                 </mc:Choice>
@@ -10271,7 +13619,7 @@
             <a:graphicData uri="http://schemas.openxmlformats.org/presentationml/2006/ole">
               <mc:AlternateContent xmlns:mc="http://schemas.openxmlformats.org/markup-compatibility/2006">
                 <mc:Choice xmlns:v="urn:schemas-microsoft-com:vml" Requires="v">
-                  <p:oleObj spid="_x0000_s1139" name="ChemSketch" r:id="rId5" imgW="474840" imgH="302760" progId="ACD.ChemSketch.20">
+                  <p:oleObj spid="_x0000_s1249" name="ChemSketch" r:id="rId5" imgW="474840" imgH="302760" progId="ACD.ChemSketch.20">
                     <p:embed/>
                   </p:oleObj>
                 </mc:Choice>
@@ -10334,7 +13682,7 @@
             <a:graphicData uri="http://schemas.openxmlformats.org/presentationml/2006/ole">
               <mc:AlternateContent xmlns:mc="http://schemas.openxmlformats.org/markup-compatibility/2006">
                 <mc:Choice xmlns:v="urn:schemas-microsoft-com:vml" Requires="v">
-                  <p:oleObj spid="_x0000_s1140" name="ChemSketch" r:id="rId6" imgW="474840" imgH="302760" progId="ACD.ChemSketch.20">
+                  <p:oleObj spid="_x0000_s1250" name="ChemSketch" r:id="rId6" imgW="474840" imgH="302760" progId="ACD.ChemSketch.20">
                     <p:embed/>
                   </p:oleObj>
                 </mc:Choice>
@@ -10723,7 +14071,19 @@
             </a:r>
             <a:r>
               <a:rPr lang="de-DE" dirty="0"/>
-              <a:t> Molekülen</a:t>
+              <a:t> Molekülen (</a:t>
+            </a:r>
+            <a:r>
+              <a:rPr lang="de-DE" b="1" dirty="0">
+                <a:solidFill>
+                  <a:srgbClr val="FF0000"/>
+                </a:solidFill>
+              </a:rPr>
+              <a:t>London-Kräfte</a:t>
+            </a:r>
+            <a:r>
+              <a:rPr lang="de-DE" dirty="0"/>
+              <a:t>)</a:t>
             </a:r>
             <a:endParaRPr lang="de-DE" b="1" dirty="0">
               <a:solidFill>
@@ -10733,8 +14093,8 @@
           </a:p>
         </p:txBody>
       </p:sp>
-      <mc:AlternateContent xmlns:mc="http://schemas.openxmlformats.org/markup-compatibility/2006">
-        <mc:Choice xmlns:a14="http://schemas.microsoft.com/office/drawing/2010/main" Requires="a14">
+      <mc:AlternateContent xmlns:mc="http://schemas.openxmlformats.org/markup-compatibility/2006" xmlns:a14="http://schemas.microsoft.com/office/drawing/2010/main">
+        <mc:Choice Requires="a14">
           <p:sp>
             <p:nvSpPr>
               <p:cNvPr id="17" name="Textfeld 16">
@@ -10802,7 +14162,7 @@
             </p:txBody>
           </p:sp>
         </mc:Choice>
-        <mc:Fallback>
+        <mc:Fallback xmlns="">
           <p:sp>
             <p:nvSpPr>
               <p:cNvPr id="17" name="Textfeld 16">
@@ -10847,8 +14207,8 @@
           </p:sp>
         </mc:Fallback>
       </mc:AlternateContent>
-      <mc:AlternateContent xmlns:mc="http://schemas.openxmlformats.org/markup-compatibility/2006">
-        <mc:Choice xmlns:a14="http://schemas.microsoft.com/office/drawing/2010/main" Requires="a14">
+      <mc:AlternateContent xmlns:mc="http://schemas.openxmlformats.org/markup-compatibility/2006" xmlns:a14="http://schemas.microsoft.com/office/drawing/2010/main">
+        <mc:Choice Requires="a14">
           <p:sp>
             <p:nvSpPr>
               <p:cNvPr id="30" name="Textfeld 29">
@@ -10916,7 +14276,7 @@
             </p:txBody>
           </p:sp>
         </mc:Choice>
-        <mc:Fallback>
+        <mc:Fallback xmlns="">
           <p:sp>
             <p:nvSpPr>
               <p:cNvPr id="30" name="Textfeld 29">
@@ -10961,8 +14321,8 @@
           </p:sp>
         </mc:Fallback>
       </mc:AlternateContent>
-      <mc:AlternateContent xmlns:mc="http://schemas.openxmlformats.org/markup-compatibility/2006">
-        <mc:Choice xmlns:a14="http://schemas.microsoft.com/office/drawing/2010/main" Requires="a14">
+      <mc:AlternateContent xmlns:mc="http://schemas.openxmlformats.org/markup-compatibility/2006" xmlns:a14="http://schemas.microsoft.com/office/drawing/2010/main">
+        <mc:Choice Requires="a14">
           <p:sp>
             <p:nvSpPr>
               <p:cNvPr id="31" name="Textfeld 30">
@@ -11030,7 +14390,7 @@
             </p:txBody>
           </p:sp>
         </mc:Choice>
-        <mc:Fallback>
+        <mc:Fallback xmlns="">
           <p:sp>
             <p:nvSpPr>
               <p:cNvPr id="31" name="Textfeld 30">
@@ -11075,8 +14435,8 @@
           </p:sp>
         </mc:Fallback>
       </mc:AlternateContent>
-      <mc:AlternateContent xmlns:mc="http://schemas.openxmlformats.org/markup-compatibility/2006">
-        <mc:Choice xmlns:a14="http://schemas.microsoft.com/office/drawing/2010/main" Requires="a14">
+      <mc:AlternateContent xmlns:mc="http://schemas.openxmlformats.org/markup-compatibility/2006" xmlns:a14="http://schemas.microsoft.com/office/drawing/2010/main">
+        <mc:Choice Requires="a14">
           <p:sp>
             <p:nvSpPr>
               <p:cNvPr id="32" name="Textfeld 31">
@@ -11144,7 +14504,7 @@
             </p:txBody>
           </p:sp>
         </mc:Choice>
-        <mc:Fallback>
+        <mc:Fallback xmlns="">
           <p:sp>
             <p:nvSpPr>
               <p:cNvPr id="32" name="Textfeld 31">
@@ -11189,8 +14549,8 @@
           </p:sp>
         </mc:Fallback>
       </mc:AlternateContent>
-      <mc:AlternateContent xmlns:mc="http://schemas.openxmlformats.org/markup-compatibility/2006">
-        <mc:Choice xmlns:a14="http://schemas.microsoft.com/office/drawing/2010/main" Requires="a14">
+      <mc:AlternateContent xmlns:mc="http://schemas.openxmlformats.org/markup-compatibility/2006" xmlns:a14="http://schemas.microsoft.com/office/drawing/2010/main">
+        <mc:Choice Requires="a14">
           <p:sp>
             <p:nvSpPr>
               <p:cNvPr id="33" name="Textfeld 32">
@@ -11258,7 +14618,7 @@
             </p:txBody>
           </p:sp>
         </mc:Choice>
-        <mc:Fallback>
+        <mc:Fallback xmlns="">
           <p:sp>
             <p:nvSpPr>
               <p:cNvPr id="33" name="Textfeld 32">
@@ -11303,8 +14663,8 @@
           </p:sp>
         </mc:Fallback>
       </mc:AlternateContent>
-      <mc:AlternateContent xmlns:mc="http://schemas.openxmlformats.org/markup-compatibility/2006">
-        <mc:Choice xmlns:a14="http://schemas.microsoft.com/office/drawing/2010/main" Requires="a14">
+      <mc:AlternateContent xmlns:mc="http://schemas.openxmlformats.org/markup-compatibility/2006" xmlns:a14="http://schemas.microsoft.com/office/drawing/2010/main">
+        <mc:Choice Requires="a14">
           <p:sp>
             <p:nvSpPr>
               <p:cNvPr id="34" name="Textfeld 33">
@@ -11372,7 +14732,7 @@
             </p:txBody>
           </p:sp>
         </mc:Choice>
-        <mc:Fallback>
+        <mc:Fallback xmlns="">
           <p:sp>
             <p:nvSpPr>
               <p:cNvPr id="34" name="Textfeld 33">
@@ -11417,8 +14777,8 @@
           </p:sp>
         </mc:Fallback>
       </mc:AlternateContent>
-      <mc:AlternateContent xmlns:mc="http://schemas.openxmlformats.org/markup-compatibility/2006">
-        <mc:Choice xmlns:a14="http://schemas.microsoft.com/office/drawing/2010/main" Requires="a14">
+      <mc:AlternateContent xmlns:mc="http://schemas.openxmlformats.org/markup-compatibility/2006" xmlns:a14="http://schemas.microsoft.com/office/drawing/2010/main">
+        <mc:Choice Requires="a14">
           <p:sp>
             <p:nvSpPr>
               <p:cNvPr id="35" name="Textfeld 34">
@@ -11486,7 +14846,7 @@
             </p:txBody>
           </p:sp>
         </mc:Choice>
-        <mc:Fallback>
+        <mc:Fallback xmlns="">
           <p:sp>
             <p:nvSpPr>
               <p:cNvPr id="35" name="Textfeld 34">
@@ -11531,8 +14891,8 @@
           </p:sp>
         </mc:Fallback>
       </mc:AlternateContent>
-      <mc:AlternateContent xmlns:mc="http://schemas.openxmlformats.org/markup-compatibility/2006">
-        <mc:Choice xmlns:a14="http://schemas.microsoft.com/office/drawing/2010/main" Requires="a14">
+      <mc:AlternateContent xmlns:mc="http://schemas.openxmlformats.org/markup-compatibility/2006" xmlns:a14="http://schemas.microsoft.com/office/drawing/2010/main">
+        <mc:Choice Requires="a14">
           <p:sp>
             <p:nvSpPr>
               <p:cNvPr id="36" name="Textfeld 35">
@@ -11600,7 +14960,7 @@
             </p:txBody>
           </p:sp>
         </mc:Choice>
-        <mc:Fallback>
+        <mc:Fallback xmlns="">
           <p:sp>
             <p:nvSpPr>
               <p:cNvPr id="36" name="Textfeld 35">
@@ -11778,8 +15138,8 @@
           </a:fontRef>
         </p:style>
       </p:cxnSp>
-      <mc:AlternateContent xmlns:mc="http://schemas.openxmlformats.org/markup-compatibility/2006">
-        <mc:Choice xmlns:a14="http://schemas.microsoft.com/office/drawing/2010/main" Requires="a14">
+      <mc:AlternateContent xmlns:mc="http://schemas.openxmlformats.org/markup-compatibility/2006" xmlns:a14="http://schemas.microsoft.com/office/drawing/2010/main">
+        <mc:Choice Requires="a14">
           <p:sp>
             <p:nvSpPr>
               <p:cNvPr id="43" name="Textfeld 42">
@@ -11847,7 +15207,7 @@
             </p:txBody>
           </p:sp>
         </mc:Choice>
-        <mc:Fallback>
+        <mc:Fallback xmlns="">
           <p:sp>
             <p:nvSpPr>
               <p:cNvPr id="43" name="Textfeld 42">
@@ -11892,8 +15252,8 @@
           </p:sp>
         </mc:Fallback>
       </mc:AlternateContent>
-      <mc:AlternateContent xmlns:mc="http://schemas.openxmlformats.org/markup-compatibility/2006">
-        <mc:Choice xmlns:a14="http://schemas.microsoft.com/office/drawing/2010/main" Requires="a14">
+      <mc:AlternateContent xmlns:mc="http://schemas.openxmlformats.org/markup-compatibility/2006" xmlns:a14="http://schemas.microsoft.com/office/drawing/2010/main">
+        <mc:Choice Requires="a14">
           <p:sp>
             <p:nvSpPr>
               <p:cNvPr id="44" name="Textfeld 43">
@@ -11961,7 +15321,7 @@
             </p:txBody>
           </p:sp>
         </mc:Choice>
-        <mc:Fallback>
+        <mc:Fallback xmlns="">
           <p:sp>
             <p:nvSpPr>
               <p:cNvPr id="44" name="Textfeld 43">
@@ -12006,8 +15366,8 @@
           </p:sp>
         </mc:Fallback>
       </mc:AlternateContent>
-      <mc:AlternateContent xmlns:mc="http://schemas.openxmlformats.org/markup-compatibility/2006">
-        <mc:Choice xmlns:a14="http://schemas.microsoft.com/office/drawing/2010/main" Requires="a14">
+      <mc:AlternateContent xmlns:mc="http://schemas.openxmlformats.org/markup-compatibility/2006" xmlns:a14="http://schemas.microsoft.com/office/drawing/2010/main">
+        <mc:Choice Requires="a14">
           <p:sp>
             <p:nvSpPr>
               <p:cNvPr id="45" name="Textfeld 44">
@@ -12075,7 +15435,7 @@
             </p:txBody>
           </p:sp>
         </mc:Choice>
-        <mc:Fallback>
+        <mc:Fallback xmlns="">
           <p:sp>
             <p:nvSpPr>
               <p:cNvPr id="45" name="Textfeld 44">
@@ -12120,8 +15480,8 @@
           </p:sp>
         </mc:Fallback>
       </mc:AlternateContent>
-      <mc:AlternateContent xmlns:mc="http://schemas.openxmlformats.org/markup-compatibility/2006">
-        <mc:Choice xmlns:a14="http://schemas.microsoft.com/office/drawing/2010/main" Requires="a14">
+      <mc:AlternateContent xmlns:mc="http://schemas.openxmlformats.org/markup-compatibility/2006" xmlns:a14="http://schemas.microsoft.com/office/drawing/2010/main">
+        <mc:Choice Requires="a14">
           <p:sp>
             <p:nvSpPr>
               <p:cNvPr id="46" name="Textfeld 45">
@@ -12189,7 +15549,7 @@
             </p:txBody>
           </p:sp>
         </mc:Choice>
-        <mc:Fallback>
+        <mc:Fallback xmlns="">
           <p:sp>
             <p:nvSpPr>
               <p:cNvPr id="46" name="Textfeld 45">
@@ -12510,7 +15870,7 @@
           <a:graphicData uri="http://schemas.openxmlformats.org/presentationml/2006/ole">
             <mc:AlternateContent xmlns:mc="http://schemas.openxmlformats.org/markup-compatibility/2006">
               <mc:Choice xmlns:v="urn:schemas-microsoft-com:vml" Requires="v">
-                <p:oleObj spid="_x0000_s1141" name="ChemSketch" r:id="rId19" imgW="299880" imgH="164160" progId="ACD.ChemSketch.20">
+                <p:oleObj spid="_x0000_s1251" name="ChemSketch" r:id="rId19" imgW="299880" imgH="164160" progId="ACD.ChemSketch.20">
                   <p:embed/>
                 </p:oleObj>
               </mc:Choice>
@@ -12573,7 +15933,7 @@
           <a:graphicData uri="http://schemas.openxmlformats.org/presentationml/2006/ole">
             <mc:AlternateContent xmlns:mc="http://schemas.openxmlformats.org/markup-compatibility/2006">
               <mc:Choice xmlns:v="urn:schemas-microsoft-com:vml" Requires="v">
-                <p:oleObj spid="_x0000_s1142" name="ChemSketch" r:id="rId21" imgW="299880" imgH="164160" progId="ACD.ChemSketch.20">
+                <p:oleObj spid="_x0000_s1252" name="ChemSketch" r:id="rId21" imgW="299880" imgH="164160" progId="ACD.ChemSketch.20">
                   <p:embed/>
                 </p:oleObj>
               </mc:Choice>
@@ -12642,7 +16002,7 @@
           <a:graphicData uri="http://schemas.openxmlformats.org/presentationml/2006/ole">
             <mc:AlternateContent xmlns:mc="http://schemas.openxmlformats.org/markup-compatibility/2006">
               <mc:Choice xmlns:v="urn:schemas-microsoft-com:vml" Requires="v">
-                <p:oleObj spid="_x0000_s1143" name="ChemSketch" r:id="rId22" imgW="299880" imgH="164160" progId="ACD.ChemSketch.20">
+                <p:oleObj spid="_x0000_s1253" name="ChemSketch" r:id="rId22" imgW="299880" imgH="164160" progId="ACD.ChemSketch.20">
                   <p:embed/>
                 </p:oleObj>
               </mc:Choice>
@@ -12711,7 +16071,7 @@
           <a:graphicData uri="http://schemas.openxmlformats.org/presentationml/2006/ole">
             <mc:AlternateContent xmlns:mc="http://schemas.openxmlformats.org/markup-compatibility/2006">
               <mc:Choice xmlns:v="urn:schemas-microsoft-com:vml" Requires="v">
-                <p:oleObj spid="_x0000_s1144" name="ChemSketch" r:id="rId23" imgW="335880" imgH="149760" progId="ACD.ChemSketch.20">
+                <p:oleObj spid="_x0000_s1254" name="ChemSketch" r:id="rId23" imgW="335880" imgH="149760" progId="ACD.ChemSketch.20">
                   <p:embed/>
                 </p:oleObj>
               </mc:Choice>
@@ -12774,7 +16134,7 @@
           <a:graphicData uri="http://schemas.openxmlformats.org/presentationml/2006/ole">
             <mc:AlternateContent xmlns:mc="http://schemas.openxmlformats.org/markup-compatibility/2006">
               <mc:Choice xmlns:v="urn:schemas-microsoft-com:vml" Requires="v">
-                <p:oleObj spid="_x0000_s1145" name="ChemSketch" r:id="rId25" imgW="335880" imgH="149760" progId="ACD.ChemSketch.20">
+                <p:oleObj spid="_x0000_s1255" name="ChemSketch" r:id="rId25" imgW="335880" imgH="149760" progId="ACD.ChemSketch.20">
                   <p:embed/>
                 </p:oleObj>
               </mc:Choice>
@@ -12843,7 +16203,7 @@
           <a:graphicData uri="http://schemas.openxmlformats.org/presentationml/2006/ole">
             <mc:AlternateContent xmlns:mc="http://schemas.openxmlformats.org/markup-compatibility/2006">
               <mc:Choice xmlns:v="urn:schemas-microsoft-com:vml" Requires="v">
-                <p:oleObj spid="_x0000_s1146" name="ChemSketch" r:id="rId26" imgW="335880" imgH="149760" progId="ACD.ChemSketch.20">
+                <p:oleObj spid="_x0000_s1256" name="ChemSketch" r:id="rId26" imgW="335880" imgH="149760" progId="ACD.ChemSketch.20">
                   <p:embed/>
                 </p:oleObj>
               </mc:Choice>
@@ -12912,7 +16272,7 @@
           <a:graphicData uri="http://schemas.openxmlformats.org/presentationml/2006/ole">
             <mc:AlternateContent xmlns:mc="http://schemas.openxmlformats.org/markup-compatibility/2006">
               <mc:Choice xmlns:v="urn:schemas-microsoft-com:vml" Requires="v">
-                <p:oleObj spid="_x0000_s1147" name="ChemSketch" r:id="rId27" imgW="335880" imgH="149760" progId="ACD.ChemSketch.20">
+                <p:oleObj spid="_x0000_s1257" name="ChemSketch" r:id="rId27" imgW="335880" imgH="149760" progId="ACD.ChemSketch.20">
                   <p:embed/>
                 </p:oleObj>
               </mc:Choice>
@@ -12953,8 +16313,8 @@
           </a:graphicData>
         </a:graphic>
       </p:graphicFrame>
-      <mc:AlternateContent xmlns:mc="http://schemas.openxmlformats.org/markup-compatibility/2006">
-        <mc:Choice xmlns:a14="http://schemas.microsoft.com/office/drawing/2010/main" Requires="a14">
+      <mc:AlternateContent xmlns:mc="http://schemas.openxmlformats.org/markup-compatibility/2006" xmlns:a14="http://schemas.microsoft.com/office/drawing/2010/main">
+        <mc:Choice Requires="a14">
           <p:sp>
             <p:nvSpPr>
               <p:cNvPr id="58" name="Textfeld 57">
@@ -13022,7 +16382,7 @@
             </p:txBody>
           </p:sp>
         </mc:Choice>
-        <mc:Fallback>
+        <mc:Fallback xmlns="">
           <p:sp>
             <p:nvSpPr>
               <p:cNvPr id="58" name="Textfeld 57">
@@ -13067,8 +16427,8 @@
           </p:sp>
         </mc:Fallback>
       </mc:AlternateContent>
-      <mc:AlternateContent xmlns:mc="http://schemas.openxmlformats.org/markup-compatibility/2006">
-        <mc:Choice xmlns:a14="http://schemas.microsoft.com/office/drawing/2010/main" Requires="a14">
+      <mc:AlternateContent xmlns:mc="http://schemas.openxmlformats.org/markup-compatibility/2006" xmlns:a14="http://schemas.microsoft.com/office/drawing/2010/main">
+        <mc:Choice Requires="a14">
           <p:sp>
             <p:nvSpPr>
               <p:cNvPr id="59" name="Textfeld 58">
@@ -13136,7 +16496,7 @@
             </p:txBody>
           </p:sp>
         </mc:Choice>
-        <mc:Fallback>
+        <mc:Fallback xmlns="">
           <p:sp>
             <p:nvSpPr>
               <p:cNvPr id="59" name="Textfeld 58">
@@ -14267,214 +17627,6 @@
           <a:chExt cx="0" cy="0"/>
         </a:xfrm>
       </p:grpSpPr>
-      <p:pic>
-        <p:nvPicPr>
-          <p:cNvPr id="2" name="Grafik 1">
-            <a:extLst>
-              <a:ext uri="{FF2B5EF4-FFF2-40B4-BE49-F238E27FC236}">
-                <a16:creationId xmlns:a16="http://schemas.microsoft.com/office/drawing/2014/main" id="{B58E941B-0E79-4085-BAB2-392DD3C6F3D9}"/>
-              </a:ext>
-            </a:extLst>
-          </p:cNvPr>
-          <p:cNvPicPr>
-            <a:picLocks noChangeAspect="1"/>
-          </p:cNvPicPr>
-          <p:nvPr/>
-        </p:nvPicPr>
-        <p:blipFill>
-          <a:blip r:embed="rId2"/>
-          <a:stretch>
-            <a:fillRect/>
-          </a:stretch>
-        </p:blipFill>
-        <p:spPr>
-          <a:xfrm>
-            <a:off x="2034411" y="981644"/>
-            <a:ext cx="7727434" cy="5603401"/>
-          </a:xfrm>
-          <a:prstGeom prst="rect">
-            <a:avLst/>
-          </a:prstGeom>
-        </p:spPr>
-      </p:pic>
-      <p:sp>
-        <p:nvSpPr>
-          <p:cNvPr id="3" name="Textfeld 2">
-            <a:extLst>
-              <a:ext uri="{FF2B5EF4-FFF2-40B4-BE49-F238E27FC236}">
-                <a16:creationId xmlns:a16="http://schemas.microsoft.com/office/drawing/2014/main" id="{9F69FA08-C184-4A6F-9358-2887891DD90D}"/>
-              </a:ext>
-            </a:extLst>
-          </p:cNvPr>
-          <p:cNvSpPr txBox="1"/>
-          <p:nvPr/>
-        </p:nvSpPr>
-        <p:spPr>
-          <a:xfrm>
-            <a:off x="5554639" y="6400379"/>
-            <a:ext cx="2661313" cy="369332"/>
-          </a:xfrm>
-          <a:prstGeom prst="rect">
-            <a:avLst/>
-          </a:prstGeom>
-          <a:noFill/>
-        </p:spPr>
-        <p:txBody>
-          <a:bodyPr wrap="square" rtlCol="0">
-            <a:spAutoFit/>
-          </a:bodyPr>
-          <a:lstStyle/>
-          <a:p>
-            <a:r>
-              <a:rPr lang="de-DE" dirty="0"/>
-              <a:t>(geradkettige Form)</a:t>
-            </a:r>
-          </a:p>
-        </p:txBody>
-      </p:sp>
-      <p:sp>
-        <p:nvSpPr>
-          <p:cNvPr id="4" name="Textfeld 3">
-            <a:extLst>
-              <a:ext uri="{FF2B5EF4-FFF2-40B4-BE49-F238E27FC236}">
-                <a16:creationId xmlns:a16="http://schemas.microsoft.com/office/drawing/2014/main" id="{882E8222-BDAD-462E-A579-D273692CCF3B}"/>
-              </a:ext>
-            </a:extLst>
-          </p:cNvPr>
-          <p:cNvSpPr txBox="1"/>
-          <p:nvPr/>
-        </p:nvSpPr>
-        <p:spPr>
-          <a:xfrm>
-            <a:off x="1911113" y="272955"/>
-            <a:ext cx="8369773" cy="830997"/>
-          </a:xfrm>
-          <a:prstGeom prst="rect">
-            <a:avLst/>
-          </a:prstGeom>
-          <a:noFill/>
-        </p:spPr>
-        <p:txBody>
-          <a:bodyPr wrap="square" rtlCol="0">
-            <a:spAutoFit/>
-          </a:bodyPr>
-          <a:lstStyle/>
-          <a:p>
-            <a:r>
-              <a:rPr lang="de-DE" sz="2400" i="1" dirty="0"/>
-              <a:t>Wie ist der Anstieg der Siedetemperaturen von Alkanen mit zunehmender Zahl der Kohlenstoffatome zu erklären?</a:t>
-            </a:r>
-          </a:p>
-        </p:txBody>
-      </p:sp>
-    </p:spTree>
-    <p:extLst>
-      <p:ext uri="{BB962C8B-B14F-4D97-AF65-F5344CB8AC3E}">
-        <p14:creationId xmlns:p14="http://schemas.microsoft.com/office/powerpoint/2010/main" val="3057717163"/>
-      </p:ext>
-    </p:extLst>
-  </p:cSld>
-  <p:clrMapOvr>
-    <a:masterClrMapping/>
-  </p:clrMapOvr>
-  <p:timing>
-    <p:tnLst>
-      <p:par>
-        <p:cTn id="1" dur="indefinite" restart="never" nodeType="tmRoot">
-          <p:childTnLst>
-            <p:seq concurrent="1" nextAc="seek">
-              <p:cTn id="2" dur="indefinite" nodeType="mainSeq">
-                <p:childTnLst>
-                  <p:par>
-                    <p:cTn id="3" fill="hold">
-                      <p:stCondLst>
-                        <p:cond delay="indefinite"/>
-                      </p:stCondLst>
-                      <p:childTnLst>
-                        <p:par>
-                          <p:cTn id="4" fill="hold">
-                            <p:stCondLst>
-                              <p:cond delay="0"/>
-                            </p:stCondLst>
-                            <p:childTnLst>
-                              <p:par>
-                                <p:cTn id="5" presetID="1" presetClass="entr" presetSubtype="0" fill="hold" grpId="0" nodeType="clickEffect">
-                                  <p:stCondLst>
-                                    <p:cond delay="0"/>
-                                  </p:stCondLst>
-                                  <p:childTnLst>
-                                    <p:set>
-                                      <p:cBhvr>
-                                        <p:cTn id="6" dur="1" fill="hold">
-                                          <p:stCondLst>
-                                            <p:cond delay="0"/>
-                                          </p:stCondLst>
-                                        </p:cTn>
-                                        <p:tgtEl>
-                                          <p:spTgt spid="4"/>
-                                        </p:tgtEl>
-                                        <p:attrNameLst>
-                                          <p:attrName>style.visibility</p:attrName>
-                                        </p:attrNameLst>
-                                      </p:cBhvr>
-                                      <p:to>
-                                        <p:strVal val="visible"/>
-                                      </p:to>
-                                    </p:set>
-                                  </p:childTnLst>
-                                </p:cTn>
-                              </p:par>
-                            </p:childTnLst>
-                          </p:cTn>
-                        </p:par>
-                      </p:childTnLst>
-                    </p:cTn>
-                  </p:par>
-                </p:childTnLst>
-              </p:cTn>
-              <p:prevCondLst>
-                <p:cond evt="onPrev" delay="0">
-                  <p:tgtEl>
-                    <p:sldTgt/>
-                  </p:tgtEl>
-                </p:cond>
-              </p:prevCondLst>
-              <p:nextCondLst>
-                <p:cond evt="onNext" delay="0">
-                  <p:tgtEl>
-                    <p:sldTgt/>
-                  </p:tgtEl>
-                </p:cond>
-              </p:nextCondLst>
-            </p:seq>
-          </p:childTnLst>
-        </p:cTn>
-      </p:par>
-    </p:tnLst>
-    <p:bldLst>
-      <p:bldP spid="4" grpId="0"/>
-    </p:bldLst>
-  </p:timing>
-</p:sld>
-</file>
-
-<file path=ppt/slides/slide4.xml><?xml version="1.0" encoding="utf-8"?>
-<p:sld xmlns:a="http://schemas.openxmlformats.org/drawingml/2006/main" xmlns:r="http://schemas.openxmlformats.org/officeDocument/2006/relationships" xmlns:p="http://schemas.openxmlformats.org/presentationml/2006/main">
-  <p:cSld>
-    <p:spTree>
-      <p:nvGrpSpPr>
-        <p:cNvPr id="1" name=""/>
-        <p:cNvGrpSpPr/>
-        <p:nvPr/>
-      </p:nvGrpSpPr>
-      <p:grpSpPr>
-        <a:xfrm>
-          <a:off x="0" y="0"/>
-          <a:ext cx="0" cy="0"/>
-          <a:chOff x="0" y="0"/>
-          <a:chExt cx="0" cy="0"/>
-        </a:xfrm>
-      </p:grpSpPr>
       <p:sp>
         <p:nvSpPr>
           <p:cNvPr id="3" name="Textfeld 2">
@@ -14554,7 +17706,7 @@
           <a:graphicData uri="http://schemas.openxmlformats.org/presentationml/2006/ole">
             <mc:AlternateContent xmlns:mc="http://schemas.openxmlformats.org/markup-compatibility/2006">
               <mc:Choice xmlns:v="urn:schemas-microsoft-com:vml" Requires="v">
-                <p:oleObj spid="_x0000_s2077" name="ChemSketch" r:id="rId3" imgW="564480" imgH="605520" progId="ACD.ChemSketch.20">
+                <p:oleObj spid="_x0000_s2110" name="ChemSketch" r:id="rId3" imgW="564480" imgH="605520" progId="ACD.ChemSketch.20">
                   <p:embed/>
                 </p:oleObj>
               </mc:Choice>
@@ -14617,7 +17769,7 @@
           <a:graphicData uri="http://schemas.openxmlformats.org/presentationml/2006/ole">
             <mc:AlternateContent xmlns:mc="http://schemas.openxmlformats.org/markup-compatibility/2006">
               <mc:Choice xmlns:v="urn:schemas-microsoft-com:vml" Requires="v">
-                <p:oleObj spid="_x0000_s2078" name="ChemSketch" r:id="rId5" imgW="707760" imgH="516600" progId="ACD.ChemSketch.20">
+                <p:oleObj spid="_x0000_s2111" name="ChemSketch" r:id="rId5" imgW="707760" imgH="516600" progId="ACD.ChemSketch.20">
                   <p:embed/>
                 </p:oleObj>
               </mc:Choice>
@@ -14680,7 +17832,7 @@
           <a:graphicData uri="http://schemas.openxmlformats.org/presentationml/2006/ole">
             <mc:AlternateContent xmlns:mc="http://schemas.openxmlformats.org/markup-compatibility/2006">
               <mc:Choice xmlns:v="urn:schemas-microsoft-com:vml" Requires="v">
-                <p:oleObj spid="_x0000_s2079" name="ChemSketch" r:id="rId7" imgW="1890720" imgH="614520" progId="ACD.ChemSketch.20">
+                <p:oleObj spid="_x0000_s2112" name="ChemSketch" r:id="rId7" imgW="1890720" imgH="614520" progId="ACD.ChemSketch.20">
                   <p:embed/>
                 </p:oleObj>
               </mc:Choice>
@@ -14829,8 +17981,8 @@
           </a:p>
         </p:txBody>
       </p:sp>
-      <mc:AlternateContent xmlns:mc="http://schemas.openxmlformats.org/markup-compatibility/2006">
-        <mc:Choice xmlns:a14="http://schemas.microsoft.com/office/drawing/2010/main" Requires="a14">
+      <mc:AlternateContent xmlns:mc="http://schemas.openxmlformats.org/markup-compatibility/2006" xmlns:a14="http://schemas.microsoft.com/office/drawing/2010/main">
+        <mc:Choice Requires="a14">
           <p:sp>
             <p:nvSpPr>
               <p:cNvPr id="9" name="Rechteck 8">
@@ -14897,7 +18049,7 @@
             </p:txBody>
           </p:sp>
         </mc:Choice>
-        <mc:Fallback>
+        <mc:Fallback xmlns="">
           <p:sp>
             <p:nvSpPr>
               <p:cNvPr id="9" name="Rechteck 8">
@@ -14942,8 +18094,8 @@
           </p:sp>
         </mc:Fallback>
       </mc:AlternateContent>
-      <mc:AlternateContent xmlns:mc="http://schemas.openxmlformats.org/markup-compatibility/2006">
-        <mc:Choice xmlns:a14="http://schemas.microsoft.com/office/drawing/2010/main" Requires="a14">
+      <mc:AlternateContent xmlns:mc="http://schemas.openxmlformats.org/markup-compatibility/2006" xmlns:a14="http://schemas.microsoft.com/office/drawing/2010/main">
+        <mc:Choice Requires="a14">
           <p:sp>
             <p:nvSpPr>
               <p:cNvPr id="10" name="Rechteck 9">
@@ -15010,7 +18162,7 @@
             </p:txBody>
           </p:sp>
         </mc:Choice>
-        <mc:Fallback>
+        <mc:Fallback xmlns="">
           <p:sp>
             <p:nvSpPr>
               <p:cNvPr id="10" name="Rechteck 9">
@@ -15055,8 +18207,8 @@
           </p:sp>
         </mc:Fallback>
       </mc:AlternateContent>
-      <mc:AlternateContent xmlns:mc="http://schemas.openxmlformats.org/markup-compatibility/2006">
-        <mc:Choice xmlns:a14="http://schemas.microsoft.com/office/drawing/2010/main" Requires="a14">
+      <mc:AlternateContent xmlns:mc="http://schemas.openxmlformats.org/markup-compatibility/2006" xmlns:a14="http://schemas.microsoft.com/office/drawing/2010/main">
+        <mc:Choice Requires="a14">
           <p:sp>
             <p:nvSpPr>
               <p:cNvPr id="11" name="Rechteck 10">
@@ -15123,7 +18275,7 @@
             </p:txBody>
           </p:sp>
         </mc:Choice>
-        <mc:Fallback>
+        <mc:Fallback xmlns="">
           <p:sp>
             <p:nvSpPr>
               <p:cNvPr id="11" name="Rechteck 10">
@@ -15168,8 +18320,8 @@
           </p:sp>
         </mc:Fallback>
       </mc:AlternateContent>
-      <mc:AlternateContent xmlns:mc="http://schemas.openxmlformats.org/markup-compatibility/2006">
-        <mc:Choice xmlns:a14="http://schemas.microsoft.com/office/drawing/2010/main" Requires="a14">
+      <mc:AlternateContent xmlns:mc="http://schemas.openxmlformats.org/markup-compatibility/2006" xmlns:a14="http://schemas.microsoft.com/office/drawing/2010/main">
+        <mc:Choice Requires="a14">
           <p:sp>
             <p:nvSpPr>
               <p:cNvPr id="12" name="Rechteck 11">
@@ -15236,7 +18388,7 @@
             </p:txBody>
           </p:sp>
         </mc:Choice>
-        <mc:Fallback>
+        <mc:Fallback xmlns="">
           <p:sp>
             <p:nvSpPr>
               <p:cNvPr id="12" name="Rechteck 11">
@@ -15281,8 +18433,8 @@
           </p:sp>
         </mc:Fallback>
       </mc:AlternateContent>
-      <mc:AlternateContent xmlns:mc="http://schemas.openxmlformats.org/markup-compatibility/2006">
-        <mc:Choice xmlns:a14="http://schemas.microsoft.com/office/drawing/2010/main" Requires="a14">
+      <mc:AlternateContent xmlns:mc="http://schemas.openxmlformats.org/markup-compatibility/2006" xmlns:a14="http://schemas.microsoft.com/office/drawing/2010/main">
+        <mc:Choice Requires="a14">
           <p:sp>
             <p:nvSpPr>
               <p:cNvPr id="13" name="Rechteck 12">
@@ -15349,7 +18501,7 @@
             </p:txBody>
           </p:sp>
         </mc:Choice>
-        <mc:Fallback>
+        <mc:Fallback xmlns="">
           <p:sp>
             <p:nvSpPr>
               <p:cNvPr id="13" name="Rechteck 12">
@@ -15745,7 +18897,7 @@
 </p:sld>
 </file>
 
-<file path=ppt/slides/slide5.xml><?xml version="1.0" encoding="utf-8"?>
+<file path=ppt/slides/slide4.xml><?xml version="1.0" encoding="utf-8"?>
 <p:sld xmlns:a="http://schemas.openxmlformats.org/drawingml/2006/main" xmlns:r="http://schemas.openxmlformats.org/officeDocument/2006/relationships" xmlns:p="http://schemas.openxmlformats.org/presentationml/2006/main">
   <p:cSld>
     <p:spTree>
@@ -16026,7 +19178,7 @@
 </p:sld>
 </file>
 
-<file path=ppt/slides/slide6.xml><?xml version="1.0" encoding="utf-8"?>
+<file path=ppt/slides/slide5.xml><?xml version="1.0" encoding="utf-8"?>
 <p:sld xmlns:a="http://schemas.openxmlformats.org/drawingml/2006/main" xmlns:r="http://schemas.openxmlformats.org/officeDocument/2006/relationships" xmlns:p="http://schemas.openxmlformats.org/presentationml/2006/main">
   <p:cSld>
     <p:spTree>
@@ -16436,8 +19588,8 @@
         </p:nvSpPr>
         <p:spPr>
           <a:xfrm>
-            <a:off x="913924" y="276552"/>
-            <a:ext cx="1297484" cy="400110"/>
+            <a:off x="508711" y="128920"/>
+            <a:ext cx="1768996" cy="707886"/>
           </a:xfrm>
           <a:prstGeom prst="rect">
             <a:avLst/>
@@ -16451,12 +19603,20 @@
           <a:lstStyle/>
           <a:p>
             <a:r>
+              <a:rPr lang="de-DE" sz="2000" b="1" dirty="0" err="1">
+                <a:solidFill>
+                  <a:srgbClr val="FF0000"/>
+                </a:solidFill>
+              </a:rPr>
+              <a:t>Wdh</a:t>
+            </a:r>
+            <a:r>
               <a:rPr lang="de-DE" sz="2000" b="1" dirty="0">
                 <a:solidFill>
                   <a:srgbClr val="FF0000"/>
                 </a:solidFill>
               </a:rPr>
-              <a:t>Erklärung</a:t>
+              <a:t> London-Kräfte</a:t>
             </a:r>
             <a:r>
               <a:rPr lang="de-DE" sz="2000" dirty="0">
@@ -16498,7 +19658,7 @@
           <a:p>
             <a:r>
               <a:rPr lang="de-DE" sz="2000" dirty="0"/>
-              <a:t>die Ausbildung von </a:t>
+              <a:t>Die Ausbildung von </a:t>
             </a:r>
             <a:r>
               <a:rPr lang="de-DE" sz="2000" u="sng" dirty="0"/>
@@ -16764,6 +19924,214 @@
 </p:sld>
 </file>
 
+<file path=ppt/slides/slide6.xml><?xml version="1.0" encoding="utf-8"?>
+<p:sld xmlns:a="http://schemas.openxmlformats.org/drawingml/2006/main" xmlns:r="http://schemas.openxmlformats.org/officeDocument/2006/relationships" xmlns:p="http://schemas.openxmlformats.org/presentationml/2006/main">
+  <p:cSld>
+    <p:spTree>
+      <p:nvGrpSpPr>
+        <p:cNvPr id="1" name=""/>
+        <p:cNvGrpSpPr/>
+        <p:nvPr/>
+      </p:nvGrpSpPr>
+      <p:grpSpPr>
+        <a:xfrm>
+          <a:off x="0" y="0"/>
+          <a:ext cx="0" cy="0"/>
+          <a:chOff x="0" y="0"/>
+          <a:chExt cx="0" cy="0"/>
+        </a:xfrm>
+      </p:grpSpPr>
+      <p:pic>
+        <p:nvPicPr>
+          <p:cNvPr id="2" name="Grafik 1">
+            <a:extLst>
+              <a:ext uri="{FF2B5EF4-FFF2-40B4-BE49-F238E27FC236}">
+                <a16:creationId xmlns:a16="http://schemas.microsoft.com/office/drawing/2014/main" id="{B58E941B-0E79-4085-BAB2-392DD3C6F3D9}"/>
+              </a:ext>
+            </a:extLst>
+          </p:cNvPr>
+          <p:cNvPicPr>
+            <a:picLocks noChangeAspect="1"/>
+          </p:cNvPicPr>
+          <p:nvPr/>
+        </p:nvPicPr>
+        <p:blipFill>
+          <a:blip r:embed="rId2"/>
+          <a:stretch>
+            <a:fillRect/>
+          </a:stretch>
+        </p:blipFill>
+        <p:spPr>
+          <a:xfrm>
+            <a:off x="2034411" y="981644"/>
+            <a:ext cx="7727434" cy="5603401"/>
+          </a:xfrm>
+          <a:prstGeom prst="rect">
+            <a:avLst/>
+          </a:prstGeom>
+        </p:spPr>
+      </p:pic>
+      <p:sp>
+        <p:nvSpPr>
+          <p:cNvPr id="3" name="Textfeld 2">
+            <a:extLst>
+              <a:ext uri="{FF2B5EF4-FFF2-40B4-BE49-F238E27FC236}">
+                <a16:creationId xmlns:a16="http://schemas.microsoft.com/office/drawing/2014/main" id="{9F69FA08-C184-4A6F-9358-2887891DD90D}"/>
+              </a:ext>
+            </a:extLst>
+          </p:cNvPr>
+          <p:cNvSpPr txBox="1"/>
+          <p:nvPr/>
+        </p:nvSpPr>
+        <p:spPr>
+          <a:xfrm>
+            <a:off x="5554639" y="6400379"/>
+            <a:ext cx="2661313" cy="369332"/>
+          </a:xfrm>
+          <a:prstGeom prst="rect">
+            <a:avLst/>
+          </a:prstGeom>
+          <a:noFill/>
+        </p:spPr>
+        <p:txBody>
+          <a:bodyPr wrap="square" rtlCol="0">
+            <a:spAutoFit/>
+          </a:bodyPr>
+          <a:lstStyle/>
+          <a:p>
+            <a:r>
+              <a:rPr lang="de-DE" dirty="0"/>
+              <a:t>(geradkettige Form)</a:t>
+            </a:r>
+          </a:p>
+        </p:txBody>
+      </p:sp>
+      <p:sp>
+        <p:nvSpPr>
+          <p:cNvPr id="4" name="Textfeld 3">
+            <a:extLst>
+              <a:ext uri="{FF2B5EF4-FFF2-40B4-BE49-F238E27FC236}">
+                <a16:creationId xmlns:a16="http://schemas.microsoft.com/office/drawing/2014/main" id="{882E8222-BDAD-462E-A579-D273692CCF3B}"/>
+              </a:ext>
+            </a:extLst>
+          </p:cNvPr>
+          <p:cNvSpPr txBox="1"/>
+          <p:nvPr/>
+        </p:nvSpPr>
+        <p:spPr>
+          <a:xfrm>
+            <a:off x="1911113" y="272955"/>
+            <a:ext cx="8369773" cy="830997"/>
+          </a:xfrm>
+          <a:prstGeom prst="rect">
+            <a:avLst/>
+          </a:prstGeom>
+          <a:noFill/>
+        </p:spPr>
+        <p:txBody>
+          <a:bodyPr wrap="square" rtlCol="0">
+            <a:spAutoFit/>
+          </a:bodyPr>
+          <a:lstStyle/>
+          <a:p>
+            <a:r>
+              <a:rPr lang="de-DE" sz="2400" i="1" dirty="0"/>
+              <a:t>Wie ist der Anstieg der Siedetemperaturen von Alkanen mit zunehmender Zahl der Kohlenstoffatome zu erklären?</a:t>
+            </a:r>
+          </a:p>
+        </p:txBody>
+      </p:sp>
+    </p:spTree>
+    <p:extLst>
+      <p:ext uri="{BB962C8B-B14F-4D97-AF65-F5344CB8AC3E}">
+        <p14:creationId xmlns:p14="http://schemas.microsoft.com/office/powerpoint/2010/main" val="3057717163"/>
+      </p:ext>
+    </p:extLst>
+  </p:cSld>
+  <p:clrMapOvr>
+    <a:masterClrMapping/>
+  </p:clrMapOvr>
+  <p:timing>
+    <p:tnLst>
+      <p:par>
+        <p:cTn id="1" dur="indefinite" restart="never" nodeType="tmRoot">
+          <p:childTnLst>
+            <p:seq concurrent="1" nextAc="seek">
+              <p:cTn id="2" dur="indefinite" nodeType="mainSeq">
+                <p:childTnLst>
+                  <p:par>
+                    <p:cTn id="3" fill="hold">
+                      <p:stCondLst>
+                        <p:cond delay="indefinite"/>
+                      </p:stCondLst>
+                      <p:childTnLst>
+                        <p:par>
+                          <p:cTn id="4" fill="hold">
+                            <p:stCondLst>
+                              <p:cond delay="0"/>
+                            </p:stCondLst>
+                            <p:childTnLst>
+                              <p:par>
+                                <p:cTn id="5" presetID="1" presetClass="entr" presetSubtype="0" fill="hold" grpId="0" nodeType="clickEffect">
+                                  <p:stCondLst>
+                                    <p:cond delay="0"/>
+                                  </p:stCondLst>
+                                  <p:childTnLst>
+                                    <p:set>
+                                      <p:cBhvr>
+                                        <p:cTn id="6" dur="1" fill="hold">
+                                          <p:stCondLst>
+                                            <p:cond delay="0"/>
+                                          </p:stCondLst>
+                                        </p:cTn>
+                                        <p:tgtEl>
+                                          <p:spTgt spid="4"/>
+                                        </p:tgtEl>
+                                        <p:attrNameLst>
+                                          <p:attrName>style.visibility</p:attrName>
+                                        </p:attrNameLst>
+                                      </p:cBhvr>
+                                      <p:to>
+                                        <p:strVal val="visible"/>
+                                      </p:to>
+                                    </p:set>
+                                  </p:childTnLst>
+                                </p:cTn>
+                              </p:par>
+                            </p:childTnLst>
+                          </p:cTn>
+                        </p:par>
+                      </p:childTnLst>
+                    </p:cTn>
+                  </p:par>
+                </p:childTnLst>
+              </p:cTn>
+              <p:prevCondLst>
+                <p:cond evt="onPrev" delay="0">
+                  <p:tgtEl>
+                    <p:sldTgt/>
+                  </p:tgtEl>
+                </p:cond>
+              </p:prevCondLst>
+              <p:nextCondLst>
+                <p:cond evt="onNext" delay="0">
+                  <p:tgtEl>
+                    <p:sldTgt/>
+                  </p:tgtEl>
+                </p:cond>
+              </p:nextCondLst>
+            </p:seq>
+          </p:childTnLst>
+        </p:cTn>
+      </p:par>
+    </p:tnLst>
+    <p:bldLst>
+      <p:bldP spid="4" grpId="0"/>
+    </p:bldLst>
+  </p:timing>
+</p:sld>
+</file>
+
 <file path=ppt/slides/slide7.xml><?xml version="1.0" encoding="utf-8"?>
 <p:sld xmlns:a="http://schemas.openxmlformats.org/drawingml/2006/main" xmlns:r="http://schemas.openxmlformats.org/officeDocument/2006/relationships" xmlns:p="http://schemas.openxmlformats.org/presentationml/2006/main">
   <p:cSld>
@@ -16795,7 +20163,7 @@
         </p:nvSpPr>
         <p:spPr>
           <a:xfrm>
-            <a:off x="1171432" y="908039"/>
+            <a:off x="1171432" y="466823"/>
             <a:ext cx="9821839" cy="2015936"/>
           </a:xfrm>
           <a:prstGeom prst="rect">
@@ -16808,27 +20176,19 @@
           </a:bodyPr>
           <a:lstStyle/>
           <a:p>
-            <a:r>
-              <a:rPr lang="de-DE" sz="2000" b="1" dirty="0">
-                <a:latin typeface="Calibri,Bold"/>
-              </a:rPr>
-              <a:t>Merke:</a:t>
-            </a:r>
-          </a:p>
-          <a:p>
             <a:pPr>
               <a:spcAft>
                 <a:spcPts val="600"/>
               </a:spcAft>
             </a:pPr>
             <a:r>
-              <a:rPr lang="de-DE" sz="2000" dirty="0">
+              <a:rPr lang="de-DE" sz="2400" dirty="0">
                 <a:latin typeface="Calibri" panose="020F0502020204030204" pitchFamily="34" charset="0"/>
               </a:rPr>
               <a:t>Anziehungskräfte zwischen unpolaren Molekülen beruhen auf der </a:t>
             </a:r>
             <a:r>
-              <a:rPr lang="de-DE" sz="2000" b="1" dirty="0">
+              <a:rPr lang="de-DE" sz="2400" b="1" dirty="0">
                 <a:solidFill>
                   <a:srgbClr val="FF0000"/>
                 </a:solidFill>
@@ -16837,48 +20197,43 @@
               <a:t>Ausbildung von temporären Dipolen</a:t>
             </a:r>
             <a:r>
-              <a:rPr lang="de-DE" sz="2000" dirty="0">
+              <a:rPr lang="de-DE" sz="2400" dirty="0">
                 <a:latin typeface="Calibri" panose="020F0502020204030204" pitchFamily="34" charset="0"/>
               </a:rPr>
-              <a:t> (früher: „van-der-Waals-Kräfte“).</a:t>
+              <a:t> (London-Kräfte, früher: „van-der-Waals-Kräfte“).</a:t>
             </a:r>
           </a:p>
           <a:p>
             <a:r>
-              <a:rPr lang="de-DE" sz="2000" dirty="0">
+              <a:rPr lang="de-DE" sz="2400" dirty="0">
                 <a:latin typeface="Calibri" panose="020F0502020204030204" pitchFamily="34" charset="0"/>
               </a:rPr>
               <a:t>Sie wirken nur auf </a:t>
             </a:r>
             <a:r>
-              <a:rPr lang="de-DE" sz="2000" b="1" dirty="0">
+              <a:rPr lang="de-DE" sz="2400" b="1" dirty="0">
                 <a:latin typeface="Calibri" panose="020F0502020204030204" pitchFamily="34" charset="0"/>
               </a:rPr>
               <a:t>kurze Distanz </a:t>
             </a:r>
             <a:r>
-              <a:rPr lang="de-DE" sz="2000" dirty="0">
+              <a:rPr lang="de-DE" sz="2400" dirty="0">
                 <a:latin typeface="Calibri" panose="020F0502020204030204" pitchFamily="34" charset="0"/>
               </a:rPr>
               <a:t>und sind </a:t>
             </a:r>
             <a:r>
-              <a:rPr lang="de-DE" sz="2000" b="1" dirty="0">
+              <a:rPr lang="de-DE" sz="2400" b="1" dirty="0">
                 <a:latin typeface="Calibri" panose="020F0502020204030204" pitchFamily="34" charset="0"/>
               </a:rPr>
               <a:t>schwächer</a:t>
             </a:r>
             <a:r>
-              <a:rPr lang="de-DE" sz="2000" dirty="0">
+              <a:rPr lang="de-DE" sz="2400" dirty="0">
                 <a:latin typeface="Calibri" panose="020F0502020204030204" pitchFamily="34" charset="0"/>
               </a:rPr>
               <a:t> als Anziehungskräfte zwischen permanenten Dipolen und Wasserstoffbrücken.</a:t>
             </a:r>
-          </a:p>
-          <a:p>
-            <a:endParaRPr lang="de-DE" sz="2000" dirty="0">
-              <a:latin typeface="Calibri" panose="020F0502020204030204" pitchFamily="34" charset="0"/>
-            </a:endParaRPr>
           </a:p>
         </p:txBody>
       </p:sp>
@@ -16896,12 +20251,17 @@
         </p:nvSpPr>
         <p:spPr>
           <a:xfrm>
-            <a:off x="1171432" y="2923975"/>
-            <a:ext cx="9118980" cy="1323439"/>
+            <a:off x="1171432" y="3185232"/>
+            <a:ext cx="9118980" cy="1938992"/>
           </a:xfrm>
           <a:prstGeom prst="rect">
             <a:avLst/>
           </a:prstGeom>
+          <a:ln>
+            <a:solidFill>
+              <a:srgbClr val="FF0000"/>
+            </a:solidFill>
+          </a:ln>
         </p:spPr>
         <p:txBody>
           <a:bodyPr wrap="square">
@@ -16915,22 +20275,83 @@
               </a:spcAft>
             </a:pPr>
             <a:r>
-              <a:rPr lang="de-DE" sz="2000" dirty="0">
+              <a:rPr lang="de-DE" sz="2400" dirty="0">
                 <a:latin typeface="Calibri" panose="020F0502020204030204" pitchFamily="34" charset="0"/>
               </a:rPr>
               <a:t>Je </a:t>
             </a:r>
             <a:r>
-              <a:rPr lang="de-DE" sz="2000" b="1" dirty="0">
+              <a:rPr lang="de-DE" sz="2400" b="1" dirty="0">
                 <a:latin typeface="Calibri,Bold"/>
               </a:rPr>
               <a:t>größer das Molekül </a:t>
             </a:r>
             <a:r>
-              <a:rPr lang="de-DE" sz="2000" dirty="0">
+              <a:rPr lang="de-DE" sz="2400" dirty="0">
                 <a:latin typeface="Calibri" panose="020F0502020204030204" pitchFamily="34" charset="0"/>
               </a:rPr>
-              <a:t>(an der Molekülmasse abzuschätzen), desto, desto einfacher ist es temporäre Dipole zu induzieren und die Elektronen verteilen sich häufiger ungleichmäßig. Die Wechselwirkungen (Anziehungskräfte) summieren sich und werden stärker. </a:t>
+              <a:t>(an der Molekülmasse abzuschätzen)</a:t>
+            </a:r>
+            <a:r>
+              <a:rPr lang="de-DE" sz="2400" b="1" dirty="0">
+                <a:latin typeface="Calibri,Bold"/>
+              </a:rPr>
+              <a:t> und seine Oberfläche </a:t>
+            </a:r>
+            <a:r>
+              <a:rPr lang="de-DE" sz="2400" dirty="0">
+                <a:latin typeface="Calibri" panose="020F0502020204030204" pitchFamily="34" charset="0"/>
+              </a:rPr>
+              <a:t>, desto einfacher ist es, temporäre Dipole zu induzieren und die Elektronen verteilen sich häufiger ungleichmäßig. </a:t>
+            </a:r>
+            <a:r>
+              <a:rPr lang="de-DE" sz="2400">
+                <a:latin typeface="Calibri" panose="020F0502020204030204" pitchFamily="34" charset="0"/>
+              </a:rPr>
+              <a:t>Die London-Wechselwirkungen </a:t>
+            </a:r>
+            <a:r>
+              <a:rPr lang="de-DE" sz="2400" dirty="0">
+                <a:latin typeface="Calibri" panose="020F0502020204030204" pitchFamily="34" charset="0"/>
+              </a:rPr>
+              <a:t>(Anziehungskräfte) summieren sich und werden stärker. </a:t>
+            </a:r>
+          </a:p>
+        </p:txBody>
+      </p:sp>
+      <p:sp>
+        <p:nvSpPr>
+          <p:cNvPr id="5" name="Textfeld 4">
+            <a:extLst>
+              <a:ext uri="{FF2B5EF4-FFF2-40B4-BE49-F238E27FC236}">
+                <a16:creationId xmlns:a16="http://schemas.microsoft.com/office/drawing/2014/main" id="{70859C23-BC9D-4BC9-8CF8-9B46310EE927}"/>
+              </a:ext>
+            </a:extLst>
+          </p:cNvPr>
+          <p:cNvSpPr txBox="1"/>
+          <p:nvPr/>
+        </p:nvSpPr>
+        <p:spPr>
+          <a:xfrm>
+            <a:off x="1171432" y="2723567"/>
+            <a:ext cx="6096000" cy="461665"/>
+          </a:xfrm>
+          <a:prstGeom prst="rect">
+            <a:avLst/>
+          </a:prstGeom>
+          <a:noFill/>
+        </p:spPr>
+        <p:txBody>
+          <a:bodyPr wrap="square">
+            <a:spAutoFit/>
+          </a:bodyPr>
+          <a:lstStyle/>
+          <a:p>
+            <a:r>
+              <a:rPr lang="de-DE" sz="2400" b="1" dirty="0">
+                <a:latin typeface="Calibri,Bold"/>
+              </a:rPr>
+              <a:t>Merke:</a:t>
             </a:r>
           </a:p>
         </p:txBody>
@@ -16945,10 +20366,146 @@
   <p:clrMapOvr>
     <a:masterClrMapping/>
   </p:clrMapOvr>
+  <p:timing>
+    <p:tnLst>
+      <p:par>
+        <p:cTn id="1" dur="indefinite" restart="never" nodeType="tmRoot">
+          <p:childTnLst>
+            <p:seq concurrent="1" nextAc="seek">
+              <p:cTn id="2" dur="indefinite" nodeType="mainSeq">
+                <p:childTnLst>
+                  <p:par>
+                    <p:cTn id="3" fill="hold">
+                      <p:stCondLst>
+                        <p:cond delay="indefinite"/>
+                      </p:stCondLst>
+                      <p:childTnLst>
+                        <p:par>
+                          <p:cTn id="4" fill="hold">
+                            <p:stCondLst>
+                              <p:cond delay="0"/>
+                            </p:stCondLst>
+                            <p:childTnLst>
+                              <p:par>
+                                <p:cTn id="5" presetID="1" presetClass="entr" presetSubtype="0" fill="hold" grpId="0" nodeType="clickEffect">
+                                  <p:stCondLst>
+                                    <p:cond delay="0"/>
+                                  </p:stCondLst>
+                                  <p:childTnLst>
+                                    <p:set>
+                                      <p:cBhvr>
+                                        <p:cTn id="6" dur="1" fill="hold">
+                                          <p:stCondLst>
+                                            <p:cond delay="0"/>
+                                          </p:stCondLst>
+                                        </p:cTn>
+                                        <p:tgtEl>
+                                          <p:spTgt spid="5"/>
+                                        </p:tgtEl>
+                                        <p:attrNameLst>
+                                          <p:attrName>style.visibility</p:attrName>
+                                        </p:attrNameLst>
+                                      </p:cBhvr>
+                                      <p:to>
+                                        <p:strVal val="visible"/>
+                                      </p:to>
+                                    </p:set>
+                                  </p:childTnLst>
+                                </p:cTn>
+                              </p:par>
+                              <p:par>
+                                <p:cTn id="7" presetID="1" presetClass="entr" presetSubtype="0" fill="hold" grpId="0" nodeType="withEffect">
+                                  <p:stCondLst>
+                                    <p:cond delay="0"/>
+                                  </p:stCondLst>
+                                  <p:childTnLst>
+                                    <p:set>
+                                      <p:cBhvr>
+                                        <p:cTn id="8" dur="1" fill="hold">
+                                          <p:stCondLst>
+                                            <p:cond delay="0"/>
+                                          </p:stCondLst>
+                                        </p:cTn>
+                                        <p:tgtEl>
+                                          <p:spTgt spid="3"/>
+                                        </p:tgtEl>
+                                        <p:attrNameLst>
+                                          <p:attrName>style.visibility</p:attrName>
+                                        </p:attrNameLst>
+                                      </p:cBhvr>
+                                      <p:to>
+                                        <p:strVal val="visible"/>
+                                      </p:to>
+                                    </p:set>
+                                  </p:childTnLst>
+                                </p:cTn>
+                              </p:par>
+                            </p:childTnLst>
+                          </p:cTn>
+                        </p:par>
+                      </p:childTnLst>
+                    </p:cTn>
+                  </p:par>
+                </p:childTnLst>
+              </p:cTn>
+              <p:prevCondLst>
+                <p:cond evt="onPrev" delay="0">
+                  <p:tgtEl>
+                    <p:sldTgt/>
+                  </p:tgtEl>
+                </p:cond>
+              </p:prevCondLst>
+              <p:nextCondLst>
+                <p:cond evt="onNext" delay="0">
+                  <p:tgtEl>
+                    <p:sldTgt/>
+                  </p:tgtEl>
+                </p:cond>
+              </p:nextCondLst>
+            </p:seq>
+          </p:childTnLst>
+        </p:cTn>
+      </p:par>
+    </p:tnLst>
+    <p:bldLst>
+      <p:bldP spid="3" grpId="0" animBg="1"/>
+      <p:bldP spid="5" grpId="0"/>
+    </p:bldLst>
+  </p:timing>
 </p:sld>
 </file>
 
 <file path=ppt/slides/slide8.xml><?xml version="1.0" encoding="utf-8"?>
+<p:sld xmlns:a="http://schemas.openxmlformats.org/drawingml/2006/main" xmlns:r="http://schemas.openxmlformats.org/officeDocument/2006/relationships" xmlns:p="http://schemas.openxmlformats.org/presentationml/2006/main">
+  <p:cSld>
+    <p:spTree>
+      <p:nvGrpSpPr>
+        <p:cNvPr id="1" name=""/>
+        <p:cNvGrpSpPr/>
+        <p:nvPr/>
+      </p:nvGrpSpPr>
+      <p:grpSpPr>
+        <a:xfrm>
+          <a:off x="0" y="0"/>
+          <a:ext cx="0" cy="0"/>
+          <a:chOff x="0" y="0"/>
+          <a:chExt cx="0" cy="0"/>
+        </a:xfrm>
+      </p:grpSpPr>
+    </p:spTree>
+    <p:extLst>
+      <p:ext uri="{BB962C8B-B14F-4D97-AF65-F5344CB8AC3E}">
+        <p14:creationId xmlns:p14="http://schemas.microsoft.com/office/powerpoint/2010/main" val="4177378339"/>
+      </p:ext>
+    </p:extLst>
+  </p:cSld>
+  <p:clrMapOvr>
+    <a:masterClrMapping/>
+  </p:clrMapOvr>
+</p:sld>
+</file>
+
+<file path=ppt/slides/slide9.xml><?xml version="1.0" encoding="utf-8"?>
 <p:sld xmlns:a="http://schemas.openxmlformats.org/drawingml/2006/main" xmlns:r="http://schemas.openxmlformats.org/officeDocument/2006/relationships" xmlns:p="http://schemas.openxmlformats.org/presentationml/2006/main">
   <p:cSld>
     <p:spTree>
@@ -17339,1299 +20896,6 @@
 </p:sld>
 </file>
 
-<file path=ppt/slides/slide9.xml><?xml version="1.0" encoding="utf-8"?>
-<p:sld xmlns:a="http://schemas.openxmlformats.org/drawingml/2006/main" xmlns:r="http://schemas.openxmlformats.org/officeDocument/2006/relationships" xmlns:p="http://schemas.openxmlformats.org/presentationml/2006/main">
-  <p:cSld>
-    <p:spTree>
-      <p:nvGrpSpPr>
-        <p:cNvPr id="1" name=""/>
-        <p:cNvGrpSpPr/>
-        <p:nvPr/>
-      </p:nvGrpSpPr>
-      <p:grpSpPr>
-        <a:xfrm>
-          <a:off x="0" y="0"/>
-          <a:ext cx="0" cy="0"/>
-          <a:chOff x="0" y="0"/>
-          <a:chExt cx="0" cy="0"/>
-        </a:xfrm>
-      </p:grpSpPr>
-      <p:sp>
-        <p:nvSpPr>
-          <p:cNvPr id="2" name="Textfeld 1">
-            <a:extLst>
-              <a:ext uri="{FF2B5EF4-FFF2-40B4-BE49-F238E27FC236}">
-                <a16:creationId xmlns:a16="http://schemas.microsoft.com/office/drawing/2014/main" id="{FA70C7E2-E01A-4ED9-9DA0-E12E94A5A7B5}"/>
-              </a:ext>
-            </a:extLst>
-          </p:cNvPr>
-          <p:cNvSpPr txBox="1"/>
-          <p:nvPr/>
-        </p:nvSpPr>
-        <p:spPr>
-          <a:xfrm>
-            <a:off x="1132764" y="366504"/>
-            <a:ext cx="9294126" cy="584775"/>
-          </a:xfrm>
-          <a:prstGeom prst="rect">
-            <a:avLst/>
-          </a:prstGeom>
-          <a:noFill/>
-        </p:spPr>
-        <p:txBody>
-          <a:bodyPr wrap="square" rtlCol="0">
-            <a:spAutoFit/>
-          </a:bodyPr>
-          <a:lstStyle/>
-          <a:p>
-            <a:r>
-              <a:rPr lang="de-DE" sz="3200" dirty="0"/>
-              <a:t>Die Löslichkeit von Alkanen</a:t>
-            </a:r>
-          </a:p>
-        </p:txBody>
-      </p:sp>
-      <p:graphicFrame>
-        <p:nvGraphicFramePr>
-          <p:cNvPr id="3" name="Tabelle 3">
-            <a:extLst>
-              <a:ext uri="{FF2B5EF4-FFF2-40B4-BE49-F238E27FC236}">
-                <a16:creationId xmlns:a16="http://schemas.microsoft.com/office/drawing/2014/main" id="{0FAC5A24-FA00-4A39-91A6-DF465AF0D244}"/>
-              </a:ext>
-            </a:extLst>
-          </p:cNvPr>
-          <p:cNvGraphicFramePr>
-            <a:graphicFrameLocks noGrp="1"/>
-          </p:cNvGraphicFramePr>
-          <p:nvPr>
-            <p:extLst>
-              <p:ext uri="{D42A27DB-BD31-4B8C-83A1-F6EECF244321}">
-                <p14:modId xmlns:p14="http://schemas.microsoft.com/office/powerpoint/2010/main" val="3017639290"/>
-              </p:ext>
-            </p:extLst>
-          </p:nvPr>
-        </p:nvGraphicFramePr>
-        <p:xfrm>
-          <a:off x="1295021" y="1607260"/>
-          <a:ext cx="8135582" cy="2863355"/>
-        </p:xfrm>
-        <a:graphic>
-          <a:graphicData uri="http://schemas.openxmlformats.org/drawingml/2006/table">
-            <a:tbl>
-              <a:tblPr firstRow="1" bandRow="1">
-                <a:tableStyleId>{5C22544A-7EE6-4342-B048-85BDC9FD1C3A}</a:tableStyleId>
-              </a:tblPr>
-              <a:tblGrid>
-                <a:gridCol w="4067791">
-                  <a:extLst>
-                    <a:ext uri="{9D8B030D-6E8A-4147-A177-3AD203B41FA5}">
-                      <a16:colId xmlns:a16="http://schemas.microsoft.com/office/drawing/2014/main" val="242114388"/>
-                    </a:ext>
-                  </a:extLst>
-                </a:gridCol>
-                <a:gridCol w="4067791">
-                  <a:extLst>
-                    <a:ext uri="{9D8B030D-6E8A-4147-A177-3AD203B41FA5}">
-                      <a16:colId xmlns:a16="http://schemas.microsoft.com/office/drawing/2014/main" val="1614717563"/>
-                    </a:ext>
-                  </a:extLst>
-                </a:gridCol>
-              </a:tblGrid>
-              <a:tr h="455435">
-                <a:tc>
-                  <a:txBody>
-                    <a:bodyPr/>
-                    <a:lstStyle/>
-                    <a:p>
-                      <a:pPr marL="0" marR="0" lvl="0" indent="0" algn="l" defTabSz="914400" rtl="0" eaLnBrk="1" fontAlgn="auto" latinLnBrk="0" hangingPunct="1">
-                        <a:lnSpc>
-                          <a:spcPct val="100000"/>
-                        </a:lnSpc>
-                        <a:spcBef>
-                          <a:spcPts val="0"/>
-                        </a:spcBef>
-                        <a:spcAft>
-                          <a:spcPts val="0"/>
-                        </a:spcAft>
-                        <a:buClrTx/>
-                        <a:buSzTx/>
-                        <a:buFontTx/>
-                        <a:buNone/>
-                        <a:tabLst/>
-                        <a:defRPr/>
-                      </a:pPr>
-                      <a:r>
-                        <a:rPr lang="de-DE" sz="2000" dirty="0" err="1">
-                          <a:solidFill>
-                            <a:schemeClr val="tx1"/>
-                          </a:solidFill>
-                        </a:rPr>
-                        <a:t>Löskeit</a:t>
-                      </a:r>
-                      <a:r>
-                        <a:rPr lang="de-DE" sz="2000" dirty="0">
-                          <a:solidFill>
-                            <a:schemeClr val="tx1"/>
-                          </a:solidFill>
-                        </a:rPr>
-                        <a:t> von Heptan in</a:t>
-                      </a:r>
-                    </a:p>
-                  </a:txBody>
-                  <a:tcPr>
-                    <a:lnL w="12700" cap="flat" cmpd="sng" algn="ctr">
-                      <a:solidFill>
-                        <a:schemeClr val="tx1"/>
-                      </a:solidFill>
-                      <a:prstDash val="solid"/>
-                      <a:round/>
-                      <a:headEnd type="none" w="med" len="med"/>
-                      <a:tailEnd type="none" w="med" len="med"/>
-                    </a:lnL>
-                    <a:lnR w="12700" cap="flat" cmpd="sng" algn="ctr">
-                      <a:solidFill>
-                        <a:schemeClr val="tx1"/>
-                      </a:solidFill>
-                      <a:prstDash val="solid"/>
-                      <a:round/>
-                      <a:headEnd type="none" w="med" len="med"/>
-                      <a:tailEnd type="none" w="med" len="med"/>
-                    </a:lnR>
-                    <a:lnT w="12700" cap="flat" cmpd="sng" algn="ctr">
-                      <a:solidFill>
-                        <a:schemeClr val="tx1"/>
-                      </a:solidFill>
-                      <a:prstDash val="solid"/>
-                      <a:round/>
-                      <a:headEnd type="none" w="med" len="med"/>
-                      <a:tailEnd type="none" w="med" len="med"/>
-                    </a:lnT>
-                    <a:lnB w="12700" cap="flat" cmpd="sng" algn="ctr">
-                      <a:solidFill>
-                        <a:schemeClr val="tx1"/>
-                      </a:solidFill>
-                      <a:prstDash val="solid"/>
-                      <a:round/>
-                      <a:headEnd type="none" w="med" len="med"/>
-                      <a:tailEnd type="none" w="med" len="med"/>
-                    </a:lnB>
-                    <a:noFill/>
-                  </a:tcPr>
-                </a:tc>
-                <a:tc>
-                  <a:txBody>
-                    <a:bodyPr/>
-                    <a:lstStyle/>
-                    <a:p>
-                      <a:r>
-                        <a:rPr lang="de-DE" sz="2000" dirty="0">
-                          <a:solidFill>
-                            <a:schemeClr val="tx1"/>
-                          </a:solidFill>
-                        </a:rPr>
-                        <a:t>Beobachtung</a:t>
-                      </a:r>
-                    </a:p>
-                  </a:txBody>
-                  <a:tcPr>
-                    <a:lnL w="12700" cap="flat" cmpd="sng" algn="ctr">
-                      <a:solidFill>
-                        <a:schemeClr val="tx1"/>
-                      </a:solidFill>
-                      <a:prstDash val="solid"/>
-                      <a:round/>
-                      <a:headEnd type="none" w="med" len="med"/>
-                      <a:tailEnd type="none" w="med" len="med"/>
-                    </a:lnL>
-                    <a:lnR w="12700" cap="flat" cmpd="sng" algn="ctr">
-                      <a:solidFill>
-                        <a:schemeClr val="tx1"/>
-                      </a:solidFill>
-                      <a:prstDash val="solid"/>
-                      <a:round/>
-                      <a:headEnd type="none" w="med" len="med"/>
-                      <a:tailEnd type="none" w="med" len="med"/>
-                    </a:lnR>
-                    <a:lnT w="12700" cap="flat" cmpd="sng" algn="ctr">
-                      <a:solidFill>
-                        <a:schemeClr val="tx1"/>
-                      </a:solidFill>
-                      <a:prstDash val="solid"/>
-                      <a:round/>
-                      <a:headEnd type="none" w="med" len="med"/>
-                      <a:tailEnd type="none" w="med" len="med"/>
-                    </a:lnT>
-                    <a:lnB w="12700" cap="flat" cmpd="sng" algn="ctr">
-                      <a:solidFill>
-                        <a:schemeClr val="tx1"/>
-                      </a:solidFill>
-                      <a:prstDash val="solid"/>
-                      <a:round/>
-                      <a:headEnd type="none" w="med" len="med"/>
-                      <a:tailEnd type="none" w="med" len="med"/>
-                    </a:lnB>
-                    <a:noFill/>
-                  </a:tcPr>
-                </a:tc>
-                <a:extLst>
-                  <a:ext uri="{0D108BD9-81ED-4DB2-BD59-A6C34878D82A}">
-                    <a16:rowId xmlns:a16="http://schemas.microsoft.com/office/drawing/2014/main" val="1290192367"/>
-                  </a:ext>
-                </a:extLst>
-              </a:tr>
-              <a:tr h="455435">
-                <a:tc>
-                  <a:txBody>
-                    <a:bodyPr/>
-                    <a:lstStyle/>
-                    <a:p>
-                      <a:r>
-                        <a:rPr lang="de-DE" sz="2000" dirty="0"/>
-                        <a:t>Pflanzenöl</a:t>
-                      </a:r>
-                    </a:p>
-                  </a:txBody>
-                  <a:tcPr>
-                    <a:lnL w="12700" cap="flat" cmpd="sng" algn="ctr">
-                      <a:solidFill>
-                        <a:schemeClr val="tx1"/>
-                      </a:solidFill>
-                      <a:prstDash val="solid"/>
-                      <a:round/>
-                      <a:headEnd type="none" w="med" len="med"/>
-                      <a:tailEnd type="none" w="med" len="med"/>
-                    </a:lnL>
-                    <a:lnR w="12700" cap="flat" cmpd="sng" algn="ctr">
-                      <a:solidFill>
-                        <a:schemeClr val="tx1"/>
-                      </a:solidFill>
-                      <a:prstDash val="solid"/>
-                      <a:round/>
-                      <a:headEnd type="none" w="med" len="med"/>
-                      <a:tailEnd type="none" w="med" len="med"/>
-                    </a:lnR>
-                    <a:lnT w="12700" cap="flat" cmpd="sng" algn="ctr">
-                      <a:solidFill>
-                        <a:schemeClr val="tx1"/>
-                      </a:solidFill>
-                      <a:prstDash val="solid"/>
-                      <a:round/>
-                      <a:headEnd type="none" w="med" len="med"/>
-                      <a:tailEnd type="none" w="med" len="med"/>
-                    </a:lnT>
-                    <a:lnB w="12700" cap="flat" cmpd="sng" algn="ctr">
-                      <a:solidFill>
-                        <a:schemeClr val="tx1"/>
-                      </a:solidFill>
-                      <a:prstDash val="solid"/>
-                      <a:round/>
-                      <a:headEnd type="none" w="med" len="med"/>
-                      <a:tailEnd type="none" w="med" len="med"/>
-                    </a:lnB>
-                    <a:noFill/>
-                  </a:tcPr>
-                </a:tc>
-                <a:tc>
-                  <a:txBody>
-                    <a:bodyPr/>
-                    <a:lstStyle/>
-                    <a:p>
-                      <a:r>
-                        <a:rPr lang="de-DE" sz="2000" dirty="0">
-                          <a:solidFill>
-                            <a:schemeClr val="tx1"/>
-                          </a:solidFill>
-                        </a:rPr>
-                        <a:t>Bildet nach dem Schütteln eine Phase </a:t>
-                      </a:r>
-                    </a:p>
-                    <a:p>
-                      <a:r>
-                        <a:rPr lang="de-DE" sz="2000" dirty="0">
-                          <a:solidFill>
-                            <a:schemeClr val="tx1"/>
-                          </a:solidFill>
-                          <a:sym typeface="Wingdings" panose="05000000000000000000" pitchFamily="2" charset="2"/>
-                        </a:rPr>
-                        <a:t> Gut löslich ineinander</a:t>
-                      </a:r>
-                      <a:endParaRPr lang="de-DE" sz="2000" dirty="0">
-                        <a:solidFill>
-                          <a:schemeClr val="tx1"/>
-                        </a:solidFill>
-                      </a:endParaRPr>
-                    </a:p>
-                  </a:txBody>
-                  <a:tcPr>
-                    <a:lnL w="12700" cap="flat" cmpd="sng" algn="ctr">
-                      <a:solidFill>
-                        <a:schemeClr val="tx1"/>
-                      </a:solidFill>
-                      <a:prstDash val="solid"/>
-                      <a:round/>
-                      <a:headEnd type="none" w="med" len="med"/>
-                      <a:tailEnd type="none" w="med" len="med"/>
-                    </a:lnL>
-                    <a:lnR w="12700" cap="flat" cmpd="sng" algn="ctr">
-                      <a:solidFill>
-                        <a:schemeClr val="tx1"/>
-                      </a:solidFill>
-                      <a:prstDash val="solid"/>
-                      <a:round/>
-                      <a:headEnd type="none" w="med" len="med"/>
-                      <a:tailEnd type="none" w="med" len="med"/>
-                    </a:lnR>
-                    <a:lnT w="12700" cap="flat" cmpd="sng" algn="ctr">
-                      <a:solidFill>
-                        <a:schemeClr val="tx1"/>
-                      </a:solidFill>
-                      <a:prstDash val="solid"/>
-                      <a:round/>
-                      <a:headEnd type="none" w="med" len="med"/>
-                      <a:tailEnd type="none" w="med" len="med"/>
-                    </a:lnT>
-                    <a:lnB w="12700" cap="flat" cmpd="sng" algn="ctr">
-                      <a:solidFill>
-                        <a:schemeClr val="tx1"/>
-                      </a:solidFill>
-                      <a:prstDash val="solid"/>
-                      <a:round/>
-                      <a:headEnd type="none" w="med" len="med"/>
-                      <a:tailEnd type="none" w="med" len="med"/>
-                    </a:lnB>
-                    <a:noFill/>
-                  </a:tcPr>
-                </a:tc>
-                <a:extLst>
-                  <a:ext uri="{0D108BD9-81ED-4DB2-BD59-A6C34878D82A}">
-                    <a16:rowId xmlns:a16="http://schemas.microsoft.com/office/drawing/2014/main" val="4019128542"/>
-                  </a:ext>
-                </a:extLst>
-              </a:tr>
-              <a:tr h="455435">
-                <a:tc>
-                  <a:txBody>
-                    <a:bodyPr/>
-                    <a:lstStyle/>
-                    <a:p>
-                      <a:r>
-                        <a:rPr lang="de-DE" sz="2000" dirty="0"/>
-                        <a:t>Wasser</a:t>
-                      </a:r>
-                    </a:p>
-                  </a:txBody>
-                  <a:tcPr>
-                    <a:lnL w="12700" cap="flat" cmpd="sng" algn="ctr">
-                      <a:solidFill>
-                        <a:schemeClr val="tx1"/>
-                      </a:solidFill>
-                      <a:prstDash val="solid"/>
-                      <a:round/>
-                      <a:headEnd type="none" w="med" len="med"/>
-                      <a:tailEnd type="none" w="med" len="med"/>
-                    </a:lnL>
-                    <a:lnR w="12700" cap="flat" cmpd="sng" algn="ctr">
-                      <a:solidFill>
-                        <a:schemeClr val="tx1"/>
-                      </a:solidFill>
-                      <a:prstDash val="solid"/>
-                      <a:round/>
-                      <a:headEnd type="none" w="med" len="med"/>
-                      <a:tailEnd type="none" w="med" len="med"/>
-                    </a:lnR>
-                    <a:lnT w="12700" cap="flat" cmpd="sng" algn="ctr">
-                      <a:solidFill>
-                        <a:schemeClr val="tx1"/>
-                      </a:solidFill>
-                      <a:prstDash val="solid"/>
-                      <a:round/>
-                      <a:headEnd type="none" w="med" len="med"/>
-                      <a:tailEnd type="none" w="med" len="med"/>
-                    </a:lnT>
-                    <a:lnB w="12700" cap="flat" cmpd="sng" algn="ctr">
-                      <a:solidFill>
-                        <a:schemeClr val="tx1"/>
-                      </a:solidFill>
-                      <a:prstDash val="solid"/>
-                      <a:round/>
-                      <a:headEnd type="none" w="med" len="med"/>
-                      <a:tailEnd type="none" w="med" len="med"/>
-                    </a:lnB>
-                    <a:noFill/>
-                  </a:tcPr>
-                </a:tc>
-                <a:tc>
-                  <a:txBody>
-                    <a:bodyPr/>
-                    <a:lstStyle/>
-                    <a:p>
-                      <a:r>
-                        <a:rPr lang="de-DE" sz="2000" dirty="0">
-                          <a:solidFill>
-                            <a:schemeClr val="tx1"/>
-                          </a:solidFill>
-                        </a:rPr>
-                        <a:t>Zwei deutliche Phasen, entmischen sich nach dem Schütteln wieder</a:t>
-                      </a:r>
-                    </a:p>
-                    <a:p>
-                      <a:r>
-                        <a:rPr lang="de-DE" sz="2000" dirty="0">
-                          <a:solidFill>
-                            <a:schemeClr val="tx1"/>
-                          </a:solidFill>
-                          <a:sym typeface="Wingdings" panose="05000000000000000000" pitchFamily="2" charset="2"/>
-                        </a:rPr>
-                        <a:t> Nicht löslich ineinander </a:t>
-                      </a:r>
-                      <a:endParaRPr lang="de-DE" sz="2000" dirty="0">
-                        <a:solidFill>
-                          <a:schemeClr val="tx1"/>
-                        </a:solidFill>
-                      </a:endParaRPr>
-                    </a:p>
-                  </a:txBody>
-                  <a:tcPr>
-                    <a:lnL w="12700" cap="flat" cmpd="sng" algn="ctr">
-                      <a:solidFill>
-                        <a:schemeClr val="tx1"/>
-                      </a:solidFill>
-                      <a:prstDash val="solid"/>
-                      <a:round/>
-                      <a:headEnd type="none" w="med" len="med"/>
-                      <a:tailEnd type="none" w="med" len="med"/>
-                    </a:lnL>
-                    <a:lnR w="12700" cap="flat" cmpd="sng" algn="ctr">
-                      <a:solidFill>
-                        <a:schemeClr val="tx1"/>
-                      </a:solidFill>
-                      <a:prstDash val="solid"/>
-                      <a:round/>
-                      <a:headEnd type="none" w="med" len="med"/>
-                      <a:tailEnd type="none" w="med" len="med"/>
-                    </a:lnR>
-                    <a:lnT w="12700" cap="flat" cmpd="sng" algn="ctr">
-                      <a:solidFill>
-                        <a:schemeClr val="tx1"/>
-                      </a:solidFill>
-                      <a:prstDash val="solid"/>
-                      <a:round/>
-                      <a:headEnd type="none" w="med" len="med"/>
-                      <a:tailEnd type="none" w="med" len="med"/>
-                    </a:lnT>
-                    <a:lnB w="12700" cap="flat" cmpd="sng" algn="ctr">
-                      <a:solidFill>
-                        <a:schemeClr val="tx1"/>
-                      </a:solidFill>
-                      <a:prstDash val="solid"/>
-                      <a:round/>
-                      <a:headEnd type="none" w="med" len="med"/>
-                      <a:tailEnd type="none" w="med" len="med"/>
-                    </a:lnB>
-                    <a:noFill/>
-                  </a:tcPr>
-                </a:tc>
-                <a:extLst>
-                  <a:ext uri="{0D108BD9-81ED-4DB2-BD59-A6C34878D82A}">
-                    <a16:rowId xmlns:a16="http://schemas.microsoft.com/office/drawing/2014/main" val="3703314446"/>
-                  </a:ext>
-                </a:extLst>
-              </a:tr>
-              <a:tr h="455435">
-                <a:tc>
-                  <a:txBody>
-                    <a:bodyPr/>
-                    <a:lstStyle/>
-                    <a:p>
-                      <a:r>
-                        <a:rPr lang="de-DE" sz="2000" dirty="0"/>
-                        <a:t>einem anderem Alkan (Paraffinöl)</a:t>
-                      </a:r>
-                    </a:p>
-                  </a:txBody>
-                  <a:tcPr>
-                    <a:lnL w="12700" cap="flat" cmpd="sng" algn="ctr">
-                      <a:solidFill>
-                        <a:schemeClr val="tx1"/>
-                      </a:solidFill>
-                      <a:prstDash val="solid"/>
-                      <a:round/>
-                      <a:headEnd type="none" w="med" len="med"/>
-                      <a:tailEnd type="none" w="med" len="med"/>
-                    </a:lnL>
-                    <a:lnR w="12700" cap="flat" cmpd="sng" algn="ctr">
-                      <a:solidFill>
-                        <a:schemeClr val="tx1"/>
-                      </a:solidFill>
-                      <a:prstDash val="solid"/>
-                      <a:round/>
-                      <a:headEnd type="none" w="med" len="med"/>
-                      <a:tailEnd type="none" w="med" len="med"/>
-                    </a:lnR>
-                    <a:lnT w="12700" cap="flat" cmpd="sng" algn="ctr">
-                      <a:solidFill>
-                        <a:schemeClr val="tx1"/>
-                      </a:solidFill>
-                      <a:prstDash val="solid"/>
-                      <a:round/>
-                      <a:headEnd type="none" w="med" len="med"/>
-                      <a:tailEnd type="none" w="med" len="med"/>
-                    </a:lnT>
-                    <a:lnB w="12700" cap="flat" cmpd="sng" algn="ctr">
-                      <a:solidFill>
-                        <a:schemeClr val="tx1"/>
-                      </a:solidFill>
-                      <a:prstDash val="solid"/>
-                      <a:round/>
-                      <a:headEnd type="none" w="med" len="med"/>
-                      <a:tailEnd type="none" w="med" len="med"/>
-                    </a:lnB>
-                    <a:noFill/>
-                  </a:tcPr>
-                </a:tc>
-                <a:tc>
-                  <a:txBody>
-                    <a:bodyPr/>
-                    <a:lstStyle/>
-                    <a:p>
-                      <a:r>
-                        <a:rPr lang="de-DE" sz="2000" dirty="0">
-                          <a:solidFill>
-                            <a:schemeClr val="tx1"/>
-                          </a:solidFill>
-                        </a:rPr>
-                        <a:t>Bildet nach dem Schütteln eine Phase</a:t>
-                      </a:r>
-                    </a:p>
-                    <a:p>
-                      <a:r>
-                        <a:rPr lang="de-DE" sz="2000" dirty="0">
-                          <a:solidFill>
-                            <a:schemeClr val="tx1"/>
-                          </a:solidFill>
-                          <a:sym typeface="Wingdings" panose="05000000000000000000" pitchFamily="2" charset="2"/>
-                        </a:rPr>
-                        <a:t> Gut löslich ineinander</a:t>
-                      </a:r>
-                      <a:endParaRPr lang="de-DE" sz="2000" dirty="0">
-                        <a:solidFill>
-                          <a:schemeClr val="tx1"/>
-                        </a:solidFill>
-                      </a:endParaRPr>
-                    </a:p>
-                  </a:txBody>
-                  <a:tcPr>
-                    <a:lnL w="12700" cap="flat" cmpd="sng" algn="ctr">
-                      <a:solidFill>
-                        <a:schemeClr val="tx1"/>
-                      </a:solidFill>
-                      <a:prstDash val="solid"/>
-                      <a:round/>
-                      <a:headEnd type="none" w="med" len="med"/>
-                      <a:tailEnd type="none" w="med" len="med"/>
-                    </a:lnL>
-                    <a:lnR w="12700" cap="flat" cmpd="sng" algn="ctr">
-                      <a:solidFill>
-                        <a:schemeClr val="tx1"/>
-                      </a:solidFill>
-                      <a:prstDash val="solid"/>
-                      <a:round/>
-                      <a:headEnd type="none" w="med" len="med"/>
-                      <a:tailEnd type="none" w="med" len="med"/>
-                    </a:lnR>
-                    <a:lnT w="12700" cap="flat" cmpd="sng" algn="ctr">
-                      <a:solidFill>
-                        <a:schemeClr val="tx1"/>
-                      </a:solidFill>
-                      <a:prstDash val="solid"/>
-                      <a:round/>
-                      <a:headEnd type="none" w="med" len="med"/>
-                      <a:tailEnd type="none" w="med" len="med"/>
-                    </a:lnT>
-                    <a:lnB w="12700" cap="flat" cmpd="sng" algn="ctr">
-                      <a:solidFill>
-                        <a:schemeClr val="tx1"/>
-                      </a:solidFill>
-                      <a:prstDash val="solid"/>
-                      <a:round/>
-                      <a:headEnd type="none" w="med" len="med"/>
-                      <a:tailEnd type="none" w="med" len="med"/>
-                    </a:lnB>
-                    <a:noFill/>
-                  </a:tcPr>
-                </a:tc>
-                <a:extLst>
-                  <a:ext uri="{0D108BD9-81ED-4DB2-BD59-A6C34878D82A}">
-                    <a16:rowId xmlns:a16="http://schemas.microsoft.com/office/drawing/2014/main" val="4190031389"/>
-                  </a:ext>
-                </a:extLst>
-              </a:tr>
-            </a:tbl>
-          </a:graphicData>
-        </a:graphic>
-      </p:graphicFrame>
-      <p:sp>
-        <p:nvSpPr>
-          <p:cNvPr id="6" name="Rechteck 5">
-            <a:extLst>
-              <a:ext uri="{FF2B5EF4-FFF2-40B4-BE49-F238E27FC236}">
-                <a16:creationId xmlns:a16="http://schemas.microsoft.com/office/drawing/2014/main" id="{436B7406-E5A8-45AB-82E1-057C11D973F8}"/>
-              </a:ext>
-            </a:extLst>
-          </p:cNvPr>
-          <p:cNvSpPr/>
-          <p:nvPr/>
-        </p:nvSpPr>
-        <p:spPr>
-          <a:xfrm>
-            <a:off x="5444698" y="2120096"/>
-            <a:ext cx="3890371" cy="629869"/>
-          </a:xfrm>
-          <a:prstGeom prst="rect">
-            <a:avLst/>
-          </a:prstGeom>
-          <a:ln>
-            <a:solidFill>
-              <a:schemeClr val="bg1"/>
-            </a:solidFill>
-          </a:ln>
-        </p:spPr>
-        <p:style>
-          <a:lnRef idx="2">
-            <a:schemeClr val="accent6"/>
-          </a:lnRef>
-          <a:fillRef idx="1">
-            <a:schemeClr val="lt1"/>
-          </a:fillRef>
-          <a:effectRef idx="0">
-            <a:schemeClr val="accent6"/>
-          </a:effectRef>
-          <a:fontRef idx="minor">
-            <a:schemeClr val="dk1"/>
-          </a:fontRef>
-        </p:style>
-        <p:txBody>
-          <a:bodyPr rtlCol="0" anchor="ctr"/>
-          <a:lstStyle/>
-          <a:p>
-            <a:pPr algn="ctr"/>
-            <a:endParaRPr lang="de-DE">
-              <a:solidFill>
-                <a:schemeClr val="bg1"/>
-              </a:solidFill>
-            </a:endParaRPr>
-          </a:p>
-        </p:txBody>
-      </p:sp>
-      <p:sp>
-        <p:nvSpPr>
-          <p:cNvPr id="7" name="Rechteck 6">
-            <a:extLst>
-              <a:ext uri="{FF2B5EF4-FFF2-40B4-BE49-F238E27FC236}">
-                <a16:creationId xmlns:a16="http://schemas.microsoft.com/office/drawing/2014/main" id="{D7CBBD3C-79A3-465F-B0B4-8880167A737D}"/>
-              </a:ext>
-            </a:extLst>
-          </p:cNvPr>
-          <p:cNvSpPr/>
-          <p:nvPr/>
-        </p:nvSpPr>
-        <p:spPr>
-          <a:xfrm>
-            <a:off x="5444698" y="2848732"/>
-            <a:ext cx="3726596" cy="836164"/>
-          </a:xfrm>
-          <a:prstGeom prst="rect">
-            <a:avLst/>
-          </a:prstGeom>
-          <a:ln>
-            <a:solidFill>
-              <a:schemeClr val="bg1"/>
-            </a:solidFill>
-          </a:ln>
-        </p:spPr>
-        <p:style>
-          <a:lnRef idx="2">
-            <a:schemeClr val="accent6"/>
-          </a:lnRef>
-          <a:fillRef idx="1">
-            <a:schemeClr val="lt1"/>
-          </a:fillRef>
-          <a:effectRef idx="0">
-            <a:schemeClr val="accent6"/>
-          </a:effectRef>
-          <a:fontRef idx="minor">
-            <a:schemeClr val="dk1"/>
-          </a:fontRef>
-        </p:style>
-        <p:txBody>
-          <a:bodyPr rtlCol="0" anchor="ctr"/>
-          <a:lstStyle/>
-          <a:p>
-            <a:pPr algn="ctr"/>
-            <a:endParaRPr lang="de-DE">
-              <a:solidFill>
-                <a:schemeClr val="bg1"/>
-              </a:solidFill>
-            </a:endParaRPr>
-          </a:p>
-        </p:txBody>
-      </p:sp>
-      <p:sp>
-        <p:nvSpPr>
-          <p:cNvPr id="8" name="Rechteck 7">
-            <a:extLst>
-              <a:ext uri="{FF2B5EF4-FFF2-40B4-BE49-F238E27FC236}">
-                <a16:creationId xmlns:a16="http://schemas.microsoft.com/office/drawing/2014/main" id="{43A8F982-35F3-47F3-91DD-558DB1673AB4}"/>
-              </a:ext>
-            </a:extLst>
-          </p:cNvPr>
-          <p:cNvSpPr/>
-          <p:nvPr/>
-        </p:nvSpPr>
-        <p:spPr>
-          <a:xfrm>
-            <a:off x="5444698" y="3850687"/>
-            <a:ext cx="3890370" cy="538646"/>
-          </a:xfrm>
-          <a:prstGeom prst="rect">
-            <a:avLst/>
-          </a:prstGeom>
-          <a:ln>
-            <a:solidFill>
-              <a:schemeClr val="bg1"/>
-            </a:solidFill>
-          </a:ln>
-        </p:spPr>
-        <p:style>
-          <a:lnRef idx="2">
-            <a:schemeClr val="accent6"/>
-          </a:lnRef>
-          <a:fillRef idx="1">
-            <a:schemeClr val="lt1"/>
-          </a:fillRef>
-          <a:effectRef idx="0">
-            <a:schemeClr val="accent6"/>
-          </a:effectRef>
-          <a:fontRef idx="minor">
-            <a:schemeClr val="dk1"/>
-          </a:fontRef>
-        </p:style>
-        <p:txBody>
-          <a:bodyPr rtlCol="0" anchor="ctr"/>
-          <a:lstStyle/>
-          <a:p>
-            <a:pPr algn="ctr"/>
-            <a:endParaRPr lang="de-DE">
-              <a:solidFill>
-                <a:schemeClr val="bg1"/>
-              </a:solidFill>
-            </a:endParaRPr>
-          </a:p>
-        </p:txBody>
-      </p:sp>
-      <p:sp>
-        <p:nvSpPr>
-          <p:cNvPr id="9" name="Textfeld 8">
-            <a:extLst>
-              <a:ext uri="{FF2B5EF4-FFF2-40B4-BE49-F238E27FC236}">
-                <a16:creationId xmlns:a16="http://schemas.microsoft.com/office/drawing/2014/main" id="{DCFDD7F4-ABE0-4B5E-ABC8-189AF89F41A6}"/>
-              </a:ext>
-            </a:extLst>
-          </p:cNvPr>
-          <p:cNvSpPr txBox="1"/>
-          <p:nvPr/>
-        </p:nvSpPr>
-        <p:spPr>
-          <a:xfrm>
-            <a:off x="1295019" y="4682741"/>
-            <a:ext cx="5897349" cy="369332"/>
-          </a:xfrm>
-          <a:prstGeom prst="rect">
-            <a:avLst/>
-          </a:prstGeom>
-          <a:noFill/>
-        </p:spPr>
-        <p:txBody>
-          <a:bodyPr wrap="square" rtlCol="0">
-            <a:spAutoFit/>
-          </a:bodyPr>
-          <a:lstStyle/>
-          <a:p>
-            <a:r>
-              <a:rPr lang="de-DE" dirty="0"/>
-              <a:t>Ergebnis:</a:t>
-            </a:r>
-          </a:p>
-        </p:txBody>
-      </p:sp>
-      <p:sp>
-        <p:nvSpPr>
-          <p:cNvPr id="10" name="Textfeld 9">
-            <a:extLst>
-              <a:ext uri="{FF2B5EF4-FFF2-40B4-BE49-F238E27FC236}">
-                <a16:creationId xmlns:a16="http://schemas.microsoft.com/office/drawing/2014/main" id="{05AB17E9-7032-4A7C-869B-41794181D190}"/>
-              </a:ext>
-            </a:extLst>
-          </p:cNvPr>
-          <p:cNvSpPr txBox="1"/>
-          <p:nvPr/>
-        </p:nvSpPr>
-        <p:spPr>
-          <a:xfrm>
-            <a:off x="1295020" y="1100967"/>
-            <a:ext cx="5897349" cy="369332"/>
-          </a:xfrm>
-          <a:prstGeom prst="rect">
-            <a:avLst/>
-          </a:prstGeom>
-          <a:noFill/>
-        </p:spPr>
-        <p:txBody>
-          <a:bodyPr wrap="square" rtlCol="0">
-            <a:spAutoFit/>
-          </a:bodyPr>
-          <a:lstStyle/>
-          <a:p>
-            <a:r>
-              <a:rPr lang="de-DE" dirty="0"/>
-              <a:t>Versuch:</a:t>
-            </a:r>
-          </a:p>
-        </p:txBody>
-      </p:sp>
-      <p:sp>
-        <p:nvSpPr>
-          <p:cNvPr id="11" name="Textfeld 10">
-            <a:extLst>
-              <a:ext uri="{FF2B5EF4-FFF2-40B4-BE49-F238E27FC236}">
-                <a16:creationId xmlns:a16="http://schemas.microsoft.com/office/drawing/2014/main" id="{CAD77AAF-01E8-4E7A-B4D9-6C355A0D6445}"/>
-              </a:ext>
-            </a:extLst>
-          </p:cNvPr>
-          <p:cNvSpPr txBox="1"/>
-          <p:nvPr/>
-        </p:nvSpPr>
-        <p:spPr>
-          <a:xfrm>
-            <a:off x="1295018" y="4983451"/>
-            <a:ext cx="7876276" cy="1015663"/>
-          </a:xfrm>
-          <a:prstGeom prst="rect">
-            <a:avLst/>
-          </a:prstGeom>
-          <a:noFill/>
-        </p:spPr>
-        <p:txBody>
-          <a:bodyPr wrap="square" rtlCol="0">
-            <a:spAutoFit/>
-          </a:bodyPr>
-          <a:lstStyle/>
-          <a:p>
-            <a:r>
-              <a:rPr lang="de-DE" sz="2000" dirty="0"/>
-              <a:t>Alkane sind in Wasser unlöslich.</a:t>
-            </a:r>
-          </a:p>
-          <a:p>
-            <a:r>
-              <a:rPr lang="de-DE" sz="2000" dirty="0"/>
-              <a:t>Alkane sind in unpolaren Lösungsmitteln (z.B. Pflanzenöl) gut löslich.</a:t>
-            </a:r>
-          </a:p>
-          <a:p>
-            <a:r>
-              <a:rPr lang="de-DE" sz="2000" dirty="0"/>
-              <a:t>Alkane sind untereinander gut löslich.</a:t>
-            </a:r>
-          </a:p>
-        </p:txBody>
-      </p:sp>
-      <p:sp>
-        <p:nvSpPr>
-          <p:cNvPr id="12" name="Textfeld 11">
-            <a:extLst>
-              <a:ext uri="{FF2B5EF4-FFF2-40B4-BE49-F238E27FC236}">
-                <a16:creationId xmlns:a16="http://schemas.microsoft.com/office/drawing/2014/main" id="{108B5C9F-918C-464C-88C1-39A62C2E7BE9}"/>
-              </a:ext>
-            </a:extLst>
-          </p:cNvPr>
-          <p:cNvSpPr txBox="1"/>
-          <p:nvPr/>
-        </p:nvSpPr>
-        <p:spPr>
-          <a:xfrm>
-            <a:off x="1295018" y="6142618"/>
-            <a:ext cx="6578221" cy="369332"/>
-          </a:xfrm>
-          <a:prstGeom prst="rect">
-            <a:avLst/>
-          </a:prstGeom>
-          <a:noFill/>
-        </p:spPr>
-        <p:txBody>
-          <a:bodyPr wrap="square" rtlCol="0">
-            <a:spAutoFit/>
-          </a:bodyPr>
-          <a:lstStyle/>
-          <a:p>
-            <a:r>
-              <a:rPr lang="de-DE" b="1" i="1" dirty="0">
-                <a:solidFill>
-                  <a:schemeClr val="accent1">
-                    <a:lumMod val="75000"/>
-                  </a:schemeClr>
-                </a:solidFill>
-              </a:rPr>
-              <a:t>Erkläre das Ergebnis mithilfe des Buches S. 244/245!</a:t>
-            </a:r>
-          </a:p>
-        </p:txBody>
-      </p:sp>
-    </p:spTree>
-    <p:extLst>
-      <p:ext uri="{BB962C8B-B14F-4D97-AF65-F5344CB8AC3E}">
-        <p14:creationId xmlns:p14="http://schemas.microsoft.com/office/powerpoint/2010/main" val="2121647114"/>
-      </p:ext>
-    </p:extLst>
-  </p:cSld>
-  <p:clrMapOvr>
-    <a:masterClrMapping/>
-  </p:clrMapOvr>
-  <p:timing>
-    <p:tnLst>
-      <p:par>
-        <p:cTn id="1" dur="indefinite" restart="never" nodeType="tmRoot">
-          <p:childTnLst>
-            <p:seq concurrent="1" nextAc="seek">
-              <p:cTn id="2" dur="indefinite" nodeType="mainSeq">
-                <p:childTnLst>
-                  <p:par>
-                    <p:cTn id="3" fill="hold">
-                      <p:stCondLst>
-                        <p:cond delay="indefinite"/>
-                      </p:stCondLst>
-                      <p:childTnLst>
-                        <p:par>
-                          <p:cTn id="4" fill="hold">
-                            <p:stCondLst>
-                              <p:cond delay="0"/>
-                            </p:stCondLst>
-                            <p:childTnLst>
-                              <p:par>
-                                <p:cTn id="5" presetID="10" presetClass="exit" presetSubtype="0" fill="hold" grpId="0" nodeType="clickEffect">
-                                  <p:stCondLst>
-                                    <p:cond delay="0"/>
-                                  </p:stCondLst>
-                                  <p:childTnLst>
-                                    <p:animEffect transition="out" filter="fade">
-                                      <p:cBhvr>
-                                        <p:cTn id="6" dur="500"/>
-                                        <p:tgtEl>
-                                          <p:spTgt spid="6"/>
-                                        </p:tgtEl>
-                                      </p:cBhvr>
-                                    </p:animEffect>
-                                    <p:set>
-                                      <p:cBhvr>
-                                        <p:cTn id="7" dur="1" fill="hold">
-                                          <p:stCondLst>
-                                            <p:cond delay="499"/>
-                                          </p:stCondLst>
-                                        </p:cTn>
-                                        <p:tgtEl>
-                                          <p:spTgt spid="6"/>
-                                        </p:tgtEl>
-                                        <p:attrNameLst>
-                                          <p:attrName>style.visibility</p:attrName>
-                                        </p:attrNameLst>
-                                      </p:cBhvr>
-                                      <p:to>
-                                        <p:strVal val="hidden"/>
-                                      </p:to>
-                                    </p:set>
-                                  </p:childTnLst>
-                                </p:cTn>
-                              </p:par>
-                            </p:childTnLst>
-                          </p:cTn>
-                        </p:par>
-                      </p:childTnLst>
-                    </p:cTn>
-                  </p:par>
-                  <p:par>
-                    <p:cTn id="8" fill="hold">
-                      <p:stCondLst>
-                        <p:cond delay="indefinite"/>
-                      </p:stCondLst>
-                      <p:childTnLst>
-                        <p:par>
-                          <p:cTn id="9" fill="hold">
-                            <p:stCondLst>
-                              <p:cond delay="0"/>
-                            </p:stCondLst>
-                            <p:childTnLst>
-                              <p:par>
-                                <p:cTn id="10" presetID="10" presetClass="exit" presetSubtype="0" fill="hold" grpId="0" nodeType="clickEffect">
-                                  <p:stCondLst>
-                                    <p:cond delay="0"/>
-                                  </p:stCondLst>
-                                  <p:childTnLst>
-                                    <p:animEffect transition="out" filter="fade">
-                                      <p:cBhvr>
-                                        <p:cTn id="11" dur="500"/>
-                                        <p:tgtEl>
-                                          <p:spTgt spid="7"/>
-                                        </p:tgtEl>
-                                      </p:cBhvr>
-                                    </p:animEffect>
-                                    <p:set>
-                                      <p:cBhvr>
-                                        <p:cTn id="12" dur="1" fill="hold">
-                                          <p:stCondLst>
-                                            <p:cond delay="499"/>
-                                          </p:stCondLst>
-                                        </p:cTn>
-                                        <p:tgtEl>
-                                          <p:spTgt spid="7"/>
-                                        </p:tgtEl>
-                                        <p:attrNameLst>
-                                          <p:attrName>style.visibility</p:attrName>
-                                        </p:attrNameLst>
-                                      </p:cBhvr>
-                                      <p:to>
-                                        <p:strVal val="hidden"/>
-                                      </p:to>
-                                    </p:set>
-                                  </p:childTnLst>
-                                </p:cTn>
-                              </p:par>
-                            </p:childTnLst>
-                          </p:cTn>
-                        </p:par>
-                      </p:childTnLst>
-                    </p:cTn>
-                  </p:par>
-                  <p:par>
-                    <p:cTn id="13" fill="hold">
-                      <p:stCondLst>
-                        <p:cond delay="indefinite"/>
-                      </p:stCondLst>
-                      <p:childTnLst>
-                        <p:par>
-                          <p:cTn id="14" fill="hold">
-                            <p:stCondLst>
-                              <p:cond delay="0"/>
-                            </p:stCondLst>
-                            <p:childTnLst>
-                              <p:par>
-                                <p:cTn id="15" presetID="10" presetClass="exit" presetSubtype="0" fill="hold" grpId="0" nodeType="clickEffect">
-                                  <p:stCondLst>
-                                    <p:cond delay="0"/>
-                                  </p:stCondLst>
-                                  <p:childTnLst>
-                                    <p:animEffect transition="out" filter="fade">
-                                      <p:cBhvr>
-                                        <p:cTn id="16" dur="500"/>
-                                        <p:tgtEl>
-                                          <p:spTgt spid="8"/>
-                                        </p:tgtEl>
-                                      </p:cBhvr>
-                                    </p:animEffect>
-                                    <p:set>
-                                      <p:cBhvr>
-                                        <p:cTn id="17" dur="1" fill="hold">
-                                          <p:stCondLst>
-                                            <p:cond delay="499"/>
-                                          </p:stCondLst>
-                                        </p:cTn>
-                                        <p:tgtEl>
-                                          <p:spTgt spid="8"/>
-                                        </p:tgtEl>
-                                        <p:attrNameLst>
-                                          <p:attrName>style.visibility</p:attrName>
-                                        </p:attrNameLst>
-                                      </p:cBhvr>
-                                      <p:to>
-                                        <p:strVal val="hidden"/>
-                                      </p:to>
-                                    </p:set>
-                                  </p:childTnLst>
-                                </p:cTn>
-                              </p:par>
-                            </p:childTnLst>
-                          </p:cTn>
-                        </p:par>
-                      </p:childTnLst>
-                    </p:cTn>
-                  </p:par>
-                  <p:par>
-                    <p:cTn id="18" fill="hold">
-                      <p:stCondLst>
-                        <p:cond delay="indefinite"/>
-                      </p:stCondLst>
-                      <p:childTnLst>
-                        <p:par>
-                          <p:cTn id="19" fill="hold">
-                            <p:stCondLst>
-                              <p:cond delay="0"/>
-                            </p:stCondLst>
-                            <p:childTnLst>
-                              <p:par>
-                                <p:cTn id="20" presetID="1" presetClass="entr" presetSubtype="0" fill="hold" grpId="0" nodeType="clickEffect">
-                                  <p:stCondLst>
-                                    <p:cond delay="0"/>
-                                  </p:stCondLst>
-                                  <p:childTnLst>
-                                    <p:set>
-                                      <p:cBhvr>
-                                        <p:cTn id="21" dur="1" fill="hold">
-                                          <p:stCondLst>
-                                            <p:cond delay="0"/>
-                                          </p:stCondLst>
-                                        </p:cTn>
-                                        <p:tgtEl>
-                                          <p:spTgt spid="9"/>
-                                        </p:tgtEl>
-                                        <p:attrNameLst>
-                                          <p:attrName>style.visibility</p:attrName>
-                                        </p:attrNameLst>
-                                      </p:cBhvr>
-                                      <p:to>
-                                        <p:strVal val="visible"/>
-                                      </p:to>
-                                    </p:set>
-                                  </p:childTnLst>
-                                </p:cTn>
-                              </p:par>
-                            </p:childTnLst>
-                          </p:cTn>
-                        </p:par>
-                      </p:childTnLst>
-                    </p:cTn>
-                  </p:par>
-                  <p:par>
-                    <p:cTn id="22" fill="hold">
-                      <p:stCondLst>
-                        <p:cond delay="indefinite"/>
-                      </p:stCondLst>
-                      <p:childTnLst>
-                        <p:par>
-                          <p:cTn id="23" fill="hold">
-                            <p:stCondLst>
-                              <p:cond delay="0"/>
-                            </p:stCondLst>
-                            <p:childTnLst>
-                              <p:par>
-                                <p:cTn id="24" presetID="1" presetClass="entr" presetSubtype="0" fill="hold" grpId="0" nodeType="clickEffect">
-                                  <p:stCondLst>
-                                    <p:cond delay="0"/>
-                                  </p:stCondLst>
-                                  <p:childTnLst>
-                                    <p:set>
-                                      <p:cBhvr>
-                                        <p:cTn id="25" dur="1" fill="hold">
-                                          <p:stCondLst>
-                                            <p:cond delay="0"/>
-                                          </p:stCondLst>
-                                        </p:cTn>
-                                        <p:tgtEl>
-                                          <p:spTgt spid="11"/>
-                                        </p:tgtEl>
-                                        <p:attrNameLst>
-                                          <p:attrName>style.visibility</p:attrName>
-                                        </p:attrNameLst>
-                                      </p:cBhvr>
-                                      <p:to>
-                                        <p:strVal val="visible"/>
-                                      </p:to>
-                                    </p:set>
-                                  </p:childTnLst>
-                                </p:cTn>
-                              </p:par>
-                            </p:childTnLst>
-                          </p:cTn>
-                        </p:par>
-                      </p:childTnLst>
-                    </p:cTn>
-                  </p:par>
-                  <p:par>
-                    <p:cTn id="26" fill="hold">
-                      <p:stCondLst>
-                        <p:cond delay="indefinite"/>
-                      </p:stCondLst>
-                      <p:childTnLst>
-                        <p:par>
-                          <p:cTn id="27" fill="hold">
-                            <p:stCondLst>
-                              <p:cond delay="0"/>
-                            </p:stCondLst>
-                            <p:childTnLst>
-                              <p:par>
-                                <p:cTn id="28" presetID="1" presetClass="entr" presetSubtype="0" fill="hold" grpId="0" nodeType="clickEffect">
-                                  <p:stCondLst>
-                                    <p:cond delay="0"/>
-                                  </p:stCondLst>
-                                  <p:childTnLst>
-                                    <p:set>
-                                      <p:cBhvr>
-                                        <p:cTn id="29" dur="1" fill="hold">
-                                          <p:stCondLst>
-                                            <p:cond delay="0"/>
-                                          </p:stCondLst>
-                                        </p:cTn>
-                                        <p:tgtEl>
-                                          <p:spTgt spid="12"/>
-                                        </p:tgtEl>
-                                        <p:attrNameLst>
-                                          <p:attrName>style.visibility</p:attrName>
-                                        </p:attrNameLst>
-                                      </p:cBhvr>
-                                      <p:to>
-                                        <p:strVal val="visible"/>
-                                      </p:to>
-                                    </p:set>
-                                  </p:childTnLst>
-                                </p:cTn>
-                              </p:par>
-                            </p:childTnLst>
-                          </p:cTn>
-                        </p:par>
-                      </p:childTnLst>
-                    </p:cTn>
-                  </p:par>
-                </p:childTnLst>
-              </p:cTn>
-              <p:prevCondLst>
-                <p:cond evt="onPrev" delay="0">
-                  <p:tgtEl>
-                    <p:sldTgt/>
-                  </p:tgtEl>
-                </p:cond>
-              </p:prevCondLst>
-              <p:nextCondLst>
-                <p:cond evt="onNext" delay="0">
-                  <p:tgtEl>
-                    <p:sldTgt/>
-                  </p:tgtEl>
-                </p:cond>
-              </p:nextCondLst>
-            </p:seq>
-          </p:childTnLst>
-        </p:cTn>
-      </p:par>
-    </p:tnLst>
-    <p:bldLst>
-      <p:bldP spid="6" grpId="0" animBg="1"/>
-      <p:bldP spid="7" grpId="0" animBg="1"/>
-      <p:bldP spid="8" grpId="0" animBg="1"/>
-      <p:bldP spid="9" grpId="0"/>
-      <p:bldP spid="11" grpId="0"/>
-      <p:bldP spid="12" grpId="0"/>
-    </p:bldLst>
-  </p:timing>
-</p:sld>
-</file>
-
 <file path=ppt/theme/theme1.xml><?xml version="1.0" encoding="utf-8"?>
 <a:theme xmlns:a="http://schemas.openxmlformats.org/drawingml/2006/main" name="Office">
   <a:themeElements>
